--- a/Slides/08_Angular_TrainingPlan.pptx
+++ b/Slides/08_Angular_TrainingPlan.pptx
@@ -5,7 +5,7 @@
     <p:sldMasterId id="2147483672" r:id="rId1"/>
   </p:sldMasterIdLst>
   <p:notesMasterIdLst>
-    <p:notesMasterId r:id="rId26"/>
+    <p:notesMasterId r:id="rId27"/>
   </p:notesMasterIdLst>
   <p:sldIdLst>
     <p:sldId id="256" r:id="rId2"/>
@@ -17,21 +17,22 @@
     <p:sldId id="317" r:id="rId8"/>
     <p:sldId id="339" r:id="rId9"/>
     <p:sldId id="344" r:id="rId10"/>
-    <p:sldId id="340" r:id="rId11"/>
+    <p:sldId id="349" r:id="rId11"/>
     <p:sldId id="324" r:id="rId12"/>
     <p:sldId id="326" r:id="rId13"/>
     <p:sldId id="304" r:id="rId14"/>
     <p:sldId id="345" r:id="rId15"/>
-    <p:sldId id="334" r:id="rId16"/>
-    <p:sldId id="330" r:id="rId17"/>
-    <p:sldId id="337" r:id="rId18"/>
-    <p:sldId id="346" r:id="rId19"/>
-    <p:sldId id="336" r:id="rId20"/>
-    <p:sldId id="333" r:id="rId21"/>
-    <p:sldId id="338" r:id="rId22"/>
-    <p:sldId id="335" r:id="rId23"/>
-    <p:sldId id="343" r:id="rId24"/>
-    <p:sldId id="348" r:id="rId25"/>
+    <p:sldId id="350" r:id="rId16"/>
+    <p:sldId id="334" r:id="rId17"/>
+    <p:sldId id="330" r:id="rId18"/>
+    <p:sldId id="337" r:id="rId19"/>
+    <p:sldId id="346" r:id="rId20"/>
+    <p:sldId id="351" r:id="rId21"/>
+    <p:sldId id="333" r:id="rId22"/>
+    <p:sldId id="338" r:id="rId23"/>
+    <p:sldId id="352" r:id="rId24"/>
+    <p:sldId id="343" r:id="rId25"/>
+    <p:sldId id="348" r:id="rId26"/>
   </p:sldIdLst>
   <p:sldSz cx="12192000" cy="6858000"/>
   <p:notesSz cx="6858000" cy="9144000"/>
@@ -220,7 +221,7 @@
           <a:p>
             <a:fld id="{E56F1039-F5BC-4E17-940A-BF8616FF3F3A}" type="datetimeFigureOut">
               <a:rPr lang="en-US" smtClean="0"/>
-              <a:t>1/21/2018</a:t>
+              <a:t>2/4/2018</a:t>
             </a:fld>
             <a:endParaRPr lang="en-US"/>
           </a:p>
@@ -1230,7 +1231,7 @@
     </p:spTree>
     <p:extLst>
       <p:ext uri="{BB962C8B-B14F-4D97-AF65-F5344CB8AC3E}">
-        <p14:creationId xmlns:p14="http://schemas.microsoft.com/office/powerpoint/2010/main" val="1525129704"/>
+        <p14:creationId xmlns:p14="http://schemas.microsoft.com/office/powerpoint/2010/main" val="928363010"/>
       </p:ext>
     </p:extLst>
   </p:cSld>
@@ -1284,115 +1285,11 @@
           <a:bodyPr/>
           <a:lstStyle/>
           <a:p>
-            <a:pPr marL="171450" marR="0" lvl="0" indent="-171450" algn="l" defTabSz="914400" rtl="0" eaLnBrk="1" fontAlgn="auto" latinLnBrk="0" hangingPunct="1">
-              <a:lnSpc>
-                <a:spcPct val="100000"/>
-              </a:lnSpc>
-              <a:spcBef>
-                <a:spcPts val="0"/>
-              </a:spcBef>
-              <a:spcAft>
-                <a:spcPts val="0"/>
-              </a:spcAft>
-              <a:buClrTx/>
-              <a:buSzTx/>
-              <a:buFont typeface="Arial" panose="020B0604020202020204" pitchFamily="34" charset="0"/>
-              <a:buChar char="•"/>
-              <a:tabLst/>
-              <a:defRPr/>
-            </a:pPr>
-            <a:r>
-              <a:rPr lang="en-US" sz="1200" dirty="0" smtClean="0"/>
-              <a:t>Routes</a:t>
-            </a:r>
-            <a:r>
-              <a:rPr lang="en-US" sz="1200" baseline="0" dirty="0" smtClean="0"/>
-              <a:t> allow for navigation through the website.</a:t>
-            </a:r>
-          </a:p>
-          <a:p>
-            <a:pPr marL="171450" marR="0" lvl="0" indent="-171450" algn="l" defTabSz="914400" rtl="0" eaLnBrk="1" fontAlgn="auto" latinLnBrk="0" hangingPunct="1">
-              <a:lnSpc>
-                <a:spcPct val="100000"/>
-              </a:lnSpc>
-              <a:spcBef>
-                <a:spcPts val="0"/>
-              </a:spcBef>
-              <a:spcAft>
-                <a:spcPts val="0"/>
-              </a:spcAft>
-              <a:buClrTx/>
-              <a:buSzTx/>
-              <a:buFont typeface="Arial" panose="020B0604020202020204" pitchFamily="34" charset="0"/>
-              <a:buChar char="•"/>
-              <a:tabLst/>
-              <a:defRPr/>
-            </a:pPr>
-            <a:r>
-              <a:rPr lang="en-US" sz="1200" baseline="0" dirty="0" smtClean="0"/>
-              <a:t>Routes are setup in the module file and specify the path for a specific router link.</a:t>
-            </a:r>
-          </a:p>
-          <a:p>
-            <a:pPr marL="171450" marR="0" lvl="0" indent="-171450" algn="l" defTabSz="914400" rtl="0" eaLnBrk="1" fontAlgn="auto" latinLnBrk="0" hangingPunct="1">
-              <a:lnSpc>
-                <a:spcPct val="100000"/>
-              </a:lnSpc>
-              <a:spcBef>
-                <a:spcPts val="0"/>
-              </a:spcBef>
-              <a:spcAft>
-                <a:spcPts val="0"/>
-              </a:spcAft>
-              <a:buClrTx/>
-              <a:buSzTx/>
-              <a:buFont typeface="Arial" panose="020B0604020202020204" pitchFamily="34" charset="0"/>
-              <a:buChar char="•"/>
-              <a:tabLst/>
-              <a:defRPr/>
-            </a:pPr>
-            <a:r>
-              <a:rPr lang="en-US" sz="1200" baseline="0" dirty="0" smtClean="0"/>
-              <a:t>* can be used to route all undefined paths.</a:t>
-            </a:r>
-            <a:endParaRPr lang="en-US" sz="1200" dirty="0" smtClean="0"/>
-          </a:p>
-          <a:p>
-            <a:pPr marL="171450" marR="0" lvl="0" indent="-171450" algn="l" defTabSz="914400" rtl="0" eaLnBrk="1" fontAlgn="auto" latinLnBrk="0" hangingPunct="1">
-              <a:lnSpc>
-                <a:spcPct val="100000"/>
-              </a:lnSpc>
-              <a:spcBef>
-                <a:spcPts val="0"/>
-              </a:spcBef>
-              <a:spcAft>
-                <a:spcPts val="0"/>
-              </a:spcAft>
-              <a:buClrTx/>
-              <a:buSzTx/>
-              <a:buFont typeface="Arial" panose="020B0604020202020204" pitchFamily="34" charset="0"/>
-              <a:buChar char="•"/>
-              <a:tabLst/>
-              <a:defRPr/>
-            </a:pPr>
-            <a:r>
-              <a:rPr lang="en-US" sz="1200" dirty="0" smtClean="0"/>
-              <a:t>Example:  </a:t>
-            </a:r>
-            <a:r>
-              <a:rPr lang="en-US" sz="1200" dirty="0" smtClean="0">
-                <a:hlinkClick r:id="rId3"/>
-              </a:rPr>
-              <a:t>https://www.tutorialspoint.com/angular2/angular2_routing.htm</a:t>
-            </a:r>
-            <a:endParaRPr lang="en-US" sz="1200" dirty="0" smtClean="0"/>
-          </a:p>
-          <a:p>
             <a:pPr marL="171450" indent="-171450">
               <a:buFont typeface="Arial" panose="020B0604020202020204" pitchFamily="34" charset="0"/>
               <a:buChar char="•"/>
             </a:pPr>
-            <a:endParaRPr lang="en-US" baseline="0" dirty="0" smtClean="0"/>
+            <a:endParaRPr lang="en-US" dirty="0"/>
           </a:p>
         </p:txBody>
       </p:sp>
@@ -1411,7 +1308,7 @@
           <a:bodyPr/>
           <a:lstStyle/>
           <a:p>
-            <a:fld id="{90562276-63C7-43F9-8E9E-CFA137F6F839}" type="slidenum">
+            <a:fld id="{226FA58D-4B12-4E7B-A2FA-693CE3EACDFD}" type="slidenum">
               <a:rPr lang="en-US" smtClean="0"/>
               <a:t>16</a:t>
             </a:fld>
@@ -1422,7 +1319,7 @@
     </p:spTree>
     <p:extLst>
       <p:ext uri="{BB962C8B-B14F-4D97-AF65-F5344CB8AC3E}">
-        <p14:creationId xmlns:p14="http://schemas.microsoft.com/office/powerpoint/2010/main" val="1379035141"/>
+        <p14:creationId xmlns:p14="http://schemas.microsoft.com/office/powerpoint/2010/main" val="1525129704"/>
       </p:ext>
     </p:extLst>
   </p:cSld>
@@ -1476,7 +1373,115 @@
           <a:bodyPr/>
           <a:lstStyle/>
           <a:p>
-            <a:endParaRPr lang="en-US" dirty="0"/>
+            <a:pPr marL="171450" marR="0" lvl="0" indent="-171450" algn="l" defTabSz="914400" rtl="0" eaLnBrk="1" fontAlgn="auto" latinLnBrk="0" hangingPunct="1">
+              <a:lnSpc>
+                <a:spcPct val="100000"/>
+              </a:lnSpc>
+              <a:spcBef>
+                <a:spcPts val="0"/>
+              </a:spcBef>
+              <a:spcAft>
+                <a:spcPts val="0"/>
+              </a:spcAft>
+              <a:buClrTx/>
+              <a:buSzTx/>
+              <a:buFont typeface="Arial" panose="020B0604020202020204" pitchFamily="34" charset="0"/>
+              <a:buChar char="•"/>
+              <a:tabLst/>
+              <a:defRPr/>
+            </a:pPr>
+            <a:r>
+              <a:rPr lang="en-US" sz="1200" dirty="0" smtClean="0"/>
+              <a:t>Routes</a:t>
+            </a:r>
+            <a:r>
+              <a:rPr lang="en-US" sz="1200" baseline="0" dirty="0" smtClean="0"/>
+              <a:t> allow for navigation through the website.</a:t>
+            </a:r>
+          </a:p>
+          <a:p>
+            <a:pPr marL="171450" marR="0" lvl="0" indent="-171450" algn="l" defTabSz="914400" rtl="0" eaLnBrk="1" fontAlgn="auto" latinLnBrk="0" hangingPunct="1">
+              <a:lnSpc>
+                <a:spcPct val="100000"/>
+              </a:lnSpc>
+              <a:spcBef>
+                <a:spcPts val="0"/>
+              </a:spcBef>
+              <a:spcAft>
+                <a:spcPts val="0"/>
+              </a:spcAft>
+              <a:buClrTx/>
+              <a:buSzTx/>
+              <a:buFont typeface="Arial" panose="020B0604020202020204" pitchFamily="34" charset="0"/>
+              <a:buChar char="•"/>
+              <a:tabLst/>
+              <a:defRPr/>
+            </a:pPr>
+            <a:r>
+              <a:rPr lang="en-US" sz="1200" baseline="0" dirty="0" smtClean="0"/>
+              <a:t>Routes are setup in the module file and specify the path for a specific router link.</a:t>
+            </a:r>
+          </a:p>
+          <a:p>
+            <a:pPr marL="171450" marR="0" lvl="0" indent="-171450" algn="l" defTabSz="914400" rtl="0" eaLnBrk="1" fontAlgn="auto" latinLnBrk="0" hangingPunct="1">
+              <a:lnSpc>
+                <a:spcPct val="100000"/>
+              </a:lnSpc>
+              <a:spcBef>
+                <a:spcPts val="0"/>
+              </a:spcBef>
+              <a:spcAft>
+                <a:spcPts val="0"/>
+              </a:spcAft>
+              <a:buClrTx/>
+              <a:buSzTx/>
+              <a:buFont typeface="Arial" panose="020B0604020202020204" pitchFamily="34" charset="0"/>
+              <a:buChar char="•"/>
+              <a:tabLst/>
+              <a:defRPr/>
+            </a:pPr>
+            <a:r>
+              <a:rPr lang="en-US" sz="1200" baseline="0" dirty="0" smtClean="0"/>
+              <a:t>* can be used to route all undefined paths.</a:t>
+            </a:r>
+            <a:endParaRPr lang="en-US" sz="1200" dirty="0" smtClean="0"/>
+          </a:p>
+          <a:p>
+            <a:pPr marL="171450" marR="0" lvl="0" indent="-171450" algn="l" defTabSz="914400" rtl="0" eaLnBrk="1" fontAlgn="auto" latinLnBrk="0" hangingPunct="1">
+              <a:lnSpc>
+                <a:spcPct val="100000"/>
+              </a:lnSpc>
+              <a:spcBef>
+                <a:spcPts val="0"/>
+              </a:spcBef>
+              <a:spcAft>
+                <a:spcPts val="0"/>
+              </a:spcAft>
+              <a:buClrTx/>
+              <a:buSzTx/>
+              <a:buFont typeface="Arial" panose="020B0604020202020204" pitchFamily="34" charset="0"/>
+              <a:buChar char="•"/>
+              <a:tabLst/>
+              <a:defRPr/>
+            </a:pPr>
+            <a:r>
+              <a:rPr lang="en-US" sz="1200" dirty="0" smtClean="0"/>
+              <a:t>Example:  </a:t>
+            </a:r>
+            <a:r>
+              <a:rPr lang="en-US" sz="1200" dirty="0" smtClean="0">
+                <a:hlinkClick r:id="rId3"/>
+              </a:rPr>
+              <a:t>https://www.tutorialspoint.com/angular2/angular2_routing.htm</a:t>
+            </a:r>
+            <a:endParaRPr lang="en-US" sz="1200" dirty="0" smtClean="0"/>
+          </a:p>
+          <a:p>
+            <a:pPr marL="171450" indent="-171450">
+              <a:buFont typeface="Arial" panose="020B0604020202020204" pitchFamily="34" charset="0"/>
+              <a:buChar char="•"/>
+            </a:pPr>
+            <a:endParaRPr lang="en-US" baseline="0" dirty="0" smtClean="0"/>
           </a:p>
         </p:txBody>
       </p:sp>
@@ -1495,7 +1500,7 @@
           <a:bodyPr/>
           <a:lstStyle/>
           <a:p>
-            <a:fld id="{E090B8CA-1AD8-477E-9569-51E0CFA26921}" type="slidenum">
+            <a:fld id="{90562276-63C7-43F9-8E9E-CFA137F6F839}" type="slidenum">
               <a:rPr lang="en-US" smtClean="0"/>
               <a:t>17</a:t>
             </a:fld>
@@ -1506,7 +1511,7 @@
     </p:spTree>
     <p:extLst>
       <p:ext uri="{BB962C8B-B14F-4D97-AF65-F5344CB8AC3E}">
-        <p14:creationId xmlns:p14="http://schemas.microsoft.com/office/powerpoint/2010/main" val="2408741293"/>
+        <p14:creationId xmlns:p14="http://schemas.microsoft.com/office/powerpoint/2010/main" val="1379035141"/>
       </p:ext>
     </p:extLst>
   </p:cSld>
@@ -1560,46 +1565,6 @@
           <a:bodyPr/>
           <a:lstStyle/>
           <a:p>
-            <a:pPr marL="171450" lvl="0" indent="-171450">
-              <a:buFont typeface="Arial" panose="020B0604020202020204" pitchFamily="34" charset="0"/>
-              <a:buChar char="•"/>
-            </a:pPr>
-            <a:r>
-              <a:rPr lang="en-US" sz="1200" kern="1200" dirty="0" smtClean="0">
-                <a:solidFill>
-                  <a:schemeClr val="tx1"/>
-                </a:solidFill>
-                <a:effectLst/>
-                <a:latin typeface="+mn-lt"/>
-                <a:ea typeface="+mn-ea"/>
-                <a:cs typeface="+mn-cs"/>
-              </a:rPr>
-              <a:t>Write on the board a route definition for a route called home.</a:t>
-            </a:r>
-          </a:p>
-          <a:p>
-            <a:pPr marL="171450" lvl="0" indent="-171450">
-              <a:buFont typeface="Arial" panose="020B0604020202020204" pitchFamily="34" charset="0"/>
-              <a:buChar char="•"/>
-            </a:pPr>
-            <a:r>
-              <a:rPr lang="en-US" sz="1200" kern="1200" dirty="0" smtClean="0">
-                <a:solidFill>
-                  <a:schemeClr val="tx1"/>
-                </a:solidFill>
-                <a:effectLst/>
-                <a:latin typeface="+mn-lt"/>
-                <a:ea typeface="+mn-ea"/>
-                <a:cs typeface="+mn-cs"/>
-              </a:rPr>
-              <a:t>Write on the board a link that uses a route called home.</a:t>
-            </a:r>
-          </a:p>
-          <a:p>
-            <a:pPr marL="457200" lvl="1" indent="0">
-              <a:buFont typeface="Arial" panose="020B0604020202020204" pitchFamily="34" charset="0"/>
-              <a:buNone/>
-            </a:pPr>
             <a:endParaRPr lang="en-US" dirty="0"/>
           </a:p>
         </p:txBody>
@@ -1619,7 +1584,7 @@
           <a:bodyPr/>
           <a:lstStyle/>
           <a:p>
-            <a:fld id="{226FA58D-4B12-4E7B-A2FA-693CE3EACDFD}" type="slidenum">
+            <a:fld id="{E090B8CA-1AD8-477E-9569-51E0CFA26921}" type="slidenum">
               <a:rPr lang="en-US" smtClean="0"/>
               <a:t>18</a:t>
             </a:fld>
@@ -1630,7 +1595,7 @@
     </p:spTree>
     <p:extLst>
       <p:ext uri="{BB962C8B-B14F-4D97-AF65-F5344CB8AC3E}">
-        <p14:creationId xmlns:p14="http://schemas.microsoft.com/office/powerpoint/2010/main" val="2855933107"/>
+        <p14:creationId xmlns:p14="http://schemas.microsoft.com/office/powerpoint/2010/main" val="2408741293"/>
       </p:ext>
     </p:extLst>
   </p:cSld>
@@ -1684,10 +1649,46 @@
           <a:bodyPr/>
           <a:lstStyle/>
           <a:p>
-            <a:pPr marL="171450" indent="-171450">
+            <a:pPr marL="171450" lvl="0" indent="-171450">
               <a:buFont typeface="Arial" panose="020B0604020202020204" pitchFamily="34" charset="0"/>
               <a:buChar char="•"/>
             </a:pPr>
+            <a:r>
+              <a:rPr lang="en-US" sz="1200" kern="1200" dirty="0" smtClean="0">
+                <a:solidFill>
+                  <a:schemeClr val="tx1"/>
+                </a:solidFill>
+                <a:effectLst/>
+                <a:latin typeface="+mn-lt"/>
+                <a:ea typeface="+mn-ea"/>
+                <a:cs typeface="+mn-cs"/>
+              </a:rPr>
+              <a:t>Write on the board a route definition for a route called home.</a:t>
+            </a:r>
+          </a:p>
+          <a:p>
+            <a:pPr marL="171450" lvl="0" indent="-171450">
+              <a:buFont typeface="Arial" panose="020B0604020202020204" pitchFamily="34" charset="0"/>
+              <a:buChar char="•"/>
+            </a:pPr>
+            <a:r>
+              <a:rPr lang="en-US" sz="1200" kern="1200" dirty="0" smtClean="0">
+                <a:solidFill>
+                  <a:schemeClr val="tx1"/>
+                </a:solidFill>
+                <a:effectLst/>
+                <a:latin typeface="+mn-lt"/>
+                <a:ea typeface="+mn-ea"/>
+                <a:cs typeface="+mn-cs"/>
+              </a:rPr>
+              <a:t>Write on the board a link that uses a route called home.</a:t>
+            </a:r>
+          </a:p>
+          <a:p>
+            <a:pPr marL="457200" lvl="1" indent="0">
+              <a:buFont typeface="Arial" panose="020B0604020202020204" pitchFamily="34" charset="0"/>
+              <a:buNone/>
+            </a:pPr>
             <a:endParaRPr lang="en-US" dirty="0"/>
           </a:p>
         </p:txBody>
@@ -1718,7 +1719,7 @@
     </p:spTree>
     <p:extLst>
       <p:ext uri="{BB962C8B-B14F-4D97-AF65-F5344CB8AC3E}">
-        <p14:creationId xmlns:p14="http://schemas.microsoft.com/office/powerpoint/2010/main" val="3143050908"/>
+        <p14:creationId xmlns:p14="http://schemas.microsoft.com/office/powerpoint/2010/main" val="2855933107"/>
       </p:ext>
     </p:extLst>
   </p:cSld>
@@ -1776,38 +1777,7 @@
               <a:buFont typeface="Arial" panose="020B0604020202020204" pitchFamily="34" charset="0"/>
               <a:buChar char="•"/>
             </a:pPr>
-            <a:r>
-              <a:rPr lang="en-US" baseline="0" dirty="0" smtClean="0"/>
-              <a:t>A service class is </a:t>
-            </a:r>
-            <a:r>
-              <a:rPr lang="en-US" baseline="0" dirty="0" err="1" smtClean="0"/>
-              <a:t>usally</a:t>
-            </a:r>
-            <a:r>
-              <a:rPr lang="en-US" baseline="0" dirty="0" smtClean="0"/>
-              <a:t> used to interact with the data.</a:t>
-            </a:r>
-          </a:p>
-          <a:p>
-            <a:pPr marL="171450" indent="-171450">
-              <a:buFont typeface="Arial" panose="020B0604020202020204" pitchFamily="34" charset="0"/>
-              <a:buChar char="•"/>
-            </a:pPr>
-            <a:r>
-              <a:rPr lang="en-US" baseline="0" dirty="0" smtClean="0"/>
-              <a:t>It provides the reading and persisting the data usually calling services from the server.</a:t>
-            </a:r>
-          </a:p>
-          <a:p>
-            <a:pPr marL="171450" indent="-171450">
-              <a:buFont typeface="Arial" panose="020B0604020202020204" pitchFamily="34" charset="0"/>
-              <a:buChar char="•"/>
-            </a:pPr>
-            <a:r>
-              <a:rPr lang="en-US" baseline="0" dirty="0" smtClean="0"/>
-              <a:t>These are hooked up through the component.</a:t>
-            </a:r>
+            <a:endParaRPr lang="en-US" dirty="0"/>
           </a:p>
         </p:txBody>
       </p:sp>
@@ -1826,7 +1796,7 @@
           <a:bodyPr/>
           <a:lstStyle/>
           <a:p>
-            <a:fld id="{90562276-63C7-43F9-8E9E-CFA137F6F839}" type="slidenum">
+            <a:fld id="{226FA58D-4B12-4E7B-A2FA-693CE3EACDFD}" type="slidenum">
               <a:rPr lang="en-US" smtClean="0"/>
               <a:t>20</a:t>
             </a:fld>
@@ -1837,7 +1807,7 @@
     </p:spTree>
     <p:extLst>
       <p:ext uri="{BB962C8B-B14F-4D97-AF65-F5344CB8AC3E}">
-        <p14:creationId xmlns:p14="http://schemas.microsoft.com/office/powerpoint/2010/main" val="2526865882"/>
+        <p14:creationId xmlns:p14="http://schemas.microsoft.com/office/powerpoint/2010/main" val="3375279728"/>
       </p:ext>
     </p:extLst>
   </p:cSld>
@@ -1979,7 +1949,42 @@
           <a:bodyPr/>
           <a:lstStyle/>
           <a:p>
-            <a:endParaRPr lang="en-US" dirty="0"/>
+            <a:pPr marL="171450" indent="-171450">
+              <a:buFont typeface="Arial" panose="020B0604020202020204" pitchFamily="34" charset="0"/>
+              <a:buChar char="•"/>
+            </a:pPr>
+            <a:r>
+              <a:rPr lang="en-US" baseline="0" dirty="0" smtClean="0"/>
+              <a:t>A service class is </a:t>
+            </a:r>
+            <a:r>
+              <a:rPr lang="en-US" baseline="0" dirty="0" err="1" smtClean="0"/>
+              <a:t>usally</a:t>
+            </a:r>
+            <a:r>
+              <a:rPr lang="en-US" baseline="0" dirty="0" smtClean="0"/>
+              <a:t> used to interact with the data.</a:t>
+            </a:r>
+          </a:p>
+          <a:p>
+            <a:pPr marL="171450" indent="-171450">
+              <a:buFont typeface="Arial" panose="020B0604020202020204" pitchFamily="34" charset="0"/>
+              <a:buChar char="•"/>
+            </a:pPr>
+            <a:r>
+              <a:rPr lang="en-US" baseline="0" dirty="0" smtClean="0"/>
+              <a:t>It provides the reading and persisting the data usually calling services from the server.</a:t>
+            </a:r>
+          </a:p>
+          <a:p>
+            <a:pPr marL="171450" indent="-171450">
+              <a:buFont typeface="Arial" panose="020B0604020202020204" pitchFamily="34" charset="0"/>
+              <a:buChar char="•"/>
+            </a:pPr>
+            <a:r>
+              <a:rPr lang="en-US" baseline="0" dirty="0" smtClean="0"/>
+              <a:t>These are hooked up through the component.</a:t>
+            </a:r>
           </a:p>
         </p:txBody>
       </p:sp>
@@ -1998,7 +2003,7 @@
           <a:bodyPr/>
           <a:lstStyle/>
           <a:p>
-            <a:fld id="{E090B8CA-1AD8-477E-9569-51E0CFA26921}" type="slidenum">
+            <a:fld id="{90562276-63C7-43F9-8E9E-CFA137F6F839}" type="slidenum">
               <a:rPr lang="en-US" smtClean="0"/>
               <a:t>21</a:t>
             </a:fld>
@@ -2009,7 +2014,7 @@
     </p:spTree>
     <p:extLst>
       <p:ext uri="{BB962C8B-B14F-4D97-AF65-F5344CB8AC3E}">
-        <p14:creationId xmlns:p14="http://schemas.microsoft.com/office/powerpoint/2010/main" val="206711651"/>
+        <p14:creationId xmlns:p14="http://schemas.microsoft.com/office/powerpoint/2010/main" val="2526865882"/>
       </p:ext>
     </p:extLst>
   </p:cSld>
@@ -2063,10 +2068,6 @@
           <a:bodyPr/>
           <a:lstStyle/>
           <a:p>
-            <a:pPr marL="171450" indent="-171450">
-              <a:buFont typeface="Arial" panose="020B0604020202020204" pitchFamily="34" charset="0"/>
-              <a:buChar char="•"/>
-            </a:pPr>
             <a:endParaRPr lang="en-US" dirty="0"/>
           </a:p>
         </p:txBody>
@@ -2086,7 +2087,7 @@
           <a:bodyPr/>
           <a:lstStyle/>
           <a:p>
-            <a:fld id="{226FA58D-4B12-4E7B-A2FA-693CE3EACDFD}" type="slidenum">
+            <a:fld id="{E090B8CA-1AD8-477E-9569-51E0CFA26921}" type="slidenum">
               <a:rPr lang="en-US" smtClean="0"/>
               <a:t>22</a:t>
             </a:fld>
@@ -2097,7 +2098,7 @@
     </p:spTree>
     <p:extLst>
       <p:ext uri="{BB962C8B-B14F-4D97-AF65-F5344CB8AC3E}">
-        <p14:creationId xmlns:p14="http://schemas.microsoft.com/office/powerpoint/2010/main" val="3770962767"/>
+        <p14:creationId xmlns:p14="http://schemas.microsoft.com/office/powerpoint/2010/main" val="206711651"/>
       </p:ext>
     </p:extLst>
   </p:cSld>
@@ -2151,280 +2152,10 @@
           <a:bodyPr/>
           <a:lstStyle/>
           <a:p>
-            <a:pPr marL="171450" lvl="0" indent="-171450">
+            <a:pPr marL="171450" indent="-171450">
               <a:buFont typeface="Arial" panose="020B0604020202020204" pitchFamily="34" charset="0"/>
               <a:buChar char="•"/>
             </a:pPr>
-            <a:r>
-              <a:rPr lang="en-US" sz="1200" kern="1200" dirty="0" smtClean="0">
-                <a:solidFill>
-                  <a:schemeClr val="tx1"/>
-                </a:solidFill>
-                <a:effectLst/>
-                <a:latin typeface="+mn-lt"/>
-                <a:ea typeface="+mn-ea"/>
-                <a:cs typeface="+mn-cs"/>
-              </a:rPr>
-              <a:t>Write on the board the command to create a new angular application.</a:t>
-            </a:r>
-          </a:p>
-          <a:p>
-            <a:pPr marL="171450" lvl="0" indent="-171450">
-              <a:buFont typeface="Arial" panose="020B0604020202020204" pitchFamily="34" charset="0"/>
-              <a:buChar char="•"/>
-            </a:pPr>
-            <a:r>
-              <a:rPr lang="en-US" sz="1200" kern="1200" dirty="0" smtClean="0">
-                <a:solidFill>
-                  <a:schemeClr val="tx1"/>
-                </a:solidFill>
-                <a:effectLst/>
-                <a:latin typeface="+mn-lt"/>
-                <a:ea typeface="+mn-ea"/>
-                <a:cs typeface="+mn-cs"/>
-              </a:rPr>
-              <a:t>Which piece does html go in?</a:t>
-            </a:r>
-          </a:p>
-          <a:p>
-            <a:pPr marL="171450" lvl="0" indent="-171450">
-              <a:buFont typeface="Arial" panose="020B0604020202020204" pitchFamily="34" charset="0"/>
-              <a:buChar char="•"/>
-            </a:pPr>
-            <a:r>
-              <a:rPr lang="en-US" sz="1200" kern="1200" dirty="0" smtClean="0">
-                <a:solidFill>
-                  <a:schemeClr val="tx1"/>
-                </a:solidFill>
-                <a:effectLst/>
-                <a:latin typeface="+mn-lt"/>
-                <a:ea typeface="+mn-ea"/>
-                <a:cs typeface="+mn-cs"/>
-              </a:rPr>
-              <a:t>Write on the board a div that uses </a:t>
-            </a:r>
-            <a:r>
-              <a:rPr lang="en-US" sz="1200" kern="1200" dirty="0" err="1" smtClean="0">
-                <a:solidFill>
-                  <a:schemeClr val="tx1"/>
-                </a:solidFill>
-                <a:effectLst/>
-                <a:latin typeface="+mn-lt"/>
-                <a:ea typeface="+mn-ea"/>
-                <a:cs typeface="+mn-cs"/>
-              </a:rPr>
-              <a:t>ngif</a:t>
-            </a:r>
-            <a:r>
-              <a:rPr lang="en-US" sz="1200" kern="1200" dirty="0" smtClean="0">
-                <a:solidFill>
-                  <a:schemeClr val="tx1"/>
-                </a:solidFill>
-                <a:effectLst/>
-                <a:latin typeface="+mn-lt"/>
-                <a:ea typeface="+mn-ea"/>
-                <a:cs typeface="+mn-cs"/>
-              </a:rPr>
-              <a:t> based on a property named </a:t>
-            </a:r>
-            <a:r>
-              <a:rPr lang="en-US" sz="1200" kern="1200" dirty="0" err="1" smtClean="0">
-                <a:solidFill>
-                  <a:schemeClr val="tx1"/>
-                </a:solidFill>
-                <a:effectLst/>
-                <a:latin typeface="+mn-lt"/>
-                <a:ea typeface="+mn-ea"/>
-                <a:cs typeface="+mn-cs"/>
-              </a:rPr>
-              <a:t>headerVisible</a:t>
-            </a:r>
-            <a:r>
-              <a:rPr lang="en-US" sz="1200" kern="1200" dirty="0" smtClean="0">
-                <a:solidFill>
-                  <a:schemeClr val="tx1"/>
-                </a:solidFill>
-                <a:effectLst/>
-                <a:latin typeface="+mn-lt"/>
-                <a:ea typeface="+mn-ea"/>
-                <a:cs typeface="+mn-cs"/>
-              </a:rPr>
-              <a:t>.</a:t>
-            </a:r>
-          </a:p>
-          <a:p>
-            <a:pPr marL="171450" lvl="0" indent="-171450">
-              <a:buFont typeface="Arial" panose="020B0604020202020204" pitchFamily="34" charset="0"/>
-              <a:buChar char="•"/>
-            </a:pPr>
-            <a:r>
-              <a:rPr lang="en-US" sz="1200" kern="1200" dirty="0" smtClean="0">
-                <a:solidFill>
-                  <a:schemeClr val="tx1"/>
-                </a:solidFill>
-                <a:effectLst/>
-                <a:latin typeface="+mn-lt"/>
-                <a:ea typeface="+mn-ea"/>
-                <a:cs typeface="+mn-cs"/>
-              </a:rPr>
-              <a:t>Write on the board a component definition.</a:t>
-            </a:r>
-          </a:p>
-          <a:p>
-            <a:pPr marL="171450" lvl="0" indent="-171450">
-              <a:buFont typeface="Arial" panose="020B0604020202020204" pitchFamily="34" charset="0"/>
-              <a:buChar char="•"/>
-            </a:pPr>
-            <a:r>
-              <a:rPr lang="en-US" sz="1200" kern="1200" dirty="0" smtClean="0">
-                <a:solidFill>
-                  <a:schemeClr val="tx1"/>
-                </a:solidFill>
-                <a:effectLst/>
-                <a:latin typeface="+mn-lt"/>
-                <a:ea typeface="+mn-ea"/>
-                <a:cs typeface="+mn-cs"/>
-              </a:rPr>
-              <a:t>What are the four types of binding?</a:t>
-            </a:r>
-          </a:p>
-          <a:p>
-            <a:pPr marL="171450" lvl="0" indent="-171450">
-              <a:buFont typeface="Arial" panose="020B0604020202020204" pitchFamily="34" charset="0"/>
-              <a:buChar char="•"/>
-            </a:pPr>
-            <a:r>
-              <a:rPr lang="en-US" sz="1200" kern="1200" dirty="0" smtClean="0">
-                <a:solidFill>
-                  <a:schemeClr val="tx1"/>
-                </a:solidFill>
-                <a:effectLst/>
-                <a:latin typeface="+mn-lt"/>
-                <a:ea typeface="+mn-ea"/>
-                <a:cs typeface="+mn-cs"/>
-              </a:rPr>
-              <a:t>Write on the board interpolation for a property called name.</a:t>
-            </a:r>
-          </a:p>
-          <a:p>
-            <a:pPr marL="171450" lvl="0" indent="-171450">
-              <a:buFont typeface="Arial" panose="020B0604020202020204" pitchFamily="34" charset="0"/>
-              <a:buChar char="•"/>
-            </a:pPr>
-            <a:r>
-              <a:rPr lang="en-US" sz="1200" kern="1200" dirty="0" smtClean="0">
-                <a:solidFill>
-                  <a:schemeClr val="tx1"/>
-                </a:solidFill>
-                <a:effectLst/>
-                <a:latin typeface="+mn-lt"/>
-                <a:ea typeface="+mn-ea"/>
-                <a:cs typeface="+mn-cs"/>
-              </a:rPr>
-              <a:t>Write on the board a text field with a two way binding to a property called name.</a:t>
-            </a:r>
-          </a:p>
-          <a:p>
-            <a:pPr marL="171450" lvl="0" indent="-171450">
-              <a:buFont typeface="Arial" panose="020B0604020202020204" pitchFamily="34" charset="0"/>
-              <a:buChar char="•"/>
-            </a:pPr>
-            <a:r>
-              <a:rPr lang="en-US" sz="1200" kern="1200" dirty="0" smtClean="0">
-                <a:solidFill>
-                  <a:schemeClr val="tx1"/>
-                </a:solidFill>
-                <a:effectLst/>
-                <a:latin typeface="+mn-lt"/>
-                <a:ea typeface="+mn-ea"/>
-                <a:cs typeface="+mn-cs"/>
-              </a:rPr>
-              <a:t>Write on the board a button with an event binding to an event called </a:t>
-            </a:r>
-            <a:r>
-              <a:rPr lang="en-US" sz="1200" kern="1200" dirty="0" err="1" smtClean="0">
-                <a:solidFill>
-                  <a:schemeClr val="tx1"/>
-                </a:solidFill>
-                <a:effectLst/>
-                <a:latin typeface="+mn-lt"/>
-                <a:ea typeface="+mn-ea"/>
-                <a:cs typeface="+mn-cs"/>
-              </a:rPr>
-              <a:t>onButtonClick</a:t>
-            </a:r>
-            <a:r>
-              <a:rPr lang="en-US" sz="1200" kern="1200" dirty="0" smtClean="0">
-                <a:solidFill>
-                  <a:schemeClr val="tx1"/>
-                </a:solidFill>
-                <a:effectLst/>
-                <a:latin typeface="+mn-lt"/>
-                <a:ea typeface="+mn-ea"/>
-                <a:cs typeface="+mn-cs"/>
-              </a:rPr>
-              <a:t>.</a:t>
-            </a:r>
-          </a:p>
-          <a:p>
-            <a:pPr marL="171450" lvl="0" indent="-171450">
-              <a:buFont typeface="Arial" panose="020B0604020202020204" pitchFamily="34" charset="0"/>
-              <a:buChar char="•"/>
-            </a:pPr>
-            <a:r>
-              <a:rPr lang="en-US" sz="1200" kern="1200" dirty="0" smtClean="0">
-                <a:solidFill>
-                  <a:schemeClr val="tx1"/>
-                </a:solidFill>
-                <a:effectLst/>
-                <a:latin typeface="+mn-lt"/>
-                <a:ea typeface="+mn-ea"/>
-                <a:cs typeface="+mn-cs"/>
-              </a:rPr>
-              <a:t>Write on the board a route definition for a route called home.</a:t>
-            </a:r>
-          </a:p>
-          <a:p>
-            <a:pPr marL="171450" lvl="0" indent="-171450">
-              <a:buFont typeface="Arial" panose="020B0604020202020204" pitchFamily="34" charset="0"/>
-              <a:buChar char="•"/>
-            </a:pPr>
-            <a:r>
-              <a:rPr lang="en-US" sz="1200" kern="1200" dirty="0" smtClean="0">
-                <a:solidFill>
-                  <a:schemeClr val="tx1"/>
-                </a:solidFill>
-                <a:effectLst/>
-                <a:latin typeface="+mn-lt"/>
-                <a:ea typeface="+mn-ea"/>
-                <a:cs typeface="+mn-cs"/>
-              </a:rPr>
-              <a:t>Write on the board a link that uses a route called home.</a:t>
-            </a:r>
-          </a:p>
-          <a:p>
-            <a:pPr marL="171450" lvl="0" indent="-171450">
-              <a:buFont typeface="Arial" panose="020B0604020202020204" pitchFamily="34" charset="0"/>
-              <a:buChar char="•"/>
-            </a:pPr>
-            <a:r>
-              <a:rPr lang="en-US" sz="1200" kern="1200" dirty="0" smtClean="0">
-                <a:solidFill>
-                  <a:schemeClr val="tx1"/>
-                </a:solidFill>
-                <a:effectLst/>
-                <a:latin typeface="+mn-lt"/>
-                <a:ea typeface="+mn-ea"/>
-                <a:cs typeface="+mn-cs"/>
-              </a:rPr>
-              <a:t>Which Angular piece would be used to read data from an API?</a:t>
-            </a:r>
-          </a:p>
-          <a:p>
-            <a:pPr marL="457200" lvl="1" indent="0">
-              <a:buFont typeface="Arial" panose="020B0604020202020204" pitchFamily="34" charset="0"/>
-              <a:buNone/>
-            </a:pPr>
             <a:endParaRPr lang="en-US" dirty="0"/>
           </a:p>
         </p:txBody>
@@ -2455,7 +2186,7 @@
     </p:spTree>
     <p:extLst>
       <p:ext uri="{BB962C8B-B14F-4D97-AF65-F5344CB8AC3E}">
-        <p14:creationId xmlns:p14="http://schemas.microsoft.com/office/powerpoint/2010/main" val="1088318583"/>
+        <p14:creationId xmlns:p14="http://schemas.microsoft.com/office/powerpoint/2010/main" val="606682908"/>
       </p:ext>
     </p:extLst>
   </p:cSld>
@@ -2509,6 +2240,364 @@
           <a:bodyPr/>
           <a:lstStyle/>
           <a:p>
+            <a:pPr marL="171450" lvl="0" indent="-171450">
+              <a:buFont typeface="Arial" panose="020B0604020202020204" pitchFamily="34" charset="0"/>
+              <a:buChar char="•"/>
+            </a:pPr>
+            <a:r>
+              <a:rPr lang="en-US" sz="1200" kern="1200" dirty="0" smtClean="0">
+                <a:solidFill>
+                  <a:schemeClr val="tx1"/>
+                </a:solidFill>
+                <a:effectLst/>
+                <a:latin typeface="+mn-lt"/>
+                <a:ea typeface="+mn-ea"/>
+                <a:cs typeface="+mn-cs"/>
+              </a:rPr>
+              <a:t>Write on the board the command to create a new angular application.</a:t>
+            </a:r>
+          </a:p>
+          <a:p>
+            <a:pPr marL="171450" lvl="0" indent="-171450">
+              <a:buFont typeface="Arial" panose="020B0604020202020204" pitchFamily="34" charset="0"/>
+              <a:buChar char="•"/>
+            </a:pPr>
+            <a:r>
+              <a:rPr lang="en-US" sz="1200" kern="1200" dirty="0" smtClean="0">
+                <a:solidFill>
+                  <a:schemeClr val="tx1"/>
+                </a:solidFill>
+                <a:effectLst/>
+                <a:latin typeface="+mn-lt"/>
+                <a:ea typeface="+mn-ea"/>
+                <a:cs typeface="+mn-cs"/>
+              </a:rPr>
+              <a:t>Which piece does html go in?</a:t>
+            </a:r>
+          </a:p>
+          <a:p>
+            <a:pPr marL="171450" lvl="0" indent="-171450">
+              <a:buFont typeface="Arial" panose="020B0604020202020204" pitchFamily="34" charset="0"/>
+              <a:buChar char="•"/>
+            </a:pPr>
+            <a:r>
+              <a:rPr lang="en-US" sz="1200" kern="1200" dirty="0" smtClean="0">
+                <a:solidFill>
+                  <a:schemeClr val="tx1"/>
+                </a:solidFill>
+                <a:effectLst/>
+                <a:latin typeface="+mn-lt"/>
+                <a:ea typeface="+mn-ea"/>
+                <a:cs typeface="+mn-cs"/>
+              </a:rPr>
+              <a:t>Write on the board a div that uses </a:t>
+            </a:r>
+            <a:r>
+              <a:rPr lang="en-US" sz="1200" kern="1200" dirty="0" err="1" smtClean="0">
+                <a:solidFill>
+                  <a:schemeClr val="tx1"/>
+                </a:solidFill>
+                <a:effectLst/>
+                <a:latin typeface="+mn-lt"/>
+                <a:ea typeface="+mn-ea"/>
+                <a:cs typeface="+mn-cs"/>
+              </a:rPr>
+              <a:t>ngif</a:t>
+            </a:r>
+            <a:r>
+              <a:rPr lang="en-US" sz="1200" kern="1200" dirty="0" smtClean="0">
+                <a:solidFill>
+                  <a:schemeClr val="tx1"/>
+                </a:solidFill>
+                <a:effectLst/>
+                <a:latin typeface="+mn-lt"/>
+                <a:ea typeface="+mn-ea"/>
+                <a:cs typeface="+mn-cs"/>
+              </a:rPr>
+              <a:t> based on a property named </a:t>
+            </a:r>
+            <a:r>
+              <a:rPr lang="en-US" sz="1200" kern="1200" dirty="0" err="1" smtClean="0">
+                <a:solidFill>
+                  <a:schemeClr val="tx1"/>
+                </a:solidFill>
+                <a:effectLst/>
+                <a:latin typeface="+mn-lt"/>
+                <a:ea typeface="+mn-ea"/>
+                <a:cs typeface="+mn-cs"/>
+              </a:rPr>
+              <a:t>headerVisible</a:t>
+            </a:r>
+            <a:r>
+              <a:rPr lang="en-US" sz="1200" kern="1200" dirty="0" smtClean="0">
+                <a:solidFill>
+                  <a:schemeClr val="tx1"/>
+                </a:solidFill>
+                <a:effectLst/>
+                <a:latin typeface="+mn-lt"/>
+                <a:ea typeface="+mn-ea"/>
+                <a:cs typeface="+mn-cs"/>
+              </a:rPr>
+              <a:t>.</a:t>
+            </a:r>
+          </a:p>
+          <a:p>
+            <a:pPr marL="171450" lvl="0" indent="-171450">
+              <a:buFont typeface="Arial" panose="020B0604020202020204" pitchFamily="34" charset="0"/>
+              <a:buChar char="•"/>
+            </a:pPr>
+            <a:r>
+              <a:rPr lang="en-US" sz="1200" kern="1200" dirty="0" smtClean="0">
+                <a:solidFill>
+                  <a:schemeClr val="tx1"/>
+                </a:solidFill>
+                <a:effectLst/>
+                <a:latin typeface="+mn-lt"/>
+                <a:ea typeface="+mn-ea"/>
+                <a:cs typeface="+mn-cs"/>
+              </a:rPr>
+              <a:t>Write on the board a component definition.</a:t>
+            </a:r>
+          </a:p>
+          <a:p>
+            <a:pPr marL="171450" lvl="0" indent="-171450">
+              <a:buFont typeface="Arial" panose="020B0604020202020204" pitchFamily="34" charset="0"/>
+              <a:buChar char="•"/>
+            </a:pPr>
+            <a:r>
+              <a:rPr lang="en-US" sz="1200" kern="1200" dirty="0" smtClean="0">
+                <a:solidFill>
+                  <a:schemeClr val="tx1"/>
+                </a:solidFill>
+                <a:effectLst/>
+                <a:latin typeface="+mn-lt"/>
+                <a:ea typeface="+mn-ea"/>
+                <a:cs typeface="+mn-cs"/>
+              </a:rPr>
+              <a:t>What are the four types of binding?</a:t>
+            </a:r>
+          </a:p>
+          <a:p>
+            <a:pPr marL="171450" lvl="0" indent="-171450">
+              <a:buFont typeface="Arial" panose="020B0604020202020204" pitchFamily="34" charset="0"/>
+              <a:buChar char="•"/>
+            </a:pPr>
+            <a:r>
+              <a:rPr lang="en-US" sz="1200" kern="1200" dirty="0" smtClean="0">
+                <a:solidFill>
+                  <a:schemeClr val="tx1"/>
+                </a:solidFill>
+                <a:effectLst/>
+                <a:latin typeface="+mn-lt"/>
+                <a:ea typeface="+mn-ea"/>
+                <a:cs typeface="+mn-cs"/>
+              </a:rPr>
+              <a:t>Write on the board interpolation for a property called name.</a:t>
+            </a:r>
+          </a:p>
+          <a:p>
+            <a:pPr marL="171450" lvl="0" indent="-171450">
+              <a:buFont typeface="Arial" panose="020B0604020202020204" pitchFamily="34" charset="0"/>
+              <a:buChar char="•"/>
+            </a:pPr>
+            <a:r>
+              <a:rPr lang="en-US" sz="1200" kern="1200" dirty="0" smtClean="0">
+                <a:solidFill>
+                  <a:schemeClr val="tx1"/>
+                </a:solidFill>
+                <a:effectLst/>
+                <a:latin typeface="+mn-lt"/>
+                <a:ea typeface="+mn-ea"/>
+                <a:cs typeface="+mn-cs"/>
+              </a:rPr>
+              <a:t>Write on the board a text field with a two way binding to a property called name.</a:t>
+            </a:r>
+          </a:p>
+          <a:p>
+            <a:pPr marL="171450" lvl="0" indent="-171450">
+              <a:buFont typeface="Arial" panose="020B0604020202020204" pitchFamily="34" charset="0"/>
+              <a:buChar char="•"/>
+            </a:pPr>
+            <a:r>
+              <a:rPr lang="en-US" sz="1200" kern="1200" dirty="0" smtClean="0">
+                <a:solidFill>
+                  <a:schemeClr val="tx1"/>
+                </a:solidFill>
+                <a:effectLst/>
+                <a:latin typeface="+mn-lt"/>
+                <a:ea typeface="+mn-ea"/>
+                <a:cs typeface="+mn-cs"/>
+              </a:rPr>
+              <a:t>Write on the board a button with an event binding to an event called </a:t>
+            </a:r>
+            <a:r>
+              <a:rPr lang="en-US" sz="1200" kern="1200" dirty="0" err="1" smtClean="0">
+                <a:solidFill>
+                  <a:schemeClr val="tx1"/>
+                </a:solidFill>
+                <a:effectLst/>
+                <a:latin typeface="+mn-lt"/>
+                <a:ea typeface="+mn-ea"/>
+                <a:cs typeface="+mn-cs"/>
+              </a:rPr>
+              <a:t>onButtonClick</a:t>
+            </a:r>
+            <a:r>
+              <a:rPr lang="en-US" sz="1200" kern="1200" dirty="0" smtClean="0">
+                <a:solidFill>
+                  <a:schemeClr val="tx1"/>
+                </a:solidFill>
+                <a:effectLst/>
+                <a:latin typeface="+mn-lt"/>
+                <a:ea typeface="+mn-ea"/>
+                <a:cs typeface="+mn-cs"/>
+              </a:rPr>
+              <a:t>.</a:t>
+            </a:r>
+          </a:p>
+          <a:p>
+            <a:pPr marL="171450" lvl="0" indent="-171450">
+              <a:buFont typeface="Arial" panose="020B0604020202020204" pitchFamily="34" charset="0"/>
+              <a:buChar char="•"/>
+            </a:pPr>
+            <a:r>
+              <a:rPr lang="en-US" sz="1200" kern="1200" dirty="0" smtClean="0">
+                <a:solidFill>
+                  <a:schemeClr val="tx1"/>
+                </a:solidFill>
+                <a:effectLst/>
+                <a:latin typeface="+mn-lt"/>
+                <a:ea typeface="+mn-ea"/>
+                <a:cs typeface="+mn-cs"/>
+              </a:rPr>
+              <a:t>Write on the board a route definition for a route called home.</a:t>
+            </a:r>
+          </a:p>
+          <a:p>
+            <a:pPr marL="171450" lvl="0" indent="-171450">
+              <a:buFont typeface="Arial" panose="020B0604020202020204" pitchFamily="34" charset="0"/>
+              <a:buChar char="•"/>
+            </a:pPr>
+            <a:r>
+              <a:rPr lang="en-US" sz="1200" kern="1200" dirty="0" smtClean="0">
+                <a:solidFill>
+                  <a:schemeClr val="tx1"/>
+                </a:solidFill>
+                <a:effectLst/>
+                <a:latin typeface="+mn-lt"/>
+                <a:ea typeface="+mn-ea"/>
+                <a:cs typeface="+mn-cs"/>
+              </a:rPr>
+              <a:t>Write on the board a link that uses a route called home.</a:t>
+            </a:r>
+          </a:p>
+          <a:p>
+            <a:pPr marL="171450" lvl="0" indent="-171450">
+              <a:buFont typeface="Arial" panose="020B0604020202020204" pitchFamily="34" charset="0"/>
+              <a:buChar char="•"/>
+            </a:pPr>
+            <a:r>
+              <a:rPr lang="en-US" sz="1200" kern="1200" dirty="0" smtClean="0">
+                <a:solidFill>
+                  <a:schemeClr val="tx1"/>
+                </a:solidFill>
+                <a:effectLst/>
+                <a:latin typeface="+mn-lt"/>
+                <a:ea typeface="+mn-ea"/>
+                <a:cs typeface="+mn-cs"/>
+              </a:rPr>
+              <a:t>Which Angular piece would be used to read data from an API?</a:t>
+            </a:r>
+          </a:p>
+          <a:p>
+            <a:pPr marL="457200" lvl="1" indent="0">
+              <a:buFont typeface="Arial" panose="020B0604020202020204" pitchFamily="34" charset="0"/>
+              <a:buNone/>
+            </a:pPr>
+            <a:endParaRPr lang="en-US" dirty="0"/>
+          </a:p>
+        </p:txBody>
+      </p:sp>
+      <p:sp>
+        <p:nvSpPr>
+          <p:cNvPr id="4" name="Slide Number Placeholder 3"/>
+          <p:cNvSpPr>
+            <a:spLocks noGrp="1"/>
+          </p:cNvSpPr>
+          <p:nvPr>
+            <p:ph type="sldNum" sz="quarter" idx="10"/>
+          </p:nvPr>
+        </p:nvSpPr>
+        <p:spPr/>
+        <p:txBody>
+          <a:bodyPr/>
+          <a:lstStyle/>
+          <a:p>
+            <a:fld id="{226FA58D-4B12-4E7B-A2FA-693CE3EACDFD}" type="slidenum">
+              <a:rPr lang="en-US" smtClean="0"/>
+              <a:t>24</a:t>
+            </a:fld>
+            <a:endParaRPr lang="en-US"/>
+          </a:p>
+        </p:txBody>
+      </p:sp>
+    </p:spTree>
+    <p:extLst>
+      <p:ext uri="{BB962C8B-B14F-4D97-AF65-F5344CB8AC3E}">
+        <p14:creationId xmlns:p14="http://schemas.microsoft.com/office/powerpoint/2010/main" val="1088318583"/>
+      </p:ext>
+    </p:extLst>
+  </p:cSld>
+  <p:clrMapOvr>
+    <a:masterClrMapping/>
+  </p:clrMapOvr>
+</p:notes>
+</file>
+
+<file path=ppt/notesSlides/notesSlide24.xml><?xml version="1.0" encoding="utf-8"?>
+<p:notes xmlns:a="http://schemas.openxmlformats.org/drawingml/2006/main" xmlns:r="http://schemas.openxmlformats.org/officeDocument/2006/relationships" xmlns:p="http://schemas.openxmlformats.org/presentationml/2006/main">
+  <p:cSld>
+    <p:spTree>
+      <p:nvGrpSpPr>
+        <p:cNvPr id="1" name=""/>
+        <p:cNvGrpSpPr/>
+        <p:nvPr/>
+      </p:nvGrpSpPr>
+      <p:grpSpPr>
+        <a:xfrm>
+          <a:off x="0" y="0"/>
+          <a:ext cx="0" cy="0"/>
+          <a:chOff x="0" y="0"/>
+          <a:chExt cx="0" cy="0"/>
+        </a:xfrm>
+      </p:grpSpPr>
+      <p:sp>
+        <p:nvSpPr>
+          <p:cNvPr id="2" name="Slide Image Placeholder 1"/>
+          <p:cNvSpPr>
+            <a:spLocks noGrp="1" noRot="1" noChangeAspect="1"/>
+          </p:cNvSpPr>
+          <p:nvPr>
+            <p:ph type="sldImg"/>
+          </p:nvPr>
+        </p:nvSpPr>
+        <p:spPr/>
+      </p:sp>
+      <p:sp>
+        <p:nvSpPr>
+          <p:cNvPr id="3" name="Notes Placeholder 2"/>
+          <p:cNvSpPr>
+            <a:spLocks noGrp="1"/>
+          </p:cNvSpPr>
+          <p:nvPr>
+            <p:ph type="body" idx="1"/>
+          </p:nvPr>
+        </p:nvSpPr>
+        <p:spPr/>
+        <p:txBody>
+          <a:bodyPr/>
+          <a:lstStyle/>
+          <a:p>
             <a:pPr marL="171450" indent="-171450">
               <a:buFont typeface="Arial" panose="020B0604020202020204" pitchFamily="34" charset="0"/>
               <a:buChar char="•"/>
@@ -2534,7 +2623,7 @@
           <a:p>
             <a:fld id="{226FA58D-4B12-4E7B-A2FA-693CE3EACDFD}" type="slidenum">
               <a:rPr lang="en-US" smtClean="0"/>
-              <a:t>24</a:t>
+              <a:t>25</a:t>
             </a:fld>
             <a:endParaRPr lang="en-US"/>
           </a:p>
@@ -3416,7 +3505,7 @@
     </p:spTree>
     <p:extLst>
       <p:ext uri="{BB962C8B-B14F-4D97-AF65-F5344CB8AC3E}">
-        <p14:creationId xmlns:p14="http://schemas.microsoft.com/office/powerpoint/2010/main" val="1103966172"/>
+        <p14:creationId xmlns:p14="http://schemas.microsoft.com/office/powerpoint/2010/main" val="1023324272"/>
       </p:ext>
     </p:extLst>
   </p:cSld>
@@ -3612,7 +3701,7 @@
           <a:p>
             <a:fld id="{96FB5D56-0812-4ED5-8B52-3D0DCBF578CB}" type="datetimeFigureOut">
               <a:rPr lang="en-US" smtClean="0"/>
-              <a:t>1/21/2018</a:t>
+              <a:t>2/4/2018</a:t>
             </a:fld>
             <a:endParaRPr lang="en-US"/>
           </a:p>
@@ -3887,7 +3976,7 @@
           <a:p>
             <a:fld id="{96FB5D56-0812-4ED5-8B52-3D0DCBF578CB}" type="datetimeFigureOut">
               <a:rPr lang="en-US" smtClean="0"/>
-              <a:t>1/21/2018</a:t>
+              <a:t>2/4/2018</a:t>
             </a:fld>
             <a:endParaRPr lang="en-US"/>
           </a:p>
@@ -4081,7 +4170,7 @@
           <a:p>
             <a:fld id="{96FB5D56-0812-4ED5-8B52-3D0DCBF578CB}" type="datetimeFigureOut">
               <a:rPr lang="en-US" smtClean="0"/>
-              <a:t>1/21/2018</a:t>
+              <a:t>2/4/2018</a:t>
             </a:fld>
             <a:endParaRPr lang="en-US"/>
           </a:p>
@@ -4354,7 +4443,7 @@
           <a:p>
             <a:fld id="{96FB5D56-0812-4ED5-8B52-3D0DCBF578CB}" type="datetimeFigureOut">
               <a:rPr lang="en-US" smtClean="0"/>
-              <a:t>1/21/2018</a:t>
+              <a:t>2/4/2018</a:t>
             </a:fld>
             <a:endParaRPr lang="en-US"/>
           </a:p>
@@ -4695,7 +4784,7 @@
           <a:p>
             <a:fld id="{96FB5D56-0812-4ED5-8B52-3D0DCBF578CB}" type="datetimeFigureOut">
               <a:rPr lang="en-US" smtClean="0"/>
-              <a:t>1/21/2018</a:t>
+              <a:t>2/4/2018</a:t>
             </a:fld>
             <a:endParaRPr lang="en-US"/>
           </a:p>
@@ -5318,7 +5407,7 @@
           <a:p>
             <a:fld id="{96FB5D56-0812-4ED5-8B52-3D0DCBF578CB}" type="datetimeFigureOut">
               <a:rPr lang="en-US" smtClean="0"/>
-              <a:t>1/21/2018</a:t>
+              <a:t>2/4/2018</a:t>
             </a:fld>
             <a:endParaRPr lang="en-US"/>
           </a:p>
@@ -6178,7 +6267,7 @@
           <a:p>
             <a:fld id="{96FB5D56-0812-4ED5-8B52-3D0DCBF578CB}" type="datetimeFigureOut">
               <a:rPr lang="en-US" smtClean="0"/>
-              <a:t>1/21/2018</a:t>
+              <a:t>2/4/2018</a:t>
             </a:fld>
             <a:endParaRPr lang="en-US"/>
           </a:p>
@@ -6348,7 +6437,7 @@
           <a:p>
             <a:fld id="{96FB5D56-0812-4ED5-8B52-3D0DCBF578CB}" type="datetimeFigureOut">
               <a:rPr lang="en-US" smtClean="0"/>
-              <a:t>1/21/2018</a:t>
+              <a:t>2/4/2018</a:t>
             </a:fld>
             <a:endParaRPr lang="en-US"/>
           </a:p>
@@ -6528,7 +6617,7 @@
           <a:p>
             <a:fld id="{96FB5D56-0812-4ED5-8B52-3D0DCBF578CB}" type="datetimeFigureOut">
               <a:rPr lang="en-US" smtClean="0"/>
-              <a:t>1/21/2018</a:t>
+              <a:t>2/4/2018</a:t>
             </a:fld>
             <a:endParaRPr lang="en-US"/>
           </a:p>
@@ -6698,7 +6787,7 @@
           <a:p>
             <a:fld id="{96FB5D56-0812-4ED5-8B52-3D0DCBF578CB}" type="datetimeFigureOut">
               <a:rPr lang="en-US" smtClean="0"/>
-              <a:t>1/21/2018</a:t>
+              <a:t>2/4/2018</a:t>
             </a:fld>
             <a:endParaRPr lang="en-US"/>
           </a:p>
@@ -6945,7 +7034,7 @@
           <a:p>
             <a:fld id="{96FB5D56-0812-4ED5-8B52-3D0DCBF578CB}" type="datetimeFigureOut">
               <a:rPr lang="en-US" smtClean="0"/>
-              <a:t>1/21/2018</a:t>
+              <a:t>2/4/2018</a:t>
             </a:fld>
             <a:endParaRPr lang="en-US"/>
           </a:p>
@@ -7237,7 +7326,7 @@
           <a:p>
             <a:fld id="{96FB5D56-0812-4ED5-8B52-3D0DCBF578CB}" type="datetimeFigureOut">
               <a:rPr lang="en-US" smtClean="0"/>
-              <a:t>1/21/2018</a:t>
+              <a:t>2/4/2018</a:t>
             </a:fld>
             <a:endParaRPr lang="en-US"/>
           </a:p>
@@ -7681,7 +7770,7 @@
           <a:p>
             <a:fld id="{96FB5D56-0812-4ED5-8B52-3D0DCBF578CB}" type="datetimeFigureOut">
               <a:rPr lang="en-US" smtClean="0"/>
-              <a:t>1/21/2018</a:t>
+              <a:t>2/4/2018</a:t>
             </a:fld>
             <a:endParaRPr lang="en-US"/>
           </a:p>
@@ -7799,7 +7888,7 @@
           <a:p>
             <a:fld id="{96FB5D56-0812-4ED5-8B52-3D0DCBF578CB}" type="datetimeFigureOut">
               <a:rPr lang="en-US" smtClean="0"/>
-              <a:t>1/21/2018</a:t>
+              <a:t>2/4/2018</a:t>
             </a:fld>
             <a:endParaRPr lang="en-US"/>
           </a:p>
@@ -7894,7 +7983,7 @@
           <a:p>
             <a:fld id="{96FB5D56-0812-4ED5-8B52-3D0DCBF578CB}" type="datetimeFigureOut">
               <a:rPr lang="en-US" smtClean="0"/>
-              <a:t>1/21/2018</a:t>
+              <a:t>2/4/2018</a:t>
             </a:fld>
             <a:endParaRPr lang="en-US"/>
           </a:p>
@@ -8173,7 +8262,7 @@
           <a:p>
             <a:fld id="{96FB5D56-0812-4ED5-8B52-3D0DCBF578CB}" type="datetimeFigureOut">
               <a:rPr lang="en-US" smtClean="0"/>
-              <a:t>1/21/2018</a:t>
+              <a:t>2/4/2018</a:t>
             </a:fld>
             <a:endParaRPr lang="en-US"/>
           </a:p>
@@ -8448,7 +8537,7 @@
           <a:p>
             <a:fld id="{96FB5D56-0812-4ED5-8B52-3D0DCBF578CB}" type="datetimeFigureOut">
               <a:rPr lang="en-US" smtClean="0"/>
-              <a:t>1/21/2018</a:t>
+              <a:t>2/4/2018</a:t>
             </a:fld>
             <a:endParaRPr lang="en-US"/>
           </a:p>
@@ -8877,7 +8966,7 @@
           <a:p>
             <a:fld id="{96FB5D56-0812-4ED5-8B52-3D0DCBF578CB}" type="datetimeFigureOut">
               <a:rPr lang="en-US" smtClean="0"/>
-              <a:t>1/21/2018</a:t>
+              <a:t>2/4/2018</a:t>
             </a:fld>
             <a:endParaRPr lang="en-US"/>
           </a:p>
@@ -9515,11 +9604,7 @@
           <a:p>
             <a:r>
               <a:rPr lang="en-US" dirty="0" smtClean="0"/>
-              <a:t>Angular </a:t>
-            </a:r>
-            <a:r>
-              <a:rPr lang="en-US" dirty="0" smtClean="0"/>
-              <a:t>Component Exercises</a:t>
+              <a:t>Assignment</a:t>
             </a:r>
             <a:endParaRPr lang="en-US" dirty="0"/>
           </a:p>
@@ -9537,8 +9622,8 @@
         </p:nvSpPr>
         <p:spPr>
           <a:xfrm>
-            <a:off x="1103312" y="2060575"/>
-            <a:ext cx="10008033" cy="4195763"/>
+            <a:off x="496388" y="1387975"/>
+            <a:ext cx="7772401" cy="5119408"/>
           </a:xfrm>
         </p:spPr>
         <p:txBody>
@@ -9549,27 +9634,63 @@
           <a:p>
             <a:pPr lvl="0"/>
             <a:r>
-              <a:rPr lang="en-US" sz="2800" dirty="0" smtClean="0"/>
-              <a:t>Create a new component and html template.</a:t>
+              <a:rPr lang="en-US" sz="3600" dirty="0" smtClean="0"/>
+              <a:t>Add the status report into Angular.</a:t>
+            </a:r>
+          </a:p>
+          <a:p>
+            <a:pPr lvl="0"/>
+            <a:r>
+              <a:rPr lang="en-US" sz="3600" dirty="0" smtClean="0"/>
+              <a:t>Create </a:t>
+            </a:r>
+            <a:r>
+              <a:rPr lang="en-US" sz="3600" dirty="0"/>
+              <a:t>a new component and html template for your zombie report.</a:t>
             </a:r>
           </a:p>
           <a:p>
             <a:pPr lvl="1"/>
             <a:r>
-              <a:rPr lang="en-US" sz="2600" dirty="0" smtClean="0"/>
-              <a:t>Add some basic html.</a:t>
-            </a:r>
-          </a:p>
-          <a:p>
-            <a:pPr lvl="1"/>
-            <a:endParaRPr lang="en-US" sz="2600" dirty="0"/>
-          </a:p>
-        </p:txBody>
-      </p:sp>
+              <a:rPr lang="en-US" sz="3600" dirty="0"/>
+              <a:t>Add the report html that you created before into the html template.</a:t>
+            </a:r>
+          </a:p>
+        </p:txBody>
+      </p:sp>
+      <p:pic>
+        <p:nvPicPr>
+          <p:cNvPr id="5" name="Content Placeholder 4"/>
+          <p:cNvPicPr>
+            <a:picLocks noGrp="1" noChangeAspect="1"/>
+          </p:cNvPicPr>
+          <p:nvPr>
+            <p:ph sz="half" idx="2"/>
+          </p:nvPr>
+        </p:nvPicPr>
+        <p:blipFill>
+          <a:blip r:embed="rId3">
+            <a:extLst>
+              <a:ext uri="{28A0092B-C50C-407E-A947-70E740481C1C}">
+                <a14:useLocalDpi xmlns:a14="http://schemas.microsoft.com/office/drawing/2010/main" val="0"/>
+              </a:ext>
+            </a:extLst>
+          </a:blip>
+          <a:stretch>
+            <a:fillRect/>
+          </a:stretch>
+        </p:blipFill>
+        <p:spPr>
+          <a:xfrm>
+            <a:off x="8630940" y="1387975"/>
+            <a:ext cx="3179422" cy="5119408"/>
+          </a:xfrm>
+        </p:spPr>
+      </p:pic>
     </p:spTree>
     <p:extLst>
       <p:ext uri="{BB962C8B-B14F-4D97-AF65-F5344CB8AC3E}">
-        <p14:creationId xmlns:p14="http://schemas.microsoft.com/office/powerpoint/2010/main" val="3699052896"/>
+        <p14:creationId xmlns:p14="http://schemas.microsoft.com/office/powerpoint/2010/main" val="2677173699"/>
       </p:ext>
     </p:extLst>
   </p:cSld>
@@ -9893,6 +10014,36 @@
           </a:p>
         </p:txBody>
       </p:sp>
+      <p:pic>
+        <p:nvPicPr>
+          <p:cNvPr id="4" name="Content Placeholder 4"/>
+          <p:cNvPicPr>
+            <a:picLocks noChangeAspect="1"/>
+          </p:cNvPicPr>
+          <p:nvPr/>
+        </p:nvPicPr>
+        <p:blipFill>
+          <a:blip r:embed="rId3">
+            <a:extLst>
+              <a:ext uri="{28A0092B-C50C-407E-A947-70E740481C1C}">
+                <a14:useLocalDpi xmlns:a14="http://schemas.microsoft.com/office/drawing/2010/main" val="0"/>
+              </a:ext>
+            </a:extLst>
+          </a:blip>
+          <a:stretch>
+            <a:fillRect/>
+          </a:stretch>
+        </p:blipFill>
+        <p:spPr>
+          <a:xfrm>
+            <a:off x="1154955" y="563880"/>
+            <a:ext cx="3819192" cy="3055354"/>
+          </a:xfrm>
+          <a:prstGeom prst="rect">
+            <a:avLst/>
+          </a:prstGeom>
+        </p:spPr>
+      </p:pic>
     </p:spTree>
     <p:extLst>
       <p:ext uri="{BB962C8B-B14F-4D97-AF65-F5344CB8AC3E}">
@@ -9975,6 +10126,36 @@
           </a:p>
         </p:txBody>
       </p:sp>
+      <p:pic>
+        <p:nvPicPr>
+          <p:cNvPr id="4" name="Picture 3"/>
+          <p:cNvPicPr>
+            <a:picLocks noChangeAspect="1"/>
+          </p:cNvPicPr>
+          <p:nvPr/>
+        </p:nvPicPr>
+        <p:blipFill>
+          <a:blip r:embed="rId3">
+            <a:extLst>
+              <a:ext uri="{28A0092B-C50C-407E-A947-70E740481C1C}">
+                <a14:useLocalDpi xmlns:a14="http://schemas.microsoft.com/office/drawing/2010/main" val="0"/>
+              </a:ext>
+            </a:extLst>
+          </a:blip>
+          <a:stretch>
+            <a:fillRect/>
+          </a:stretch>
+        </p:blipFill>
+        <p:spPr>
+          <a:xfrm>
+            <a:off x="7950200" y="1447800"/>
+            <a:ext cx="3571240" cy="4529836"/>
+          </a:xfrm>
+          <a:prstGeom prst="rect">
+            <a:avLst/>
+          </a:prstGeom>
+        </p:spPr>
+      </p:pic>
     </p:spTree>
     <p:extLst>
       <p:ext uri="{BB962C8B-B14F-4D97-AF65-F5344CB8AC3E}">
@@ -10029,7 +10210,7 @@
           <a:p>
             <a:r>
               <a:rPr lang="en-US" dirty="0" smtClean="0"/>
-              <a:t>Angular Binding Exercises</a:t>
+              <a:t>Assignment</a:t>
             </a:r>
             <a:endParaRPr lang="en-US" dirty="0"/>
           </a:p>
@@ -10047,8 +10228,8 @@
         </p:nvSpPr>
         <p:spPr>
           <a:xfrm>
-            <a:off x="1103312" y="2060575"/>
-            <a:ext cx="10008033" cy="4195763"/>
+            <a:off x="496388" y="1387975"/>
+            <a:ext cx="7772401" cy="5119408"/>
           </a:xfrm>
         </p:spPr>
         <p:txBody>
@@ -10057,71 +10238,142 @@
           </a:bodyPr>
           <a:lstStyle/>
           <a:p>
-            <a:pPr lvl="0"/>
             <a:r>
               <a:rPr lang="en-US" sz="2800" dirty="0" smtClean="0"/>
-              <a:t>Extend the Previous Exercise</a:t>
-            </a:r>
-          </a:p>
-          <a:p>
-            <a:pPr lvl="1"/>
-            <a:r>
-              <a:rPr lang="en-US" sz="2600" dirty="0" smtClean="0"/>
-              <a:t>Add a property into the component.</a:t>
-            </a:r>
-          </a:p>
-          <a:p>
-            <a:pPr lvl="1"/>
-            <a:r>
-              <a:rPr lang="en-US" sz="2600" dirty="0" smtClean="0"/>
-              <a:t>Use interpolation to show the value of the component.</a:t>
-            </a:r>
-          </a:p>
-          <a:p>
-            <a:pPr lvl="1"/>
-            <a:r>
-              <a:rPr lang="en-US" sz="2600" dirty="0" smtClean="0"/>
-              <a:t>Create a property with an array value.</a:t>
-            </a:r>
-          </a:p>
-          <a:p>
-            <a:pPr lvl="1"/>
-            <a:r>
-              <a:rPr lang="en-US" sz="2600" dirty="0" smtClean="0"/>
-              <a:t>Use the ng-for directive to display array data.</a:t>
-            </a:r>
-          </a:p>
-          <a:p>
-            <a:pPr lvl="1"/>
-            <a:r>
-              <a:rPr lang="en-US" sz="2600" dirty="0" smtClean="0"/>
-              <a:t>Bind an event.  Have the event change the property that is shown with interpolation.</a:t>
-            </a:r>
-          </a:p>
-          <a:p>
-            <a:pPr lvl="1"/>
-            <a:r>
-              <a:rPr lang="en-US" sz="2600" dirty="0" smtClean="0"/>
-              <a:t>Create a new class and add it as a property.</a:t>
-            </a:r>
-          </a:p>
-          <a:p>
-            <a:pPr lvl="1"/>
-            <a:r>
-              <a:rPr lang="en-US" sz="2600" dirty="0" smtClean="0"/>
-              <a:t>Bind the class using two way binding.</a:t>
-            </a:r>
-          </a:p>
-          <a:p>
-            <a:pPr lvl="1"/>
-            <a:endParaRPr lang="en-US" sz="2600" dirty="0"/>
-          </a:p>
-        </p:txBody>
-      </p:sp>
+              <a:t>Add </a:t>
+            </a:r>
+            <a:r>
+              <a:rPr lang="en-US" sz="2800" dirty="0"/>
+              <a:t>a property into the </a:t>
+            </a:r>
+            <a:r>
+              <a:rPr lang="en-US" sz="2800" dirty="0" smtClean="0"/>
+              <a:t>component for the title.</a:t>
+            </a:r>
+            <a:endParaRPr lang="en-US" sz="2800" dirty="0"/>
+          </a:p>
+          <a:p>
+            <a:r>
+              <a:rPr lang="en-US" sz="2800" dirty="0"/>
+              <a:t>Use interpolation to show the value of the </a:t>
+            </a:r>
+            <a:r>
+              <a:rPr lang="en-US" sz="2800" dirty="0" smtClean="0"/>
+              <a:t>property for the title.</a:t>
+            </a:r>
+          </a:p>
+          <a:p>
+            <a:r>
+              <a:rPr lang="en-US" sz="2800" dirty="0" smtClean="0"/>
+              <a:t>Create a class that defines a status report line named </a:t>
+            </a:r>
+            <a:r>
+              <a:rPr lang="en-US" sz="2800" dirty="0" err="1" smtClean="0"/>
+              <a:t>PersonStatus</a:t>
+            </a:r>
+            <a:r>
+              <a:rPr lang="en-US" sz="2800" dirty="0" smtClean="0"/>
+              <a:t> with properties: </a:t>
+            </a:r>
+            <a:r>
+              <a:rPr lang="en-US" sz="2800" dirty="0" err="1" smtClean="0"/>
+              <a:t>firstName</a:t>
+            </a:r>
+            <a:r>
+              <a:rPr lang="en-US" sz="2800" dirty="0" smtClean="0"/>
+              <a:t>, </a:t>
+            </a:r>
+            <a:r>
+              <a:rPr lang="en-US" sz="2800" dirty="0" err="1" smtClean="0"/>
+              <a:t>lastName</a:t>
+            </a:r>
+            <a:r>
+              <a:rPr lang="en-US" sz="2800" dirty="0" smtClean="0"/>
+              <a:t>, </a:t>
+            </a:r>
+            <a:r>
+              <a:rPr lang="en-US" sz="2800" dirty="0" err="1" smtClean="0"/>
+              <a:t>statusId</a:t>
+            </a:r>
+            <a:r>
+              <a:rPr lang="en-US" sz="2800" dirty="0" smtClean="0"/>
+              <a:t>, </a:t>
+            </a:r>
+            <a:r>
+              <a:rPr lang="en-US" sz="2800" dirty="0" err="1" smtClean="0"/>
+              <a:t>statusDescription</a:t>
+            </a:r>
+            <a:r>
+              <a:rPr lang="en-US" sz="2800" dirty="0" smtClean="0"/>
+              <a:t>.</a:t>
+            </a:r>
+            <a:endParaRPr lang="en-US" sz="2800" dirty="0"/>
+          </a:p>
+          <a:p>
+            <a:r>
+              <a:rPr lang="en-US" sz="2800" dirty="0"/>
+              <a:t>Create a property with an array </a:t>
+            </a:r>
+            <a:r>
+              <a:rPr lang="en-US" sz="2800" dirty="0" smtClean="0"/>
+              <a:t>of </a:t>
+            </a:r>
+            <a:r>
+              <a:rPr lang="en-US" sz="2800" dirty="0" err="1" smtClean="0"/>
+              <a:t>PersonStatus</a:t>
+            </a:r>
+            <a:r>
+              <a:rPr lang="en-US" sz="2800" dirty="0" smtClean="0"/>
+              <a:t> objects.</a:t>
+            </a:r>
+            <a:endParaRPr lang="en-US" sz="2800" dirty="0"/>
+          </a:p>
+          <a:p>
+            <a:r>
+              <a:rPr lang="en-US" sz="2800" dirty="0"/>
+              <a:t>Use the ng-for directive to display array </a:t>
+            </a:r>
+            <a:r>
+              <a:rPr lang="en-US" sz="2800" dirty="0" smtClean="0"/>
+              <a:t>data in the table.</a:t>
+            </a:r>
+            <a:endParaRPr lang="en-US" sz="2800" dirty="0"/>
+          </a:p>
+        </p:txBody>
+      </p:sp>
+      <p:pic>
+        <p:nvPicPr>
+          <p:cNvPr id="5" name="Content Placeholder 4"/>
+          <p:cNvPicPr>
+            <a:picLocks noGrp="1" noChangeAspect="1"/>
+          </p:cNvPicPr>
+          <p:nvPr>
+            <p:ph sz="half" idx="2"/>
+          </p:nvPr>
+        </p:nvPicPr>
+        <p:blipFill>
+          <a:blip r:embed="rId3">
+            <a:extLst>
+              <a:ext uri="{28A0092B-C50C-407E-A947-70E740481C1C}">
+                <a14:useLocalDpi xmlns:a14="http://schemas.microsoft.com/office/drawing/2010/main" val="0"/>
+              </a:ext>
+            </a:extLst>
+          </a:blip>
+          <a:stretch>
+            <a:fillRect/>
+          </a:stretch>
+        </p:blipFill>
+        <p:spPr>
+          <a:xfrm>
+            <a:off x="8630940" y="1387975"/>
+            <a:ext cx="3179422" cy="5119408"/>
+          </a:xfrm>
+        </p:spPr>
+      </p:pic>
     </p:spTree>
     <p:extLst>
       <p:ext uri="{BB962C8B-B14F-4D97-AF65-F5344CB8AC3E}">
-        <p14:creationId xmlns:p14="http://schemas.microsoft.com/office/powerpoint/2010/main" val="1207263878"/>
+        <p14:creationId xmlns:p14="http://schemas.microsoft.com/office/powerpoint/2010/main" val="18645438"/>
       </p:ext>
     </p:extLst>
   </p:cSld>
@@ -10165,7 +10417,7 @@
           <a:p>
             <a:r>
               <a:rPr lang="en-US" dirty="0" smtClean="0"/>
-              <a:t>Routing/Navigation</a:t>
+              <a:t>Angular Binding Exercises</a:t>
             </a:r>
             <a:endParaRPr lang="en-US" dirty="0"/>
           </a:p>
@@ -10178,72 +10430,86 @@
             <a:spLocks noGrp="1"/>
           </p:cNvSpPr>
           <p:nvPr>
-            <p:ph idx="1"/>
-          </p:nvPr>
-        </p:nvSpPr>
-        <p:spPr/>
+            <p:ph sz="half" idx="1"/>
+          </p:nvPr>
+        </p:nvSpPr>
+        <p:spPr>
+          <a:xfrm>
+            <a:off x="1103312" y="2060575"/>
+            <a:ext cx="10008033" cy="4195763"/>
+          </a:xfrm>
+        </p:spPr>
         <p:txBody>
           <a:bodyPr>
-            <a:normAutofit/>
+            <a:normAutofit fontScale="92500" lnSpcReduction="10000"/>
           </a:bodyPr>
           <a:lstStyle/>
           <a:p>
-            <a:r>
-              <a:rPr lang="en-US" sz="2400" dirty="0" smtClean="0"/>
-              <a:t>Define routes in the module file</a:t>
-            </a:r>
-          </a:p>
-          <a:p>
-            <a:r>
-              <a:rPr lang="en-US" sz="2400" dirty="0" smtClean="0"/>
-              <a:t>Use  the following syntax in the template to link to a route:</a:t>
+            <a:pPr lvl="0"/>
+            <a:r>
+              <a:rPr lang="en-US" sz="2800" dirty="0" smtClean="0"/>
+              <a:t>Extend the Previous Exercise</a:t>
             </a:r>
           </a:p>
           <a:p>
             <a:pPr lvl="1"/>
             <a:r>
-              <a:rPr lang="en-US" sz="2400" dirty="0" smtClean="0"/>
-              <a:t>&lt;a [</a:t>
-            </a:r>
-            <a:r>
-              <a:rPr lang="en-US" sz="2400" dirty="0" err="1" smtClean="0"/>
-              <a:t>routerLink</a:t>
-            </a:r>
-            <a:r>
-              <a:rPr lang="en-US" sz="2400" dirty="0" smtClean="0"/>
-              <a:t>] = “[route path]”&gt;Description&lt;/a&gt;</a:t>
-            </a:r>
-          </a:p>
-          <a:p>
-            <a:r>
-              <a:rPr lang="en-US" sz="2400" dirty="0" smtClean="0"/>
-              <a:t>Use router-outlet element to specify location of the rout in the template</a:t>
-            </a:r>
-          </a:p>
-          <a:p>
-            <a:r>
-              <a:rPr lang="en-US" sz="2400" dirty="0" smtClean="0"/>
-              <a:t>Use * to route all undefined paths</a:t>
-            </a:r>
-          </a:p>
-          <a:p>
-            <a:pPr marL="45720" indent="0">
-              <a:buNone/>
-            </a:pPr>
-            <a:endParaRPr lang="en-US" sz="2400" dirty="0"/>
-          </a:p>
-          <a:p>
-            <a:pPr marL="45720" indent="0">
-              <a:buNone/>
-            </a:pPr>
-            <a:endParaRPr lang="en-US" dirty="0"/>
+              <a:rPr lang="en-US" sz="2600" dirty="0" smtClean="0"/>
+              <a:t>Add a property into the component.</a:t>
+            </a:r>
+          </a:p>
+          <a:p>
+            <a:pPr lvl="1"/>
+            <a:r>
+              <a:rPr lang="en-US" sz="2600" dirty="0" smtClean="0"/>
+              <a:t>Use interpolation to show the value of the component.</a:t>
+            </a:r>
+          </a:p>
+          <a:p>
+            <a:pPr lvl="1"/>
+            <a:r>
+              <a:rPr lang="en-US" sz="2600" dirty="0" smtClean="0"/>
+              <a:t>Create a property with an array value.</a:t>
+            </a:r>
+          </a:p>
+          <a:p>
+            <a:pPr lvl="1"/>
+            <a:r>
+              <a:rPr lang="en-US" sz="2600" dirty="0" smtClean="0"/>
+              <a:t>Use the ng-for directive to display array data.</a:t>
+            </a:r>
+          </a:p>
+          <a:p>
+            <a:pPr lvl="1"/>
+            <a:r>
+              <a:rPr lang="en-US" sz="2600" dirty="0" smtClean="0"/>
+              <a:t>Bind an event.  Have the event change the property that is shown with interpolation.</a:t>
+            </a:r>
+          </a:p>
+          <a:p>
+            <a:pPr lvl="1"/>
+            <a:r>
+              <a:rPr lang="en-US" sz="2600" dirty="0" smtClean="0"/>
+              <a:t>Create a new class and add it as a property.</a:t>
+            </a:r>
+          </a:p>
+          <a:p>
+            <a:pPr lvl="1"/>
+            <a:r>
+              <a:rPr lang="en-US" sz="2600" dirty="0" smtClean="0"/>
+              <a:t>Bind the class using two way binding.</a:t>
+            </a:r>
+          </a:p>
+          <a:p>
+            <a:pPr lvl="1"/>
+            <a:endParaRPr lang="en-US" sz="2600" dirty="0"/>
           </a:p>
         </p:txBody>
       </p:sp>
     </p:spTree>
     <p:extLst>
       <p:ext uri="{BB962C8B-B14F-4D97-AF65-F5344CB8AC3E}">
-        <p14:creationId xmlns:p14="http://schemas.microsoft.com/office/powerpoint/2010/main" val="703970955"/>
+        <p14:creationId xmlns:p14="http://schemas.microsoft.com/office/powerpoint/2010/main" val="1207263878"/>
       </p:ext>
     </p:extLst>
   </p:cSld>
@@ -10287,7 +10553,7 @@
           <a:p>
             <a:r>
               <a:rPr lang="en-US" dirty="0" smtClean="0"/>
-              <a:t>EXAMPLE</a:t>
+              <a:t>Routing/Navigation</a:t>
             </a:r>
             <a:endParaRPr lang="en-US" dirty="0"/>
           </a:p>
@@ -10295,23 +10561,69 @@
       </p:sp>
       <p:sp>
         <p:nvSpPr>
-          <p:cNvPr id="3" name="Text Placeholder 2"/>
-          <p:cNvSpPr>
-            <a:spLocks noGrp="1"/>
-          </p:cNvSpPr>
-          <p:nvPr>
-            <p:ph type="body" idx="1"/>
-          </p:nvPr>
-        </p:nvSpPr>
-        <p:spPr/>
-        <p:txBody>
-          <a:bodyPr/>
-          <a:lstStyle/>
-          <a:p>
-            <a:r>
-              <a:rPr lang="en-US" dirty="0" smtClean="0"/>
-              <a:t>Angular Routing</a:t>
-            </a:r>
+          <p:cNvPr id="3" name="Content Placeholder 2"/>
+          <p:cNvSpPr>
+            <a:spLocks noGrp="1"/>
+          </p:cNvSpPr>
+          <p:nvPr>
+            <p:ph idx="1"/>
+          </p:nvPr>
+        </p:nvSpPr>
+        <p:spPr/>
+        <p:txBody>
+          <a:bodyPr>
+            <a:normAutofit/>
+          </a:bodyPr>
+          <a:lstStyle/>
+          <a:p>
+            <a:r>
+              <a:rPr lang="en-US" sz="2400" dirty="0" smtClean="0"/>
+              <a:t>Define routes in the module file</a:t>
+            </a:r>
+          </a:p>
+          <a:p>
+            <a:r>
+              <a:rPr lang="en-US" sz="2400" dirty="0" smtClean="0"/>
+              <a:t>Use  the following syntax in the template to link to a route:</a:t>
+            </a:r>
+          </a:p>
+          <a:p>
+            <a:pPr lvl="1"/>
+            <a:r>
+              <a:rPr lang="en-US" sz="2400" dirty="0" smtClean="0"/>
+              <a:t>&lt;a [</a:t>
+            </a:r>
+            <a:r>
+              <a:rPr lang="en-US" sz="2400" dirty="0" err="1" smtClean="0"/>
+              <a:t>routerLink</a:t>
+            </a:r>
+            <a:r>
+              <a:rPr lang="en-US" sz="2400" dirty="0" smtClean="0"/>
+              <a:t>] = “[route path]”&gt;Description&lt;/a&gt;</a:t>
+            </a:r>
+          </a:p>
+          <a:p>
+            <a:r>
+              <a:rPr lang="en-US" sz="2400" dirty="0" smtClean="0"/>
+              <a:t>Use router-outlet element to specify location of the rout in the template</a:t>
+            </a:r>
+          </a:p>
+          <a:p>
+            <a:r>
+              <a:rPr lang="en-US" sz="2400" dirty="0" smtClean="0"/>
+              <a:t>Use * to route all undefined paths</a:t>
+            </a:r>
+          </a:p>
+          <a:p>
+            <a:pPr marL="45720" indent="0">
+              <a:buNone/>
+            </a:pPr>
+            <a:endParaRPr lang="en-US" sz="2400" dirty="0"/>
+          </a:p>
+          <a:p>
+            <a:pPr marL="45720" indent="0">
+              <a:buNone/>
+            </a:pPr>
             <a:endParaRPr lang="en-US" dirty="0"/>
           </a:p>
         </p:txBody>
@@ -10319,20 +10631,13 @@
     </p:spTree>
     <p:extLst>
       <p:ext uri="{BB962C8B-B14F-4D97-AF65-F5344CB8AC3E}">
-        <p14:creationId xmlns:p14="http://schemas.microsoft.com/office/powerpoint/2010/main" val="571231105"/>
+        <p14:creationId xmlns:p14="http://schemas.microsoft.com/office/powerpoint/2010/main" val="703970955"/>
       </p:ext>
     </p:extLst>
   </p:cSld>
   <p:clrMapOvr>
     <a:masterClrMapping/>
   </p:clrMapOvr>
-  <p:timing>
-    <p:tnLst>
-      <p:par>
-        <p:cTn id="1" dur="indefinite" restart="never" nodeType="tmRoot"/>
-      </p:par>
-    </p:tnLst>
-  </p:timing>
 </p:sld>
 </file>
 
@@ -10360,7 +10665,7 @@
             <a:spLocks noGrp="1"/>
           </p:cNvSpPr>
           <p:nvPr>
-            <p:ph type="ctrTitle"/>
+            <p:ph type="title"/>
           </p:nvPr>
         </p:nvSpPr>
         <p:spPr/>
@@ -10370,7 +10675,7 @@
           <a:p>
             <a:r>
               <a:rPr lang="en-US" dirty="0" smtClean="0"/>
-              <a:t>ASSESSMENT</a:t>
+              <a:t>EXAMPLE</a:t>
             </a:r>
             <a:endParaRPr lang="en-US" dirty="0"/>
           </a:p>
@@ -10378,30 +10683,61 @@
       </p:sp>
       <p:sp>
         <p:nvSpPr>
-          <p:cNvPr id="3" name="Subtitle 2"/>
-          <p:cNvSpPr>
-            <a:spLocks noGrp="1"/>
-          </p:cNvSpPr>
-          <p:nvPr>
-            <p:ph type="subTitle" idx="1"/>
-          </p:nvPr>
-        </p:nvSpPr>
-        <p:spPr/>
-        <p:txBody>
-          <a:bodyPr/>
-          <a:lstStyle/>
-          <a:p>
-            <a:r>
-              <a:rPr lang="en-US" dirty="0"/>
+          <p:cNvPr id="3" name="Text Placeholder 2"/>
+          <p:cNvSpPr>
+            <a:spLocks noGrp="1"/>
+          </p:cNvSpPr>
+          <p:nvPr>
+            <p:ph type="body" idx="1"/>
+          </p:nvPr>
+        </p:nvSpPr>
+        <p:spPr/>
+        <p:txBody>
+          <a:bodyPr/>
+          <a:lstStyle/>
+          <a:p>
+            <a:r>
+              <a:rPr lang="en-US" dirty="0" smtClean="0"/>
               <a:t>Angular Routing</a:t>
             </a:r>
-          </a:p>
-        </p:txBody>
-      </p:sp>
+            <a:endParaRPr lang="en-US" dirty="0"/>
+          </a:p>
+        </p:txBody>
+      </p:sp>
+      <p:pic>
+        <p:nvPicPr>
+          <p:cNvPr id="4" name="Content Placeholder 4"/>
+          <p:cNvPicPr>
+            <a:picLocks noChangeAspect="1"/>
+          </p:cNvPicPr>
+          <p:nvPr/>
+        </p:nvPicPr>
+        <p:blipFill>
+          <a:blip r:embed="rId3">
+            <a:extLst>
+              <a:ext uri="{28A0092B-C50C-407E-A947-70E740481C1C}">
+                <a14:useLocalDpi xmlns:a14="http://schemas.microsoft.com/office/drawing/2010/main" val="0"/>
+              </a:ext>
+            </a:extLst>
+          </a:blip>
+          <a:stretch>
+            <a:fillRect/>
+          </a:stretch>
+        </p:blipFill>
+        <p:spPr>
+          <a:xfrm>
+            <a:off x="1154955" y="563880"/>
+            <a:ext cx="3819192" cy="3055354"/>
+          </a:xfrm>
+          <a:prstGeom prst="rect">
+            <a:avLst/>
+          </a:prstGeom>
+        </p:spPr>
+      </p:pic>
     </p:spTree>
     <p:extLst>
       <p:ext uri="{BB962C8B-B14F-4D97-AF65-F5344CB8AC3E}">
-        <p14:creationId xmlns:p14="http://schemas.microsoft.com/office/powerpoint/2010/main" val="3718448506"/>
+        <p14:creationId xmlns:p14="http://schemas.microsoft.com/office/powerpoint/2010/main" val="571231105"/>
       </p:ext>
     </p:extLst>
   </p:cSld>
@@ -10442,7 +10778,7 @@
             <a:spLocks noGrp="1"/>
           </p:cNvSpPr>
           <p:nvPr>
-            <p:ph type="title"/>
+            <p:ph type="ctrTitle"/>
           </p:nvPr>
         </p:nvSpPr>
         <p:spPr/>
@@ -10452,7 +10788,7 @@
           <a:p>
             <a:r>
               <a:rPr lang="en-US" dirty="0" smtClean="0"/>
-              <a:t>Angular Routing Exercises</a:t>
+              <a:t>ASSESSMENT</a:t>
             </a:r>
             <a:endParaRPr lang="en-US" dirty="0"/>
           </a:p>
@@ -10460,62 +10796,73 @@
       </p:sp>
       <p:sp>
         <p:nvSpPr>
-          <p:cNvPr id="3" name="Content Placeholder 2"/>
-          <p:cNvSpPr>
-            <a:spLocks noGrp="1"/>
-          </p:cNvSpPr>
-          <p:nvPr>
-            <p:ph sz="half" idx="1"/>
-          </p:nvPr>
-        </p:nvSpPr>
+          <p:cNvPr id="3" name="Subtitle 2"/>
+          <p:cNvSpPr>
+            <a:spLocks noGrp="1"/>
+          </p:cNvSpPr>
+          <p:nvPr>
+            <p:ph type="subTitle" idx="1"/>
+          </p:nvPr>
+        </p:nvSpPr>
+        <p:spPr/>
+        <p:txBody>
+          <a:bodyPr/>
+          <a:lstStyle/>
+          <a:p>
+            <a:r>
+              <a:rPr lang="en-US" dirty="0"/>
+              <a:t>Angular Routing</a:t>
+            </a:r>
+          </a:p>
+        </p:txBody>
+      </p:sp>
+      <p:pic>
+        <p:nvPicPr>
+          <p:cNvPr id="4" name="Picture 3"/>
+          <p:cNvPicPr>
+            <a:picLocks noChangeAspect="1"/>
+          </p:cNvPicPr>
+          <p:nvPr/>
+        </p:nvPicPr>
+        <p:blipFill>
+          <a:blip r:embed="rId3">
+            <a:extLst>
+              <a:ext uri="{28A0092B-C50C-407E-A947-70E740481C1C}">
+                <a14:useLocalDpi xmlns:a14="http://schemas.microsoft.com/office/drawing/2010/main" val="0"/>
+              </a:ext>
+            </a:extLst>
+          </a:blip>
+          <a:stretch>
+            <a:fillRect/>
+          </a:stretch>
+        </p:blipFill>
         <p:spPr>
           <a:xfrm>
-            <a:off x="1103312" y="2060575"/>
-            <a:ext cx="10008033" cy="4195763"/>
+            <a:off x="7950200" y="1447800"/>
+            <a:ext cx="3571240" cy="4529836"/>
           </a:xfrm>
+          <a:prstGeom prst="rect">
+            <a:avLst/>
+          </a:prstGeom>
         </p:spPr>
-        <p:txBody>
-          <a:bodyPr>
-            <a:normAutofit/>
-          </a:bodyPr>
-          <a:lstStyle/>
-          <a:p>
-            <a:pPr lvl="0"/>
-            <a:r>
-              <a:rPr lang="en-US" sz="2800" dirty="0" smtClean="0"/>
-              <a:t>Extend the previous exercise</a:t>
-            </a:r>
-          </a:p>
-          <a:p>
-            <a:pPr lvl="1"/>
-            <a:r>
-              <a:rPr lang="en-US" sz="2800" dirty="0" smtClean="0"/>
-              <a:t>Create an additional Component</a:t>
-            </a:r>
-          </a:p>
-          <a:p>
-            <a:pPr lvl="1"/>
-            <a:r>
-              <a:rPr lang="en-US" sz="2800" dirty="0" smtClean="0"/>
-              <a:t>Set up routing and links associated with each component to click back and forth using the routes.</a:t>
-            </a:r>
-          </a:p>
-          <a:p>
-            <a:pPr lvl="1"/>
-            <a:endParaRPr lang="en-US" sz="2600" dirty="0"/>
-          </a:p>
-        </p:txBody>
-      </p:sp>
+      </p:pic>
     </p:spTree>
     <p:extLst>
       <p:ext uri="{BB962C8B-B14F-4D97-AF65-F5344CB8AC3E}">
-        <p14:creationId xmlns:p14="http://schemas.microsoft.com/office/powerpoint/2010/main" val="3199827714"/>
+        <p14:creationId xmlns:p14="http://schemas.microsoft.com/office/powerpoint/2010/main" val="3718448506"/>
       </p:ext>
     </p:extLst>
   </p:cSld>
   <p:clrMapOvr>
     <a:masterClrMapping/>
   </p:clrMapOvr>
+  <p:timing>
+    <p:tnLst>
+      <p:par>
+        <p:cTn id="1" dur="indefinite" restart="never" nodeType="tmRoot"/>
+      </p:par>
+    </p:tnLst>
+  </p:timing>
 </p:sld>
 </file>
 
@@ -10684,6 +11031,135 @@
           <a:p>
             <a:r>
               <a:rPr lang="en-US" dirty="0" smtClean="0"/>
+              <a:t>Assignment</a:t>
+            </a:r>
+            <a:endParaRPr lang="en-US" dirty="0"/>
+          </a:p>
+        </p:txBody>
+      </p:sp>
+      <p:sp>
+        <p:nvSpPr>
+          <p:cNvPr id="3" name="Content Placeholder 2"/>
+          <p:cNvSpPr>
+            <a:spLocks noGrp="1"/>
+          </p:cNvSpPr>
+          <p:nvPr>
+            <p:ph sz="half" idx="1"/>
+          </p:nvPr>
+        </p:nvSpPr>
+        <p:spPr>
+          <a:xfrm>
+            <a:off x="496388" y="1387975"/>
+            <a:ext cx="7772401" cy="5119408"/>
+          </a:xfrm>
+        </p:spPr>
+        <p:txBody>
+          <a:bodyPr>
+            <a:normAutofit/>
+          </a:bodyPr>
+          <a:lstStyle/>
+          <a:p>
+            <a:r>
+              <a:rPr lang="en-US" sz="4000" dirty="0" smtClean="0"/>
+              <a:t>Create a new component and html template.</a:t>
+            </a:r>
+          </a:p>
+          <a:p>
+            <a:r>
+              <a:rPr lang="en-US" sz="4000" dirty="0" smtClean="0"/>
+              <a:t>Add html for the form into it that you created previously.</a:t>
+            </a:r>
+          </a:p>
+          <a:p>
+            <a:r>
+              <a:rPr lang="en-US" sz="4000" dirty="0" smtClean="0"/>
+              <a:t>Setup up routing and a link so that the add link goes to this new component.</a:t>
+            </a:r>
+          </a:p>
+          <a:p>
+            <a:endParaRPr lang="en-US" sz="2800" dirty="0" smtClean="0"/>
+          </a:p>
+          <a:p>
+            <a:endParaRPr lang="en-US" sz="2800" dirty="0"/>
+          </a:p>
+        </p:txBody>
+      </p:sp>
+      <p:pic>
+        <p:nvPicPr>
+          <p:cNvPr id="5" name="Content Placeholder 4"/>
+          <p:cNvPicPr>
+            <a:picLocks noGrp="1" noChangeAspect="1"/>
+          </p:cNvPicPr>
+          <p:nvPr>
+            <p:ph sz="half" idx="2"/>
+          </p:nvPr>
+        </p:nvPicPr>
+        <p:blipFill>
+          <a:blip r:embed="rId3">
+            <a:extLst>
+              <a:ext uri="{28A0092B-C50C-407E-A947-70E740481C1C}">
+                <a14:useLocalDpi xmlns:a14="http://schemas.microsoft.com/office/drawing/2010/main" val="0"/>
+              </a:ext>
+            </a:extLst>
+          </a:blip>
+          <a:stretch>
+            <a:fillRect/>
+          </a:stretch>
+        </p:blipFill>
+        <p:spPr>
+          <a:xfrm>
+            <a:off x="8630940" y="1387975"/>
+            <a:ext cx="3179422" cy="5119408"/>
+          </a:xfrm>
+        </p:spPr>
+      </p:pic>
+    </p:spTree>
+    <p:extLst>
+      <p:ext uri="{BB962C8B-B14F-4D97-AF65-F5344CB8AC3E}">
+        <p14:creationId xmlns:p14="http://schemas.microsoft.com/office/powerpoint/2010/main" val="1145037415"/>
+      </p:ext>
+    </p:extLst>
+  </p:cSld>
+  <p:clrMapOvr>
+    <a:masterClrMapping/>
+  </p:clrMapOvr>
+</p:sld>
+</file>
+
+<file path=ppt/slides/slide21.xml><?xml version="1.0" encoding="utf-8"?>
+<p:sld xmlns:a="http://schemas.openxmlformats.org/drawingml/2006/main" xmlns:r="http://schemas.openxmlformats.org/officeDocument/2006/relationships" xmlns:p="http://schemas.openxmlformats.org/presentationml/2006/main">
+  <p:cSld>
+    <p:spTree>
+      <p:nvGrpSpPr>
+        <p:cNvPr id="1" name=""/>
+        <p:cNvGrpSpPr/>
+        <p:nvPr/>
+      </p:nvGrpSpPr>
+      <p:grpSpPr>
+        <a:xfrm>
+          <a:off x="0" y="0"/>
+          <a:ext cx="0" cy="0"/>
+          <a:chOff x="0" y="0"/>
+          <a:chExt cx="0" cy="0"/>
+        </a:xfrm>
+      </p:grpSpPr>
+      <p:sp>
+        <p:nvSpPr>
+          <p:cNvPr id="2" name="Title 1"/>
+          <p:cNvSpPr>
+            <a:spLocks noGrp="1"/>
+          </p:cNvSpPr>
+          <p:nvPr>
+            <p:ph type="title"/>
+          </p:nvPr>
+        </p:nvSpPr>
+        <p:spPr/>
+        <p:txBody>
+          <a:bodyPr/>
+          <a:lstStyle/>
+          <a:p>
+            <a:r>
+              <a:rPr lang="en-US" dirty="0" smtClean="0"/>
               <a:t>Service</a:t>
             </a:r>
             <a:endParaRPr lang="en-US" dirty="0"/>
@@ -10770,7 +11246,7 @@
 </p:sld>
 </file>
 
-<file path=ppt/slides/slide21.xml><?xml version="1.0" encoding="utf-8"?>
+<file path=ppt/slides/slide22.xml><?xml version="1.0" encoding="utf-8"?>
 <p:sld xmlns:a="http://schemas.openxmlformats.org/drawingml/2006/main" xmlns:r="http://schemas.openxmlformats.org/officeDocument/2006/relationships" xmlns:p="http://schemas.openxmlformats.org/presentationml/2006/main">
   <p:cSld>
     <p:spTree>
@@ -10833,6 +11309,36 @@
           </a:p>
         </p:txBody>
       </p:sp>
+      <p:pic>
+        <p:nvPicPr>
+          <p:cNvPr id="4" name="Content Placeholder 4"/>
+          <p:cNvPicPr>
+            <a:picLocks noChangeAspect="1"/>
+          </p:cNvPicPr>
+          <p:nvPr/>
+        </p:nvPicPr>
+        <p:blipFill>
+          <a:blip r:embed="rId3">
+            <a:extLst>
+              <a:ext uri="{28A0092B-C50C-407E-A947-70E740481C1C}">
+                <a14:useLocalDpi xmlns:a14="http://schemas.microsoft.com/office/drawing/2010/main" val="0"/>
+              </a:ext>
+            </a:extLst>
+          </a:blip>
+          <a:stretch>
+            <a:fillRect/>
+          </a:stretch>
+        </p:blipFill>
+        <p:spPr>
+          <a:xfrm>
+            <a:off x="1154955" y="563880"/>
+            <a:ext cx="3819192" cy="3055354"/>
+          </a:xfrm>
+          <a:prstGeom prst="rect">
+            <a:avLst/>
+          </a:prstGeom>
+        </p:spPr>
+      </p:pic>
     </p:spTree>
     <p:extLst>
       <p:ext uri="{BB962C8B-B14F-4D97-AF65-F5344CB8AC3E}">
@@ -10853,115 +11359,6 @@
 </p:sld>
 </file>
 
-<file path=ppt/slides/slide22.xml><?xml version="1.0" encoding="utf-8"?>
-<p:sld xmlns:a="http://schemas.openxmlformats.org/drawingml/2006/main" xmlns:r="http://schemas.openxmlformats.org/officeDocument/2006/relationships" xmlns:p="http://schemas.openxmlformats.org/presentationml/2006/main">
-  <p:cSld>
-    <p:spTree>
-      <p:nvGrpSpPr>
-        <p:cNvPr id="1" name=""/>
-        <p:cNvGrpSpPr/>
-        <p:nvPr/>
-      </p:nvGrpSpPr>
-      <p:grpSpPr>
-        <a:xfrm>
-          <a:off x="0" y="0"/>
-          <a:ext cx="0" cy="0"/>
-          <a:chOff x="0" y="0"/>
-          <a:chExt cx="0" cy="0"/>
-        </a:xfrm>
-      </p:grpSpPr>
-      <p:sp>
-        <p:nvSpPr>
-          <p:cNvPr id="2" name="Title 1"/>
-          <p:cNvSpPr>
-            <a:spLocks noGrp="1"/>
-          </p:cNvSpPr>
-          <p:nvPr>
-            <p:ph type="title"/>
-          </p:nvPr>
-        </p:nvSpPr>
-        <p:spPr/>
-        <p:txBody>
-          <a:bodyPr/>
-          <a:lstStyle/>
-          <a:p>
-            <a:r>
-              <a:rPr lang="en-US" dirty="0" smtClean="0"/>
-              <a:t>Angular Services Exercises</a:t>
-            </a:r>
-            <a:endParaRPr lang="en-US" dirty="0"/>
-          </a:p>
-        </p:txBody>
-      </p:sp>
-      <p:sp>
-        <p:nvSpPr>
-          <p:cNvPr id="3" name="Content Placeholder 2"/>
-          <p:cNvSpPr>
-            <a:spLocks noGrp="1"/>
-          </p:cNvSpPr>
-          <p:nvPr>
-            <p:ph sz="half" idx="1"/>
-          </p:nvPr>
-        </p:nvSpPr>
-        <p:spPr>
-          <a:xfrm>
-            <a:off x="1103312" y="2060575"/>
-            <a:ext cx="10008033" cy="4195763"/>
-          </a:xfrm>
-        </p:spPr>
-        <p:txBody>
-          <a:bodyPr>
-            <a:normAutofit/>
-          </a:bodyPr>
-          <a:lstStyle/>
-          <a:p>
-            <a:pPr lvl="0"/>
-            <a:r>
-              <a:rPr lang="en-US" sz="2800" dirty="0" smtClean="0"/>
-              <a:t>Extend the previous exercise</a:t>
-            </a:r>
-          </a:p>
-          <a:p>
-            <a:pPr lvl="1"/>
-            <a:r>
-              <a:rPr lang="en-US" sz="2800" dirty="0" smtClean="0"/>
-              <a:t>Create a service that calls into your previously created web </a:t>
-            </a:r>
-            <a:r>
-              <a:rPr lang="en-US" sz="2800" dirty="0" err="1" smtClean="0"/>
-              <a:t>api</a:t>
-            </a:r>
-            <a:r>
-              <a:rPr lang="en-US" sz="2800" dirty="0" smtClean="0"/>
-              <a:t>.</a:t>
-            </a:r>
-          </a:p>
-          <a:p>
-            <a:pPr lvl="1"/>
-            <a:r>
-              <a:rPr lang="en-US" sz="2800" dirty="0" smtClean="0"/>
-              <a:t>Return data and loop through it using the ng-for directive.</a:t>
-            </a:r>
-          </a:p>
-          <a:p>
-            <a:pPr lvl="1"/>
-            <a:endParaRPr lang="en-US" sz="2600" dirty="0"/>
-          </a:p>
-        </p:txBody>
-      </p:sp>
-    </p:spTree>
-    <p:extLst>
-      <p:ext uri="{BB962C8B-B14F-4D97-AF65-F5344CB8AC3E}">
-        <p14:creationId xmlns:p14="http://schemas.microsoft.com/office/powerpoint/2010/main" val="875117132"/>
-      </p:ext>
-    </p:extLst>
-  </p:cSld>
-  <p:clrMapOvr>
-    <a:masterClrMapping/>
-  </p:clrMapOvr>
-</p:sld>
-</file>
-
 <file path=ppt/slides/slide23.xml><?xml version="1.0" encoding="utf-8"?>
 <p:sld xmlns:a="http://schemas.openxmlformats.org/drawingml/2006/main" xmlns:r="http://schemas.openxmlformats.org/officeDocument/2006/relationships" xmlns:p="http://schemas.openxmlformats.org/presentationml/2006/main">
   <p:cSld>
@@ -10986,6 +11383,142 @@
             <a:spLocks noGrp="1"/>
           </p:cNvSpPr>
           <p:nvPr>
+            <p:ph type="title"/>
+          </p:nvPr>
+        </p:nvSpPr>
+        <p:spPr/>
+        <p:txBody>
+          <a:bodyPr/>
+          <a:lstStyle/>
+          <a:p>
+            <a:r>
+              <a:rPr lang="en-US" dirty="0" smtClean="0"/>
+              <a:t>Assignment</a:t>
+            </a:r>
+            <a:endParaRPr lang="en-US" dirty="0"/>
+          </a:p>
+        </p:txBody>
+      </p:sp>
+      <p:sp>
+        <p:nvSpPr>
+          <p:cNvPr id="3" name="Content Placeholder 2"/>
+          <p:cNvSpPr>
+            <a:spLocks noGrp="1"/>
+          </p:cNvSpPr>
+          <p:nvPr>
+            <p:ph sz="half" idx="1"/>
+          </p:nvPr>
+        </p:nvSpPr>
+        <p:spPr>
+          <a:xfrm>
+            <a:off x="496388" y="1387975"/>
+            <a:ext cx="7772401" cy="5119408"/>
+          </a:xfrm>
+        </p:spPr>
+        <p:txBody>
+          <a:bodyPr>
+            <a:normAutofit/>
+          </a:bodyPr>
+          <a:lstStyle/>
+          <a:p>
+            <a:r>
+              <a:rPr lang="en-US" sz="3600" dirty="0"/>
+              <a:t>Create a service that calls into your previously created web </a:t>
+            </a:r>
+            <a:r>
+              <a:rPr lang="en-US" sz="3600" dirty="0" err="1"/>
+              <a:t>api</a:t>
+            </a:r>
+            <a:r>
+              <a:rPr lang="en-US" sz="3600" dirty="0"/>
+              <a:t>.</a:t>
+            </a:r>
+          </a:p>
+          <a:p>
+            <a:r>
+              <a:rPr lang="en-US" sz="3600" dirty="0"/>
+              <a:t>Return data and loop through it using the ng-for </a:t>
+            </a:r>
+            <a:r>
+              <a:rPr lang="en-US" sz="3600" dirty="0" smtClean="0"/>
+              <a:t>directive for the table instead of using the hard coded array.</a:t>
+            </a:r>
+            <a:endParaRPr lang="en-US" sz="3600" dirty="0"/>
+          </a:p>
+          <a:p>
+            <a:endParaRPr lang="en-US" sz="2800" dirty="0" smtClean="0"/>
+          </a:p>
+          <a:p>
+            <a:endParaRPr lang="en-US" sz="2800" dirty="0"/>
+          </a:p>
+        </p:txBody>
+      </p:sp>
+      <p:pic>
+        <p:nvPicPr>
+          <p:cNvPr id="5" name="Content Placeholder 4"/>
+          <p:cNvPicPr>
+            <a:picLocks noGrp="1" noChangeAspect="1"/>
+          </p:cNvPicPr>
+          <p:nvPr>
+            <p:ph sz="half" idx="2"/>
+          </p:nvPr>
+        </p:nvPicPr>
+        <p:blipFill>
+          <a:blip r:embed="rId3">
+            <a:extLst>
+              <a:ext uri="{28A0092B-C50C-407E-A947-70E740481C1C}">
+                <a14:useLocalDpi xmlns:a14="http://schemas.microsoft.com/office/drawing/2010/main" val="0"/>
+              </a:ext>
+            </a:extLst>
+          </a:blip>
+          <a:stretch>
+            <a:fillRect/>
+          </a:stretch>
+        </p:blipFill>
+        <p:spPr>
+          <a:xfrm>
+            <a:off x="8630940" y="1387975"/>
+            <a:ext cx="3179422" cy="5119408"/>
+          </a:xfrm>
+        </p:spPr>
+      </p:pic>
+    </p:spTree>
+    <p:extLst>
+      <p:ext uri="{BB962C8B-B14F-4D97-AF65-F5344CB8AC3E}">
+        <p14:creationId xmlns:p14="http://schemas.microsoft.com/office/powerpoint/2010/main" val="1508253926"/>
+      </p:ext>
+    </p:extLst>
+  </p:cSld>
+  <p:clrMapOvr>
+    <a:masterClrMapping/>
+  </p:clrMapOvr>
+</p:sld>
+</file>
+
+<file path=ppt/slides/slide24.xml><?xml version="1.0" encoding="utf-8"?>
+<p:sld xmlns:a="http://schemas.openxmlformats.org/drawingml/2006/main" xmlns:r="http://schemas.openxmlformats.org/officeDocument/2006/relationships" xmlns:p="http://schemas.openxmlformats.org/presentationml/2006/main">
+  <p:cSld>
+    <p:spTree>
+      <p:nvGrpSpPr>
+        <p:cNvPr id="1" name=""/>
+        <p:cNvGrpSpPr/>
+        <p:nvPr/>
+      </p:nvGrpSpPr>
+      <p:grpSpPr>
+        <a:xfrm>
+          <a:off x="0" y="0"/>
+          <a:ext cx="0" cy="0"/>
+          <a:chOff x="0" y="0"/>
+          <a:chExt cx="0" cy="0"/>
+        </a:xfrm>
+      </p:grpSpPr>
+      <p:sp>
+        <p:nvSpPr>
+          <p:cNvPr id="2" name="Title 1"/>
+          <p:cNvSpPr>
+            <a:spLocks noGrp="1"/>
+          </p:cNvSpPr>
+          <p:nvPr>
             <p:ph type="ctrTitle"/>
           </p:nvPr>
         </p:nvSpPr>
@@ -10996,7 +11529,7 @@
           <a:p>
             <a:r>
               <a:rPr lang="en-US" dirty="0" smtClean="0"/>
-              <a:t>REVIEW GAME</a:t>
+              <a:t>QUICK REVIEW</a:t>
             </a:r>
             <a:endParaRPr lang="en-US" dirty="0"/>
           </a:p>
@@ -11025,6 +11558,36 @@
           </a:p>
         </p:txBody>
       </p:sp>
+      <p:pic>
+        <p:nvPicPr>
+          <p:cNvPr id="4" name="Picture 3"/>
+          <p:cNvPicPr>
+            <a:picLocks noChangeAspect="1"/>
+          </p:cNvPicPr>
+          <p:nvPr/>
+        </p:nvPicPr>
+        <p:blipFill>
+          <a:blip r:embed="rId3">
+            <a:extLst>
+              <a:ext uri="{28A0092B-C50C-407E-A947-70E740481C1C}">
+                <a14:useLocalDpi xmlns:a14="http://schemas.microsoft.com/office/drawing/2010/main" val="0"/>
+              </a:ext>
+            </a:extLst>
+          </a:blip>
+          <a:stretch>
+            <a:fillRect/>
+          </a:stretch>
+        </p:blipFill>
+        <p:spPr>
+          <a:xfrm>
+            <a:off x="8168603" y="1172656"/>
+            <a:ext cx="3624020" cy="5461159"/>
+          </a:xfrm>
+          <a:prstGeom prst="rect">
+            <a:avLst/>
+          </a:prstGeom>
+        </p:spPr>
+      </p:pic>
     </p:spTree>
     <p:extLst>
       <p:ext uri="{BB962C8B-B14F-4D97-AF65-F5344CB8AC3E}">
@@ -11045,7 +11608,7 @@
 </p:sld>
 </file>
 
-<file path=ppt/slides/slide24.xml><?xml version="1.0" encoding="utf-8"?>
+<file path=ppt/slides/slide25.xml><?xml version="1.0" encoding="utf-8"?>
 <p:sld xmlns:a="http://schemas.openxmlformats.org/drawingml/2006/main" xmlns:r="http://schemas.openxmlformats.org/officeDocument/2006/relationships" xmlns:p="http://schemas.openxmlformats.org/presentationml/2006/main">
   <p:cSld>
     <p:spTree>
@@ -11824,6 +12387,36 @@
           </a:p>
         </p:txBody>
       </p:sp>
+      <p:pic>
+        <p:nvPicPr>
+          <p:cNvPr id="4" name="Content Placeholder 4"/>
+          <p:cNvPicPr>
+            <a:picLocks noChangeAspect="1"/>
+          </p:cNvPicPr>
+          <p:nvPr/>
+        </p:nvPicPr>
+        <p:blipFill>
+          <a:blip r:embed="rId3">
+            <a:extLst>
+              <a:ext uri="{28A0092B-C50C-407E-A947-70E740481C1C}">
+                <a14:useLocalDpi xmlns:a14="http://schemas.microsoft.com/office/drawing/2010/main" val="0"/>
+              </a:ext>
+            </a:extLst>
+          </a:blip>
+          <a:stretch>
+            <a:fillRect/>
+          </a:stretch>
+        </p:blipFill>
+        <p:spPr>
+          <a:xfrm>
+            <a:off x="1154955" y="563880"/>
+            <a:ext cx="3819192" cy="3055354"/>
+          </a:xfrm>
+          <a:prstGeom prst="rect">
+            <a:avLst/>
+          </a:prstGeom>
+        </p:spPr>
+      </p:pic>
     </p:spTree>
     <p:extLst>
       <p:ext uri="{BB962C8B-B14F-4D97-AF65-F5344CB8AC3E}">
@@ -11906,6 +12499,36 @@
           </a:p>
         </p:txBody>
       </p:sp>
+      <p:pic>
+        <p:nvPicPr>
+          <p:cNvPr id="4" name="Picture 3"/>
+          <p:cNvPicPr>
+            <a:picLocks noChangeAspect="1"/>
+          </p:cNvPicPr>
+          <p:nvPr/>
+        </p:nvPicPr>
+        <p:blipFill>
+          <a:blip r:embed="rId3">
+            <a:extLst>
+              <a:ext uri="{28A0092B-C50C-407E-A947-70E740481C1C}">
+                <a14:useLocalDpi xmlns:a14="http://schemas.microsoft.com/office/drawing/2010/main" val="0"/>
+              </a:ext>
+            </a:extLst>
+          </a:blip>
+          <a:stretch>
+            <a:fillRect/>
+          </a:stretch>
+        </p:blipFill>
+        <p:spPr>
+          <a:xfrm>
+            <a:off x="7950200" y="1447800"/>
+            <a:ext cx="3571240" cy="4529836"/>
+          </a:xfrm>
+          <a:prstGeom prst="rect">
+            <a:avLst/>
+          </a:prstGeom>
+        </p:spPr>
+      </p:pic>
     </p:spTree>
     <p:extLst>
       <p:ext uri="{BB962C8B-B14F-4D97-AF65-F5344CB8AC3E}">

--- a/Slides/08_Angular_TrainingPlan.pptx
+++ b/Slides/08_Angular_TrainingPlan.pptx
@@ -5,7 +5,7 @@
     <p:sldMasterId id="2147483672" r:id="rId1"/>
   </p:sldMasterIdLst>
   <p:notesMasterIdLst>
-    <p:notesMasterId r:id="rId27"/>
+    <p:notesMasterId r:id="rId29"/>
   </p:notesMasterIdLst>
   <p:sldIdLst>
     <p:sldId id="256" r:id="rId2"/>
@@ -15,24 +15,26 @@
     <p:sldId id="341" r:id="rId6"/>
     <p:sldId id="322" r:id="rId7"/>
     <p:sldId id="317" r:id="rId8"/>
-    <p:sldId id="339" r:id="rId9"/>
-    <p:sldId id="344" r:id="rId10"/>
-    <p:sldId id="349" r:id="rId11"/>
-    <p:sldId id="324" r:id="rId12"/>
-    <p:sldId id="326" r:id="rId13"/>
-    <p:sldId id="304" r:id="rId14"/>
-    <p:sldId id="345" r:id="rId15"/>
-    <p:sldId id="350" r:id="rId16"/>
-    <p:sldId id="334" r:id="rId17"/>
-    <p:sldId id="330" r:id="rId18"/>
-    <p:sldId id="337" r:id="rId19"/>
-    <p:sldId id="346" r:id="rId20"/>
-    <p:sldId id="351" r:id="rId21"/>
-    <p:sldId id="333" r:id="rId22"/>
-    <p:sldId id="338" r:id="rId23"/>
-    <p:sldId id="352" r:id="rId24"/>
-    <p:sldId id="343" r:id="rId25"/>
-    <p:sldId id="348" r:id="rId26"/>
+    <p:sldId id="353" r:id="rId9"/>
+    <p:sldId id="339" r:id="rId10"/>
+    <p:sldId id="344" r:id="rId11"/>
+    <p:sldId id="349" r:id="rId12"/>
+    <p:sldId id="324" r:id="rId13"/>
+    <p:sldId id="326" r:id="rId14"/>
+    <p:sldId id="354" r:id="rId15"/>
+    <p:sldId id="304" r:id="rId16"/>
+    <p:sldId id="345" r:id="rId17"/>
+    <p:sldId id="350" r:id="rId18"/>
+    <p:sldId id="330" r:id="rId19"/>
+    <p:sldId id="337" r:id="rId20"/>
+    <p:sldId id="346" r:id="rId21"/>
+    <p:sldId id="351" r:id="rId22"/>
+    <p:sldId id="333" r:id="rId23"/>
+    <p:sldId id="355" r:id="rId24"/>
+    <p:sldId id="338" r:id="rId25"/>
+    <p:sldId id="352" r:id="rId26"/>
+    <p:sldId id="343" r:id="rId27"/>
+    <p:sldId id="348" r:id="rId28"/>
   </p:sldIdLst>
   <p:sldSz cx="12192000" cy="6858000"/>
   <p:notesSz cx="6858000" cy="9144000"/>
@@ -221,7 +223,7 @@
           <a:p>
             <a:fld id="{E56F1039-F5BC-4E17-940A-BF8616FF3F3A}" type="datetimeFigureOut">
               <a:rPr lang="en-US" smtClean="0"/>
-              <a:t>2/4/2018</a:t>
+              <a:t>3/4/2018</a:t>
             </a:fld>
             <a:endParaRPr lang="en-US"/>
           </a:p>
@@ -663,33 +665,7 @@
               <a:buFont typeface="Arial" panose="020B0604020202020204" pitchFamily="34" charset="0"/>
               <a:buChar char="•"/>
             </a:pPr>
-            <a:r>
-              <a:rPr lang="en-US" baseline="0" dirty="0" smtClean="0"/>
-              <a:t>Directives are custom extended html elements</a:t>
-            </a:r>
-          </a:p>
-          <a:p>
-            <a:pPr marL="171450" indent="-171450">
-              <a:buFont typeface="Arial" panose="020B0604020202020204" pitchFamily="34" charset="0"/>
-              <a:buChar char="•"/>
-            </a:pPr>
-            <a:r>
-              <a:rPr lang="en-US" baseline="0" dirty="0" smtClean="0"/>
-              <a:t>They are for things like conditions using </a:t>
-            </a:r>
-            <a:r>
-              <a:rPr lang="en-US" baseline="0" dirty="0" err="1" smtClean="0"/>
-              <a:t>ngIf</a:t>
-            </a:r>
-            <a:r>
-              <a:rPr lang="en-US" baseline="0" dirty="0" smtClean="0"/>
-              <a:t> and loops using </a:t>
-            </a:r>
-            <a:r>
-              <a:rPr lang="en-US" baseline="0" dirty="0" err="1" smtClean="0"/>
-              <a:t>ngFor</a:t>
-            </a:r>
-            <a:endParaRPr lang="en-US" baseline="0" dirty="0" smtClean="0"/>
+            <a:endParaRPr lang="en-US" dirty="0"/>
           </a:p>
         </p:txBody>
       </p:sp>
@@ -708,7 +684,7 @@
           <a:bodyPr/>
           <a:lstStyle/>
           <a:p>
-            <a:fld id="{90562276-63C7-43F9-8E9E-CFA137F6F839}" type="slidenum">
+            <a:fld id="{226FA58D-4B12-4E7B-A2FA-693CE3EACDFD}" type="slidenum">
               <a:rPr lang="en-US" smtClean="0"/>
               <a:t>11</a:t>
             </a:fld>
@@ -719,7 +695,7 @@
     </p:spTree>
     <p:extLst>
       <p:ext uri="{BB962C8B-B14F-4D97-AF65-F5344CB8AC3E}">
-        <p14:creationId xmlns:p14="http://schemas.microsoft.com/office/powerpoint/2010/main" val="1457516481"/>
+        <p14:creationId xmlns:p14="http://schemas.microsoft.com/office/powerpoint/2010/main" val="1023324272"/>
       </p:ext>
     </p:extLst>
   </p:cSld>
@@ -779,7 +755,7 @@
             </a:pPr>
             <a:r>
               <a:rPr lang="en-US" baseline="0" dirty="0" smtClean="0"/>
-              <a:t>There are different types of data binding.</a:t>
+              <a:t>Directives are custom extended html elements</a:t>
             </a:r>
           </a:p>
           <a:p>
@@ -789,44 +765,20 @@
             </a:pPr>
             <a:r>
               <a:rPr lang="en-US" baseline="0" dirty="0" smtClean="0"/>
-              <a:t>Let’s look at the examples to understand these better.</a:t>
-            </a:r>
-          </a:p>
-          <a:p>
-            <a:pPr marL="171450" marR="0" lvl="0" indent="-171450" algn="l" defTabSz="914400" rtl="0" eaLnBrk="1" fontAlgn="auto" latinLnBrk="0" hangingPunct="1">
-              <a:lnSpc>
-                <a:spcPct val="100000"/>
-              </a:lnSpc>
-              <a:spcBef>
-                <a:spcPts val="0"/>
-              </a:spcBef>
-              <a:spcAft>
-                <a:spcPts val="0"/>
-              </a:spcAft>
-              <a:buClrTx/>
-              <a:buSzTx/>
-              <a:buFont typeface="Arial" panose="020B0604020202020204" pitchFamily="34" charset="0"/>
-              <a:buChar char="•"/>
-              <a:tabLst/>
-              <a:defRPr/>
-            </a:pPr>
-            <a:r>
-              <a:rPr lang="en-US" sz="1200" dirty="0" smtClean="0"/>
-              <a:t>Examples:  </a:t>
-            </a:r>
-            <a:r>
-              <a:rPr lang="en-US" sz="1200" dirty="0" smtClean="0">
-                <a:hlinkClick r:id="rId3"/>
-              </a:rPr>
-              <a:t>http://www.c-sharpcorner.com/article/data-binding-in-angular-2/</a:t>
-            </a:r>
-            <a:endParaRPr lang="en-US" sz="1200" dirty="0" smtClean="0"/>
-          </a:p>
-          <a:p>
-            <a:pPr marL="171450" indent="-171450">
-              <a:buFont typeface="Arial" panose="020B0604020202020204" pitchFamily="34" charset="0"/>
-              <a:buChar char="•"/>
-            </a:pPr>
+              <a:t>They are for things like conditions using </a:t>
+            </a:r>
+            <a:r>
+              <a:rPr lang="en-US" baseline="0" dirty="0" err="1" smtClean="0"/>
+              <a:t>ngIf</a:t>
+            </a:r>
+            <a:r>
+              <a:rPr lang="en-US" baseline="0" dirty="0" smtClean="0"/>
+              <a:t> and loops using </a:t>
+            </a:r>
+            <a:r>
+              <a:rPr lang="en-US" baseline="0" dirty="0" err="1" smtClean="0"/>
+              <a:t>ngFor</a:t>
+            </a:r>
             <a:endParaRPr lang="en-US" baseline="0" dirty="0" smtClean="0"/>
           </a:p>
         </p:txBody>
@@ -857,7 +809,7 @@
     </p:spTree>
     <p:extLst>
       <p:ext uri="{BB962C8B-B14F-4D97-AF65-F5344CB8AC3E}">
-        <p14:creationId xmlns:p14="http://schemas.microsoft.com/office/powerpoint/2010/main" val="3332045249"/>
+        <p14:creationId xmlns:p14="http://schemas.microsoft.com/office/powerpoint/2010/main" val="1457516481"/>
       </p:ext>
     </p:extLst>
   </p:cSld>
@@ -911,7 +863,61 @@
           <a:bodyPr/>
           <a:lstStyle/>
           <a:p>
-            <a:endParaRPr lang="en-US" dirty="0"/>
+            <a:pPr marL="171450" indent="-171450">
+              <a:buFont typeface="Arial" panose="020B0604020202020204" pitchFamily="34" charset="0"/>
+              <a:buChar char="•"/>
+            </a:pPr>
+            <a:r>
+              <a:rPr lang="en-US" baseline="0" dirty="0" smtClean="0"/>
+              <a:t>There are different types of data binding.</a:t>
+            </a:r>
+          </a:p>
+          <a:p>
+            <a:pPr marL="171450" indent="-171450">
+              <a:buFont typeface="Arial" panose="020B0604020202020204" pitchFamily="34" charset="0"/>
+              <a:buChar char="•"/>
+            </a:pPr>
+            <a:r>
+              <a:rPr lang="en-US" baseline="0" dirty="0" smtClean="0"/>
+              <a:t>Let’s look at the examples to understand these better.</a:t>
+            </a:r>
+          </a:p>
+          <a:p>
+            <a:pPr marL="171450" marR="0" lvl="0" indent="-171450" algn="l" defTabSz="914400" rtl="0" eaLnBrk="1" fontAlgn="auto" latinLnBrk="0" hangingPunct="1">
+              <a:lnSpc>
+                <a:spcPct val="100000"/>
+              </a:lnSpc>
+              <a:spcBef>
+                <a:spcPts val="0"/>
+              </a:spcBef>
+              <a:spcAft>
+                <a:spcPts val="0"/>
+              </a:spcAft>
+              <a:buClrTx/>
+              <a:buSzTx/>
+              <a:buFont typeface="Arial" panose="020B0604020202020204" pitchFamily="34" charset="0"/>
+              <a:buChar char="•"/>
+              <a:tabLst/>
+              <a:defRPr/>
+            </a:pPr>
+            <a:r>
+              <a:rPr lang="en-US" sz="1200" dirty="0" smtClean="0"/>
+              <a:t>Examples:  </a:t>
+            </a:r>
+            <a:r>
+              <a:rPr lang="en-US" sz="1200" dirty="0" smtClean="0">
+                <a:hlinkClick r:id="rId3"/>
+              </a:rPr>
+              <a:t>http://www.c-sharpcorner.com/article/data-binding-in-angular-2/</a:t>
+            </a:r>
+            <a:endParaRPr lang="en-US" sz="1200" dirty="0" smtClean="0"/>
+          </a:p>
+          <a:p>
+            <a:pPr marL="171450" indent="-171450">
+              <a:buFont typeface="Arial" panose="020B0604020202020204" pitchFamily="34" charset="0"/>
+              <a:buChar char="•"/>
+            </a:pPr>
+            <a:endParaRPr lang="en-US" baseline="0" dirty="0" smtClean="0"/>
           </a:p>
         </p:txBody>
       </p:sp>
@@ -930,7 +936,7 @@
           <a:bodyPr/>
           <a:lstStyle/>
           <a:p>
-            <a:fld id="{E090B8CA-1AD8-477E-9569-51E0CFA26921}" type="slidenum">
+            <a:fld id="{90562276-63C7-43F9-8E9E-CFA137F6F839}" type="slidenum">
               <a:rPr lang="en-US" smtClean="0"/>
               <a:t>13</a:t>
             </a:fld>
@@ -941,7 +947,7 @@
     </p:spTree>
     <p:extLst>
       <p:ext uri="{BB962C8B-B14F-4D97-AF65-F5344CB8AC3E}">
-        <p14:creationId xmlns:p14="http://schemas.microsoft.com/office/powerpoint/2010/main" val="2908023703"/>
+        <p14:creationId xmlns:p14="http://schemas.microsoft.com/office/powerpoint/2010/main" val="3332045249"/>
       </p:ext>
     </p:extLst>
   </p:cSld>
@@ -995,125 +1001,11 @@
           <a:bodyPr/>
           <a:lstStyle/>
           <a:p>
-            <a:pPr marL="171450" lvl="0" indent="-171450">
+            <a:pPr marL="0" indent="0">
               <a:buFont typeface="Arial" panose="020B0604020202020204" pitchFamily="34" charset="0"/>
-              <a:buChar char="•"/>
+              <a:buNone/>
             </a:pPr>
-            <a:r>
-              <a:rPr lang="en-US" sz="1200" kern="1200" dirty="0" smtClean="0">
-                <a:solidFill>
-                  <a:schemeClr val="tx1"/>
-                </a:solidFill>
-                <a:effectLst/>
-                <a:latin typeface="+mn-lt"/>
-                <a:ea typeface="+mn-ea"/>
-                <a:cs typeface="+mn-cs"/>
-              </a:rPr>
-              <a:t>Which Angular piece extends HTML and makes it dynamic?</a:t>
-            </a:r>
-          </a:p>
-          <a:p>
-            <a:pPr marL="171450" lvl="0" indent="-171450">
-              <a:buFont typeface="Arial" panose="020B0604020202020204" pitchFamily="34" charset="0"/>
-              <a:buChar char="•"/>
-            </a:pPr>
-            <a:r>
-              <a:rPr lang="en-US" sz="1200" kern="1200" dirty="0" smtClean="0">
-                <a:solidFill>
-                  <a:schemeClr val="tx1"/>
-                </a:solidFill>
-                <a:effectLst/>
-                <a:latin typeface="+mn-lt"/>
-                <a:ea typeface="+mn-ea"/>
-                <a:cs typeface="+mn-cs"/>
-              </a:rPr>
-              <a:t>What are the four types of binding?</a:t>
-            </a:r>
-          </a:p>
-          <a:p>
-            <a:pPr marL="171450" lvl="0" indent="-171450">
-              <a:buFont typeface="Arial" panose="020B0604020202020204" pitchFamily="34" charset="0"/>
-              <a:buChar char="•"/>
-            </a:pPr>
-            <a:r>
-              <a:rPr lang="en-US" sz="1200" kern="1200" dirty="0" smtClean="0">
-                <a:solidFill>
-                  <a:schemeClr val="tx1"/>
-                </a:solidFill>
-                <a:effectLst/>
-                <a:latin typeface="+mn-lt"/>
-                <a:ea typeface="+mn-ea"/>
-                <a:cs typeface="+mn-cs"/>
-              </a:rPr>
-              <a:t>Write on the board interpolation for a property called name.</a:t>
-            </a:r>
-          </a:p>
-          <a:p>
-            <a:pPr marL="171450" lvl="0" indent="-171450">
-              <a:buFont typeface="Arial" panose="020B0604020202020204" pitchFamily="34" charset="0"/>
-              <a:buChar char="•"/>
-            </a:pPr>
-            <a:r>
-              <a:rPr lang="en-US" sz="1200" kern="1200" dirty="0" smtClean="0">
-                <a:solidFill>
-                  <a:schemeClr val="tx1"/>
-                </a:solidFill>
-                <a:effectLst/>
-                <a:latin typeface="+mn-lt"/>
-                <a:ea typeface="+mn-ea"/>
-                <a:cs typeface="+mn-cs"/>
-              </a:rPr>
-              <a:t>Write on the board a text field with a two way binding to a property called name.</a:t>
-            </a:r>
-          </a:p>
-          <a:p>
-            <a:pPr marL="171450" lvl="0" indent="-171450">
-              <a:buFont typeface="Arial" panose="020B0604020202020204" pitchFamily="34" charset="0"/>
-              <a:buChar char="•"/>
-            </a:pPr>
-            <a:r>
-              <a:rPr lang="en-US" sz="1200" kern="1200" dirty="0" smtClean="0">
-                <a:solidFill>
-                  <a:schemeClr val="tx1"/>
-                </a:solidFill>
-                <a:effectLst/>
-                <a:latin typeface="+mn-lt"/>
-                <a:ea typeface="+mn-ea"/>
-                <a:cs typeface="+mn-cs"/>
-              </a:rPr>
-              <a:t>Write on the board a button with an event binding to an event called </a:t>
-            </a:r>
-            <a:r>
-              <a:rPr lang="en-US" sz="1200" kern="1200" dirty="0" err="1" smtClean="0">
-                <a:solidFill>
-                  <a:schemeClr val="tx1"/>
-                </a:solidFill>
-                <a:effectLst/>
-                <a:latin typeface="+mn-lt"/>
-                <a:ea typeface="+mn-ea"/>
-                <a:cs typeface="+mn-cs"/>
-              </a:rPr>
-              <a:t>onButtonClick</a:t>
-            </a:r>
-            <a:r>
-              <a:rPr lang="en-US" sz="1200" kern="1200" dirty="0" smtClean="0">
-                <a:solidFill>
-                  <a:schemeClr val="tx1"/>
-                </a:solidFill>
-                <a:effectLst/>
-                <a:latin typeface="+mn-lt"/>
-                <a:ea typeface="+mn-ea"/>
-                <a:cs typeface="+mn-cs"/>
-              </a:rPr>
-              <a:t>.</a:t>
-            </a:r>
-          </a:p>
-          <a:p>
-            <a:pPr marL="457200" lvl="1" indent="0">
-              <a:buFont typeface="Arial" panose="020B0604020202020204" pitchFamily="34" charset="0"/>
-              <a:buNone/>
-            </a:pPr>
-            <a:endParaRPr lang="en-US" dirty="0"/>
+            <a:endParaRPr lang="en-US" baseline="0" dirty="0" smtClean="0"/>
           </a:p>
         </p:txBody>
       </p:sp>
@@ -1132,7 +1024,7 @@
           <a:bodyPr/>
           <a:lstStyle/>
           <a:p>
-            <a:fld id="{226FA58D-4B12-4E7B-A2FA-693CE3EACDFD}" type="slidenum">
+            <a:fld id="{90562276-63C7-43F9-8E9E-CFA137F6F839}" type="slidenum">
               <a:rPr lang="en-US" smtClean="0"/>
               <a:t>14</a:t>
             </a:fld>
@@ -1143,7 +1035,7 @@
     </p:spTree>
     <p:extLst>
       <p:ext uri="{BB962C8B-B14F-4D97-AF65-F5344CB8AC3E}">
-        <p14:creationId xmlns:p14="http://schemas.microsoft.com/office/powerpoint/2010/main" val="159830074"/>
+        <p14:creationId xmlns:p14="http://schemas.microsoft.com/office/powerpoint/2010/main" val="55944836"/>
       </p:ext>
     </p:extLst>
   </p:cSld>
@@ -1197,10 +1089,6 @@
           <a:bodyPr/>
           <a:lstStyle/>
           <a:p>
-            <a:pPr marL="171450" indent="-171450">
-              <a:buFont typeface="Arial" panose="020B0604020202020204" pitchFamily="34" charset="0"/>
-              <a:buChar char="•"/>
-            </a:pPr>
             <a:endParaRPr lang="en-US" dirty="0"/>
           </a:p>
         </p:txBody>
@@ -1220,7 +1108,7 @@
           <a:bodyPr/>
           <a:lstStyle/>
           <a:p>
-            <a:fld id="{226FA58D-4B12-4E7B-A2FA-693CE3EACDFD}" type="slidenum">
+            <a:fld id="{E090B8CA-1AD8-477E-9569-51E0CFA26921}" type="slidenum">
               <a:rPr lang="en-US" smtClean="0"/>
               <a:t>15</a:t>
             </a:fld>
@@ -1231,7 +1119,7 @@
     </p:spTree>
     <p:extLst>
       <p:ext uri="{BB962C8B-B14F-4D97-AF65-F5344CB8AC3E}">
-        <p14:creationId xmlns:p14="http://schemas.microsoft.com/office/powerpoint/2010/main" val="928363010"/>
+        <p14:creationId xmlns:p14="http://schemas.microsoft.com/office/powerpoint/2010/main" val="2908023703"/>
       </p:ext>
     </p:extLst>
   </p:cSld>
@@ -1285,10 +1173,124 @@
           <a:bodyPr/>
           <a:lstStyle/>
           <a:p>
-            <a:pPr marL="171450" indent="-171450">
+            <a:pPr marL="171450" lvl="0" indent="-171450">
               <a:buFont typeface="Arial" panose="020B0604020202020204" pitchFamily="34" charset="0"/>
               <a:buChar char="•"/>
             </a:pPr>
+            <a:r>
+              <a:rPr lang="en-US" sz="1200" kern="1200" dirty="0" smtClean="0">
+                <a:solidFill>
+                  <a:schemeClr val="tx1"/>
+                </a:solidFill>
+                <a:effectLst/>
+                <a:latin typeface="+mn-lt"/>
+                <a:ea typeface="+mn-ea"/>
+                <a:cs typeface="+mn-cs"/>
+              </a:rPr>
+              <a:t>Which Angular piece extends HTML and makes it dynamic?</a:t>
+            </a:r>
+          </a:p>
+          <a:p>
+            <a:pPr marL="171450" lvl="0" indent="-171450">
+              <a:buFont typeface="Arial" panose="020B0604020202020204" pitchFamily="34" charset="0"/>
+              <a:buChar char="•"/>
+            </a:pPr>
+            <a:r>
+              <a:rPr lang="en-US" sz="1200" kern="1200" dirty="0" smtClean="0">
+                <a:solidFill>
+                  <a:schemeClr val="tx1"/>
+                </a:solidFill>
+                <a:effectLst/>
+                <a:latin typeface="+mn-lt"/>
+                <a:ea typeface="+mn-ea"/>
+                <a:cs typeface="+mn-cs"/>
+              </a:rPr>
+              <a:t>What are the four types of binding?</a:t>
+            </a:r>
+          </a:p>
+          <a:p>
+            <a:pPr marL="171450" lvl="0" indent="-171450">
+              <a:buFont typeface="Arial" panose="020B0604020202020204" pitchFamily="34" charset="0"/>
+              <a:buChar char="•"/>
+            </a:pPr>
+            <a:r>
+              <a:rPr lang="en-US" sz="1200" kern="1200" dirty="0" smtClean="0">
+                <a:solidFill>
+                  <a:schemeClr val="tx1"/>
+                </a:solidFill>
+                <a:effectLst/>
+                <a:latin typeface="+mn-lt"/>
+                <a:ea typeface="+mn-ea"/>
+                <a:cs typeface="+mn-cs"/>
+              </a:rPr>
+              <a:t>Write on the board interpolation for a property called name.</a:t>
+            </a:r>
+          </a:p>
+          <a:p>
+            <a:pPr marL="171450" lvl="0" indent="-171450">
+              <a:buFont typeface="Arial" panose="020B0604020202020204" pitchFamily="34" charset="0"/>
+              <a:buChar char="•"/>
+            </a:pPr>
+            <a:r>
+              <a:rPr lang="en-US" sz="1200" kern="1200" dirty="0" smtClean="0">
+                <a:solidFill>
+                  <a:schemeClr val="tx1"/>
+                </a:solidFill>
+                <a:effectLst/>
+                <a:latin typeface="+mn-lt"/>
+                <a:ea typeface="+mn-ea"/>
+                <a:cs typeface="+mn-cs"/>
+              </a:rPr>
+              <a:t>Write on the board a text field with a two way binding to a property called name.</a:t>
+            </a:r>
+          </a:p>
+          <a:p>
+            <a:pPr marL="171450" lvl="0" indent="-171450">
+              <a:buFont typeface="Arial" panose="020B0604020202020204" pitchFamily="34" charset="0"/>
+              <a:buChar char="•"/>
+            </a:pPr>
+            <a:r>
+              <a:rPr lang="en-US" sz="1200" kern="1200" dirty="0" smtClean="0">
+                <a:solidFill>
+                  <a:schemeClr val="tx1"/>
+                </a:solidFill>
+                <a:effectLst/>
+                <a:latin typeface="+mn-lt"/>
+                <a:ea typeface="+mn-ea"/>
+                <a:cs typeface="+mn-cs"/>
+              </a:rPr>
+              <a:t>Write on the board a button with an event binding to an event called </a:t>
+            </a:r>
+            <a:r>
+              <a:rPr lang="en-US" sz="1200" kern="1200" dirty="0" err="1" smtClean="0">
+                <a:solidFill>
+                  <a:schemeClr val="tx1"/>
+                </a:solidFill>
+                <a:effectLst/>
+                <a:latin typeface="+mn-lt"/>
+                <a:ea typeface="+mn-ea"/>
+                <a:cs typeface="+mn-cs"/>
+              </a:rPr>
+              <a:t>onButtonClick</a:t>
+            </a:r>
+            <a:r>
+              <a:rPr lang="en-US" sz="1200" kern="1200" dirty="0" smtClean="0">
+                <a:solidFill>
+                  <a:schemeClr val="tx1"/>
+                </a:solidFill>
+                <a:effectLst/>
+                <a:latin typeface="+mn-lt"/>
+                <a:ea typeface="+mn-ea"/>
+                <a:cs typeface="+mn-cs"/>
+              </a:rPr>
+              <a:t>.</a:t>
+            </a:r>
+          </a:p>
+          <a:p>
+            <a:pPr marL="457200" lvl="1" indent="0">
+              <a:buFont typeface="Arial" panose="020B0604020202020204" pitchFamily="34" charset="0"/>
+              <a:buNone/>
+            </a:pPr>
             <a:endParaRPr lang="en-US" dirty="0"/>
           </a:p>
         </p:txBody>
@@ -1319,7 +1321,7 @@
     </p:spTree>
     <p:extLst>
       <p:ext uri="{BB962C8B-B14F-4D97-AF65-F5344CB8AC3E}">
-        <p14:creationId xmlns:p14="http://schemas.microsoft.com/office/powerpoint/2010/main" val="1525129704"/>
+        <p14:creationId xmlns:p14="http://schemas.microsoft.com/office/powerpoint/2010/main" val="159830074"/>
       </p:ext>
     </p:extLst>
   </p:cSld>
@@ -1373,115 +1375,11 @@
           <a:bodyPr/>
           <a:lstStyle/>
           <a:p>
-            <a:pPr marL="171450" marR="0" lvl="0" indent="-171450" algn="l" defTabSz="914400" rtl="0" eaLnBrk="1" fontAlgn="auto" latinLnBrk="0" hangingPunct="1">
-              <a:lnSpc>
-                <a:spcPct val="100000"/>
-              </a:lnSpc>
-              <a:spcBef>
-                <a:spcPts val="0"/>
-              </a:spcBef>
-              <a:spcAft>
-                <a:spcPts val="0"/>
-              </a:spcAft>
-              <a:buClrTx/>
-              <a:buSzTx/>
-              <a:buFont typeface="Arial" panose="020B0604020202020204" pitchFamily="34" charset="0"/>
-              <a:buChar char="•"/>
-              <a:tabLst/>
-              <a:defRPr/>
-            </a:pPr>
-            <a:r>
-              <a:rPr lang="en-US" sz="1200" dirty="0" smtClean="0"/>
-              <a:t>Routes</a:t>
-            </a:r>
-            <a:r>
-              <a:rPr lang="en-US" sz="1200" baseline="0" dirty="0" smtClean="0"/>
-              <a:t> allow for navigation through the website.</a:t>
-            </a:r>
-          </a:p>
-          <a:p>
-            <a:pPr marL="171450" marR="0" lvl="0" indent="-171450" algn="l" defTabSz="914400" rtl="0" eaLnBrk="1" fontAlgn="auto" latinLnBrk="0" hangingPunct="1">
-              <a:lnSpc>
-                <a:spcPct val="100000"/>
-              </a:lnSpc>
-              <a:spcBef>
-                <a:spcPts val="0"/>
-              </a:spcBef>
-              <a:spcAft>
-                <a:spcPts val="0"/>
-              </a:spcAft>
-              <a:buClrTx/>
-              <a:buSzTx/>
-              <a:buFont typeface="Arial" panose="020B0604020202020204" pitchFamily="34" charset="0"/>
-              <a:buChar char="•"/>
-              <a:tabLst/>
-              <a:defRPr/>
-            </a:pPr>
-            <a:r>
-              <a:rPr lang="en-US" sz="1200" baseline="0" dirty="0" smtClean="0"/>
-              <a:t>Routes are setup in the module file and specify the path for a specific router link.</a:t>
-            </a:r>
-          </a:p>
-          <a:p>
-            <a:pPr marL="171450" marR="0" lvl="0" indent="-171450" algn="l" defTabSz="914400" rtl="0" eaLnBrk="1" fontAlgn="auto" latinLnBrk="0" hangingPunct="1">
-              <a:lnSpc>
-                <a:spcPct val="100000"/>
-              </a:lnSpc>
-              <a:spcBef>
-                <a:spcPts val="0"/>
-              </a:spcBef>
-              <a:spcAft>
-                <a:spcPts val="0"/>
-              </a:spcAft>
-              <a:buClrTx/>
-              <a:buSzTx/>
-              <a:buFont typeface="Arial" panose="020B0604020202020204" pitchFamily="34" charset="0"/>
-              <a:buChar char="•"/>
-              <a:tabLst/>
-              <a:defRPr/>
-            </a:pPr>
-            <a:r>
-              <a:rPr lang="en-US" sz="1200" baseline="0" dirty="0" smtClean="0"/>
-              <a:t>* can be used to route all undefined paths.</a:t>
-            </a:r>
-            <a:endParaRPr lang="en-US" sz="1200" dirty="0" smtClean="0"/>
-          </a:p>
-          <a:p>
-            <a:pPr marL="171450" marR="0" lvl="0" indent="-171450" algn="l" defTabSz="914400" rtl="0" eaLnBrk="1" fontAlgn="auto" latinLnBrk="0" hangingPunct="1">
-              <a:lnSpc>
-                <a:spcPct val="100000"/>
-              </a:lnSpc>
-              <a:spcBef>
-                <a:spcPts val="0"/>
-              </a:spcBef>
-              <a:spcAft>
-                <a:spcPts val="0"/>
-              </a:spcAft>
-              <a:buClrTx/>
-              <a:buSzTx/>
-              <a:buFont typeface="Arial" panose="020B0604020202020204" pitchFamily="34" charset="0"/>
-              <a:buChar char="•"/>
-              <a:tabLst/>
-              <a:defRPr/>
-            </a:pPr>
-            <a:r>
-              <a:rPr lang="en-US" sz="1200" dirty="0" smtClean="0"/>
-              <a:t>Example:  </a:t>
-            </a:r>
-            <a:r>
-              <a:rPr lang="en-US" sz="1200" dirty="0" smtClean="0">
-                <a:hlinkClick r:id="rId3"/>
-              </a:rPr>
-              <a:t>https://www.tutorialspoint.com/angular2/angular2_routing.htm</a:t>
-            </a:r>
-            <a:endParaRPr lang="en-US" sz="1200" dirty="0" smtClean="0"/>
-          </a:p>
-          <a:p>
             <a:pPr marL="171450" indent="-171450">
               <a:buFont typeface="Arial" panose="020B0604020202020204" pitchFamily="34" charset="0"/>
               <a:buChar char="•"/>
             </a:pPr>
-            <a:endParaRPr lang="en-US" baseline="0" dirty="0" smtClean="0"/>
+            <a:endParaRPr lang="en-US" dirty="0"/>
           </a:p>
         </p:txBody>
       </p:sp>
@@ -1500,7 +1398,7 @@
           <a:bodyPr/>
           <a:lstStyle/>
           <a:p>
-            <a:fld id="{90562276-63C7-43F9-8E9E-CFA137F6F839}" type="slidenum">
+            <a:fld id="{226FA58D-4B12-4E7B-A2FA-693CE3EACDFD}" type="slidenum">
               <a:rPr lang="en-US" smtClean="0"/>
               <a:t>17</a:t>
             </a:fld>
@@ -1511,7 +1409,7 @@
     </p:spTree>
     <p:extLst>
       <p:ext uri="{BB962C8B-B14F-4D97-AF65-F5344CB8AC3E}">
-        <p14:creationId xmlns:p14="http://schemas.microsoft.com/office/powerpoint/2010/main" val="1379035141"/>
+        <p14:creationId xmlns:p14="http://schemas.microsoft.com/office/powerpoint/2010/main" val="928363010"/>
       </p:ext>
     </p:extLst>
   </p:cSld>
@@ -1565,7 +1463,115 @@
           <a:bodyPr/>
           <a:lstStyle/>
           <a:p>
-            <a:endParaRPr lang="en-US" dirty="0"/>
+            <a:pPr marL="171450" marR="0" lvl="0" indent="-171450" algn="l" defTabSz="914400" rtl="0" eaLnBrk="1" fontAlgn="auto" latinLnBrk="0" hangingPunct="1">
+              <a:lnSpc>
+                <a:spcPct val="100000"/>
+              </a:lnSpc>
+              <a:spcBef>
+                <a:spcPts val="0"/>
+              </a:spcBef>
+              <a:spcAft>
+                <a:spcPts val="0"/>
+              </a:spcAft>
+              <a:buClrTx/>
+              <a:buSzTx/>
+              <a:buFont typeface="Arial" panose="020B0604020202020204" pitchFamily="34" charset="0"/>
+              <a:buChar char="•"/>
+              <a:tabLst/>
+              <a:defRPr/>
+            </a:pPr>
+            <a:r>
+              <a:rPr lang="en-US" sz="1200" dirty="0" smtClean="0"/>
+              <a:t>Routes</a:t>
+            </a:r>
+            <a:r>
+              <a:rPr lang="en-US" sz="1200" baseline="0" dirty="0" smtClean="0"/>
+              <a:t> allow for navigation through the website.</a:t>
+            </a:r>
+          </a:p>
+          <a:p>
+            <a:pPr marL="171450" marR="0" lvl="0" indent="-171450" algn="l" defTabSz="914400" rtl="0" eaLnBrk="1" fontAlgn="auto" latinLnBrk="0" hangingPunct="1">
+              <a:lnSpc>
+                <a:spcPct val="100000"/>
+              </a:lnSpc>
+              <a:spcBef>
+                <a:spcPts val="0"/>
+              </a:spcBef>
+              <a:spcAft>
+                <a:spcPts val="0"/>
+              </a:spcAft>
+              <a:buClrTx/>
+              <a:buSzTx/>
+              <a:buFont typeface="Arial" panose="020B0604020202020204" pitchFamily="34" charset="0"/>
+              <a:buChar char="•"/>
+              <a:tabLst/>
+              <a:defRPr/>
+            </a:pPr>
+            <a:r>
+              <a:rPr lang="en-US" sz="1200" baseline="0" dirty="0" smtClean="0"/>
+              <a:t>Routes are setup in the module file and specify the path for a specific router link.</a:t>
+            </a:r>
+          </a:p>
+          <a:p>
+            <a:pPr marL="171450" marR="0" lvl="0" indent="-171450" algn="l" defTabSz="914400" rtl="0" eaLnBrk="1" fontAlgn="auto" latinLnBrk="0" hangingPunct="1">
+              <a:lnSpc>
+                <a:spcPct val="100000"/>
+              </a:lnSpc>
+              <a:spcBef>
+                <a:spcPts val="0"/>
+              </a:spcBef>
+              <a:spcAft>
+                <a:spcPts val="0"/>
+              </a:spcAft>
+              <a:buClrTx/>
+              <a:buSzTx/>
+              <a:buFont typeface="Arial" panose="020B0604020202020204" pitchFamily="34" charset="0"/>
+              <a:buChar char="•"/>
+              <a:tabLst/>
+              <a:defRPr/>
+            </a:pPr>
+            <a:r>
+              <a:rPr lang="en-US" sz="1200" baseline="0" dirty="0" smtClean="0"/>
+              <a:t>* can be used to route all undefined paths.</a:t>
+            </a:r>
+            <a:endParaRPr lang="en-US" sz="1200" dirty="0" smtClean="0"/>
+          </a:p>
+          <a:p>
+            <a:pPr marL="171450" marR="0" lvl="0" indent="-171450" algn="l" defTabSz="914400" rtl="0" eaLnBrk="1" fontAlgn="auto" latinLnBrk="0" hangingPunct="1">
+              <a:lnSpc>
+                <a:spcPct val="100000"/>
+              </a:lnSpc>
+              <a:spcBef>
+                <a:spcPts val="0"/>
+              </a:spcBef>
+              <a:spcAft>
+                <a:spcPts val="0"/>
+              </a:spcAft>
+              <a:buClrTx/>
+              <a:buSzTx/>
+              <a:buFont typeface="Arial" panose="020B0604020202020204" pitchFamily="34" charset="0"/>
+              <a:buChar char="•"/>
+              <a:tabLst/>
+              <a:defRPr/>
+            </a:pPr>
+            <a:r>
+              <a:rPr lang="en-US" sz="1200" dirty="0" smtClean="0"/>
+              <a:t>Example:  </a:t>
+            </a:r>
+            <a:r>
+              <a:rPr lang="en-US" sz="1200" dirty="0" smtClean="0">
+                <a:hlinkClick r:id="rId3"/>
+              </a:rPr>
+              <a:t>https://www.tutorialspoint.com/angular2/angular2_routing.htm</a:t>
+            </a:r>
+            <a:endParaRPr lang="en-US" sz="1200" dirty="0" smtClean="0"/>
+          </a:p>
+          <a:p>
+            <a:pPr marL="171450" indent="-171450">
+              <a:buFont typeface="Arial" panose="020B0604020202020204" pitchFamily="34" charset="0"/>
+              <a:buChar char="•"/>
+            </a:pPr>
+            <a:endParaRPr lang="en-US" baseline="0" dirty="0" smtClean="0"/>
           </a:p>
         </p:txBody>
       </p:sp>
@@ -1584,7 +1590,7 @@
           <a:bodyPr/>
           <a:lstStyle/>
           <a:p>
-            <a:fld id="{E090B8CA-1AD8-477E-9569-51E0CFA26921}" type="slidenum">
+            <a:fld id="{90562276-63C7-43F9-8E9E-CFA137F6F839}" type="slidenum">
               <a:rPr lang="en-US" smtClean="0"/>
               <a:t>18</a:t>
             </a:fld>
@@ -1595,7 +1601,7 @@
     </p:spTree>
     <p:extLst>
       <p:ext uri="{BB962C8B-B14F-4D97-AF65-F5344CB8AC3E}">
-        <p14:creationId xmlns:p14="http://schemas.microsoft.com/office/powerpoint/2010/main" val="2408741293"/>
+        <p14:creationId xmlns:p14="http://schemas.microsoft.com/office/powerpoint/2010/main" val="1379035141"/>
       </p:ext>
     </p:extLst>
   </p:cSld>
@@ -1649,46 +1655,6 @@
           <a:bodyPr/>
           <a:lstStyle/>
           <a:p>
-            <a:pPr marL="171450" lvl="0" indent="-171450">
-              <a:buFont typeface="Arial" panose="020B0604020202020204" pitchFamily="34" charset="0"/>
-              <a:buChar char="•"/>
-            </a:pPr>
-            <a:r>
-              <a:rPr lang="en-US" sz="1200" kern="1200" dirty="0" smtClean="0">
-                <a:solidFill>
-                  <a:schemeClr val="tx1"/>
-                </a:solidFill>
-                <a:effectLst/>
-                <a:latin typeface="+mn-lt"/>
-                <a:ea typeface="+mn-ea"/>
-                <a:cs typeface="+mn-cs"/>
-              </a:rPr>
-              <a:t>Write on the board a route definition for a route called home.</a:t>
-            </a:r>
-          </a:p>
-          <a:p>
-            <a:pPr marL="171450" lvl="0" indent="-171450">
-              <a:buFont typeface="Arial" panose="020B0604020202020204" pitchFamily="34" charset="0"/>
-              <a:buChar char="•"/>
-            </a:pPr>
-            <a:r>
-              <a:rPr lang="en-US" sz="1200" kern="1200" dirty="0" smtClean="0">
-                <a:solidFill>
-                  <a:schemeClr val="tx1"/>
-                </a:solidFill>
-                <a:effectLst/>
-                <a:latin typeface="+mn-lt"/>
-                <a:ea typeface="+mn-ea"/>
-                <a:cs typeface="+mn-cs"/>
-              </a:rPr>
-              <a:t>Write on the board a link that uses a route called home.</a:t>
-            </a:r>
-          </a:p>
-          <a:p>
-            <a:pPr marL="457200" lvl="1" indent="0">
-              <a:buFont typeface="Arial" panose="020B0604020202020204" pitchFamily="34" charset="0"/>
-              <a:buNone/>
-            </a:pPr>
             <a:endParaRPr lang="en-US" dirty="0"/>
           </a:p>
         </p:txBody>
@@ -1708,7 +1674,7 @@
           <a:bodyPr/>
           <a:lstStyle/>
           <a:p>
-            <a:fld id="{226FA58D-4B12-4E7B-A2FA-693CE3EACDFD}" type="slidenum">
+            <a:fld id="{E090B8CA-1AD8-477E-9569-51E0CFA26921}" type="slidenum">
               <a:rPr lang="en-US" smtClean="0"/>
               <a:t>19</a:t>
             </a:fld>
@@ -1719,7 +1685,7 @@
     </p:spTree>
     <p:extLst>
       <p:ext uri="{BB962C8B-B14F-4D97-AF65-F5344CB8AC3E}">
-        <p14:creationId xmlns:p14="http://schemas.microsoft.com/office/powerpoint/2010/main" val="2855933107"/>
+        <p14:creationId xmlns:p14="http://schemas.microsoft.com/office/powerpoint/2010/main" val="2408741293"/>
       </p:ext>
     </p:extLst>
   </p:cSld>
@@ -1773,10 +1739,46 @@
           <a:bodyPr/>
           <a:lstStyle/>
           <a:p>
-            <a:pPr marL="171450" indent="-171450">
+            <a:pPr marL="171450" lvl="0" indent="-171450">
               <a:buFont typeface="Arial" panose="020B0604020202020204" pitchFamily="34" charset="0"/>
               <a:buChar char="•"/>
             </a:pPr>
+            <a:r>
+              <a:rPr lang="en-US" sz="1200" kern="1200" dirty="0" smtClean="0">
+                <a:solidFill>
+                  <a:schemeClr val="tx1"/>
+                </a:solidFill>
+                <a:effectLst/>
+                <a:latin typeface="+mn-lt"/>
+                <a:ea typeface="+mn-ea"/>
+                <a:cs typeface="+mn-cs"/>
+              </a:rPr>
+              <a:t>Write on the board a route definition for a route called home.</a:t>
+            </a:r>
+          </a:p>
+          <a:p>
+            <a:pPr marL="171450" lvl="0" indent="-171450">
+              <a:buFont typeface="Arial" panose="020B0604020202020204" pitchFamily="34" charset="0"/>
+              <a:buChar char="•"/>
+            </a:pPr>
+            <a:r>
+              <a:rPr lang="en-US" sz="1200" kern="1200" dirty="0" smtClean="0">
+                <a:solidFill>
+                  <a:schemeClr val="tx1"/>
+                </a:solidFill>
+                <a:effectLst/>
+                <a:latin typeface="+mn-lt"/>
+                <a:ea typeface="+mn-ea"/>
+                <a:cs typeface="+mn-cs"/>
+              </a:rPr>
+              <a:t>Write on the board a link that uses a route called home.</a:t>
+            </a:r>
+          </a:p>
+          <a:p>
+            <a:pPr marL="457200" lvl="1" indent="0">
+              <a:buFont typeface="Arial" panose="020B0604020202020204" pitchFamily="34" charset="0"/>
+              <a:buNone/>
+            </a:pPr>
             <a:endParaRPr lang="en-US" dirty="0"/>
           </a:p>
         </p:txBody>
@@ -1807,7 +1809,7 @@
     </p:spTree>
     <p:extLst>
       <p:ext uri="{BB962C8B-B14F-4D97-AF65-F5344CB8AC3E}">
-        <p14:creationId xmlns:p14="http://schemas.microsoft.com/office/powerpoint/2010/main" val="3375279728"/>
+        <p14:creationId xmlns:p14="http://schemas.microsoft.com/office/powerpoint/2010/main" val="2855933107"/>
       </p:ext>
     </p:extLst>
   </p:cSld>
@@ -1953,38 +1955,7 @@
               <a:buFont typeface="Arial" panose="020B0604020202020204" pitchFamily="34" charset="0"/>
               <a:buChar char="•"/>
             </a:pPr>
-            <a:r>
-              <a:rPr lang="en-US" baseline="0" dirty="0" smtClean="0"/>
-              <a:t>A service class is </a:t>
-            </a:r>
-            <a:r>
-              <a:rPr lang="en-US" baseline="0" dirty="0" err="1" smtClean="0"/>
-              <a:t>usally</a:t>
-            </a:r>
-            <a:r>
-              <a:rPr lang="en-US" baseline="0" dirty="0" smtClean="0"/>
-              <a:t> used to interact with the data.</a:t>
-            </a:r>
-          </a:p>
-          <a:p>
-            <a:pPr marL="171450" indent="-171450">
-              <a:buFont typeface="Arial" panose="020B0604020202020204" pitchFamily="34" charset="0"/>
-              <a:buChar char="•"/>
-            </a:pPr>
-            <a:r>
-              <a:rPr lang="en-US" baseline="0" dirty="0" smtClean="0"/>
-              <a:t>It provides the reading and persisting the data usually calling services from the server.</a:t>
-            </a:r>
-          </a:p>
-          <a:p>
-            <a:pPr marL="171450" indent="-171450">
-              <a:buFont typeface="Arial" panose="020B0604020202020204" pitchFamily="34" charset="0"/>
-              <a:buChar char="•"/>
-            </a:pPr>
-            <a:r>
-              <a:rPr lang="en-US" baseline="0" dirty="0" smtClean="0"/>
-              <a:t>These are hooked up through the component.</a:t>
-            </a:r>
+            <a:endParaRPr lang="en-US" dirty="0"/>
           </a:p>
         </p:txBody>
       </p:sp>
@@ -2003,7 +1974,7 @@
           <a:bodyPr/>
           <a:lstStyle/>
           <a:p>
-            <a:fld id="{90562276-63C7-43F9-8E9E-CFA137F6F839}" type="slidenum">
+            <a:fld id="{226FA58D-4B12-4E7B-A2FA-693CE3EACDFD}" type="slidenum">
               <a:rPr lang="en-US" smtClean="0"/>
               <a:t>21</a:t>
             </a:fld>
@@ -2014,7 +1985,7 @@
     </p:spTree>
     <p:extLst>
       <p:ext uri="{BB962C8B-B14F-4D97-AF65-F5344CB8AC3E}">
-        <p14:creationId xmlns:p14="http://schemas.microsoft.com/office/powerpoint/2010/main" val="2526865882"/>
+        <p14:creationId xmlns:p14="http://schemas.microsoft.com/office/powerpoint/2010/main" val="3375279728"/>
       </p:ext>
     </p:extLst>
   </p:cSld>
@@ -2068,7 +2039,42 @@
           <a:bodyPr/>
           <a:lstStyle/>
           <a:p>
-            <a:endParaRPr lang="en-US" dirty="0"/>
+            <a:pPr marL="171450" indent="-171450">
+              <a:buFont typeface="Arial" panose="020B0604020202020204" pitchFamily="34" charset="0"/>
+              <a:buChar char="•"/>
+            </a:pPr>
+            <a:r>
+              <a:rPr lang="en-US" baseline="0" dirty="0" smtClean="0"/>
+              <a:t>A service class is </a:t>
+            </a:r>
+            <a:r>
+              <a:rPr lang="en-US" baseline="0" dirty="0" err="1" smtClean="0"/>
+              <a:t>usally</a:t>
+            </a:r>
+            <a:r>
+              <a:rPr lang="en-US" baseline="0" dirty="0" smtClean="0"/>
+              <a:t> used to interact with the data.</a:t>
+            </a:r>
+          </a:p>
+          <a:p>
+            <a:pPr marL="171450" indent="-171450">
+              <a:buFont typeface="Arial" panose="020B0604020202020204" pitchFamily="34" charset="0"/>
+              <a:buChar char="•"/>
+            </a:pPr>
+            <a:r>
+              <a:rPr lang="en-US" baseline="0" dirty="0" smtClean="0"/>
+              <a:t>It provides the reading and persisting the data usually calling services from the server.</a:t>
+            </a:r>
+          </a:p>
+          <a:p>
+            <a:pPr marL="171450" indent="-171450">
+              <a:buFont typeface="Arial" panose="020B0604020202020204" pitchFamily="34" charset="0"/>
+              <a:buChar char="•"/>
+            </a:pPr>
+            <a:r>
+              <a:rPr lang="en-US" baseline="0" dirty="0" smtClean="0"/>
+              <a:t>These are hooked up through the component.</a:t>
+            </a:r>
           </a:p>
         </p:txBody>
       </p:sp>
@@ -2087,7 +2093,7 @@
           <a:bodyPr/>
           <a:lstStyle/>
           <a:p>
-            <a:fld id="{E090B8CA-1AD8-477E-9569-51E0CFA26921}" type="slidenum">
+            <a:fld id="{90562276-63C7-43F9-8E9E-CFA137F6F839}" type="slidenum">
               <a:rPr lang="en-US" smtClean="0"/>
               <a:t>22</a:t>
             </a:fld>
@@ -2098,7 +2104,7 @@
     </p:spTree>
     <p:extLst>
       <p:ext uri="{BB962C8B-B14F-4D97-AF65-F5344CB8AC3E}">
-        <p14:creationId xmlns:p14="http://schemas.microsoft.com/office/powerpoint/2010/main" val="206711651"/>
+        <p14:creationId xmlns:p14="http://schemas.microsoft.com/office/powerpoint/2010/main" val="2526865882"/>
       </p:ext>
     </p:extLst>
   </p:cSld>
@@ -2156,7 +2162,7 @@
               <a:buFont typeface="Arial" panose="020B0604020202020204" pitchFamily="34" charset="0"/>
               <a:buChar char="•"/>
             </a:pPr>
-            <a:endParaRPr lang="en-US" dirty="0"/>
+            <a:endParaRPr lang="en-US" baseline="0" dirty="0" smtClean="0"/>
           </a:p>
         </p:txBody>
       </p:sp>
@@ -2175,7 +2181,7 @@
           <a:bodyPr/>
           <a:lstStyle/>
           <a:p>
-            <a:fld id="{226FA58D-4B12-4E7B-A2FA-693CE3EACDFD}" type="slidenum">
+            <a:fld id="{90562276-63C7-43F9-8E9E-CFA137F6F839}" type="slidenum">
               <a:rPr lang="en-US" smtClean="0"/>
               <a:t>23</a:t>
             </a:fld>
@@ -2186,7 +2192,7 @@
     </p:spTree>
     <p:extLst>
       <p:ext uri="{BB962C8B-B14F-4D97-AF65-F5344CB8AC3E}">
-        <p14:creationId xmlns:p14="http://schemas.microsoft.com/office/powerpoint/2010/main" val="606682908"/>
+        <p14:creationId xmlns:p14="http://schemas.microsoft.com/office/powerpoint/2010/main" val="1460894522"/>
       </p:ext>
     </p:extLst>
   </p:cSld>
@@ -2240,280 +2246,6 @@
           <a:bodyPr/>
           <a:lstStyle/>
           <a:p>
-            <a:pPr marL="171450" lvl="0" indent="-171450">
-              <a:buFont typeface="Arial" panose="020B0604020202020204" pitchFamily="34" charset="0"/>
-              <a:buChar char="•"/>
-            </a:pPr>
-            <a:r>
-              <a:rPr lang="en-US" sz="1200" kern="1200" dirty="0" smtClean="0">
-                <a:solidFill>
-                  <a:schemeClr val="tx1"/>
-                </a:solidFill>
-                <a:effectLst/>
-                <a:latin typeface="+mn-lt"/>
-                <a:ea typeface="+mn-ea"/>
-                <a:cs typeface="+mn-cs"/>
-              </a:rPr>
-              <a:t>Write on the board the command to create a new angular application.</a:t>
-            </a:r>
-          </a:p>
-          <a:p>
-            <a:pPr marL="171450" lvl="0" indent="-171450">
-              <a:buFont typeface="Arial" panose="020B0604020202020204" pitchFamily="34" charset="0"/>
-              <a:buChar char="•"/>
-            </a:pPr>
-            <a:r>
-              <a:rPr lang="en-US" sz="1200" kern="1200" dirty="0" smtClean="0">
-                <a:solidFill>
-                  <a:schemeClr val="tx1"/>
-                </a:solidFill>
-                <a:effectLst/>
-                <a:latin typeface="+mn-lt"/>
-                <a:ea typeface="+mn-ea"/>
-                <a:cs typeface="+mn-cs"/>
-              </a:rPr>
-              <a:t>Which piece does html go in?</a:t>
-            </a:r>
-          </a:p>
-          <a:p>
-            <a:pPr marL="171450" lvl="0" indent="-171450">
-              <a:buFont typeface="Arial" panose="020B0604020202020204" pitchFamily="34" charset="0"/>
-              <a:buChar char="•"/>
-            </a:pPr>
-            <a:r>
-              <a:rPr lang="en-US" sz="1200" kern="1200" dirty="0" smtClean="0">
-                <a:solidFill>
-                  <a:schemeClr val="tx1"/>
-                </a:solidFill>
-                <a:effectLst/>
-                <a:latin typeface="+mn-lt"/>
-                <a:ea typeface="+mn-ea"/>
-                <a:cs typeface="+mn-cs"/>
-              </a:rPr>
-              <a:t>Write on the board a div that uses </a:t>
-            </a:r>
-            <a:r>
-              <a:rPr lang="en-US" sz="1200" kern="1200" dirty="0" err="1" smtClean="0">
-                <a:solidFill>
-                  <a:schemeClr val="tx1"/>
-                </a:solidFill>
-                <a:effectLst/>
-                <a:latin typeface="+mn-lt"/>
-                <a:ea typeface="+mn-ea"/>
-                <a:cs typeface="+mn-cs"/>
-              </a:rPr>
-              <a:t>ngif</a:t>
-            </a:r>
-            <a:r>
-              <a:rPr lang="en-US" sz="1200" kern="1200" dirty="0" smtClean="0">
-                <a:solidFill>
-                  <a:schemeClr val="tx1"/>
-                </a:solidFill>
-                <a:effectLst/>
-                <a:latin typeface="+mn-lt"/>
-                <a:ea typeface="+mn-ea"/>
-                <a:cs typeface="+mn-cs"/>
-              </a:rPr>
-              <a:t> based on a property named </a:t>
-            </a:r>
-            <a:r>
-              <a:rPr lang="en-US" sz="1200" kern="1200" dirty="0" err="1" smtClean="0">
-                <a:solidFill>
-                  <a:schemeClr val="tx1"/>
-                </a:solidFill>
-                <a:effectLst/>
-                <a:latin typeface="+mn-lt"/>
-                <a:ea typeface="+mn-ea"/>
-                <a:cs typeface="+mn-cs"/>
-              </a:rPr>
-              <a:t>headerVisible</a:t>
-            </a:r>
-            <a:r>
-              <a:rPr lang="en-US" sz="1200" kern="1200" dirty="0" smtClean="0">
-                <a:solidFill>
-                  <a:schemeClr val="tx1"/>
-                </a:solidFill>
-                <a:effectLst/>
-                <a:latin typeface="+mn-lt"/>
-                <a:ea typeface="+mn-ea"/>
-                <a:cs typeface="+mn-cs"/>
-              </a:rPr>
-              <a:t>.</a:t>
-            </a:r>
-          </a:p>
-          <a:p>
-            <a:pPr marL="171450" lvl="0" indent="-171450">
-              <a:buFont typeface="Arial" panose="020B0604020202020204" pitchFamily="34" charset="0"/>
-              <a:buChar char="•"/>
-            </a:pPr>
-            <a:r>
-              <a:rPr lang="en-US" sz="1200" kern="1200" dirty="0" smtClean="0">
-                <a:solidFill>
-                  <a:schemeClr val="tx1"/>
-                </a:solidFill>
-                <a:effectLst/>
-                <a:latin typeface="+mn-lt"/>
-                <a:ea typeface="+mn-ea"/>
-                <a:cs typeface="+mn-cs"/>
-              </a:rPr>
-              <a:t>Write on the board a component definition.</a:t>
-            </a:r>
-          </a:p>
-          <a:p>
-            <a:pPr marL="171450" lvl="0" indent="-171450">
-              <a:buFont typeface="Arial" panose="020B0604020202020204" pitchFamily="34" charset="0"/>
-              <a:buChar char="•"/>
-            </a:pPr>
-            <a:r>
-              <a:rPr lang="en-US" sz="1200" kern="1200" dirty="0" smtClean="0">
-                <a:solidFill>
-                  <a:schemeClr val="tx1"/>
-                </a:solidFill>
-                <a:effectLst/>
-                <a:latin typeface="+mn-lt"/>
-                <a:ea typeface="+mn-ea"/>
-                <a:cs typeface="+mn-cs"/>
-              </a:rPr>
-              <a:t>What are the four types of binding?</a:t>
-            </a:r>
-          </a:p>
-          <a:p>
-            <a:pPr marL="171450" lvl="0" indent="-171450">
-              <a:buFont typeface="Arial" panose="020B0604020202020204" pitchFamily="34" charset="0"/>
-              <a:buChar char="•"/>
-            </a:pPr>
-            <a:r>
-              <a:rPr lang="en-US" sz="1200" kern="1200" dirty="0" smtClean="0">
-                <a:solidFill>
-                  <a:schemeClr val="tx1"/>
-                </a:solidFill>
-                <a:effectLst/>
-                <a:latin typeface="+mn-lt"/>
-                <a:ea typeface="+mn-ea"/>
-                <a:cs typeface="+mn-cs"/>
-              </a:rPr>
-              <a:t>Write on the board interpolation for a property called name.</a:t>
-            </a:r>
-          </a:p>
-          <a:p>
-            <a:pPr marL="171450" lvl="0" indent="-171450">
-              <a:buFont typeface="Arial" panose="020B0604020202020204" pitchFamily="34" charset="0"/>
-              <a:buChar char="•"/>
-            </a:pPr>
-            <a:r>
-              <a:rPr lang="en-US" sz="1200" kern="1200" dirty="0" smtClean="0">
-                <a:solidFill>
-                  <a:schemeClr val="tx1"/>
-                </a:solidFill>
-                <a:effectLst/>
-                <a:latin typeface="+mn-lt"/>
-                <a:ea typeface="+mn-ea"/>
-                <a:cs typeface="+mn-cs"/>
-              </a:rPr>
-              <a:t>Write on the board a text field with a two way binding to a property called name.</a:t>
-            </a:r>
-          </a:p>
-          <a:p>
-            <a:pPr marL="171450" lvl="0" indent="-171450">
-              <a:buFont typeface="Arial" panose="020B0604020202020204" pitchFamily="34" charset="0"/>
-              <a:buChar char="•"/>
-            </a:pPr>
-            <a:r>
-              <a:rPr lang="en-US" sz="1200" kern="1200" dirty="0" smtClean="0">
-                <a:solidFill>
-                  <a:schemeClr val="tx1"/>
-                </a:solidFill>
-                <a:effectLst/>
-                <a:latin typeface="+mn-lt"/>
-                <a:ea typeface="+mn-ea"/>
-                <a:cs typeface="+mn-cs"/>
-              </a:rPr>
-              <a:t>Write on the board a button with an event binding to an event called </a:t>
-            </a:r>
-            <a:r>
-              <a:rPr lang="en-US" sz="1200" kern="1200" dirty="0" err="1" smtClean="0">
-                <a:solidFill>
-                  <a:schemeClr val="tx1"/>
-                </a:solidFill>
-                <a:effectLst/>
-                <a:latin typeface="+mn-lt"/>
-                <a:ea typeface="+mn-ea"/>
-                <a:cs typeface="+mn-cs"/>
-              </a:rPr>
-              <a:t>onButtonClick</a:t>
-            </a:r>
-            <a:r>
-              <a:rPr lang="en-US" sz="1200" kern="1200" dirty="0" smtClean="0">
-                <a:solidFill>
-                  <a:schemeClr val="tx1"/>
-                </a:solidFill>
-                <a:effectLst/>
-                <a:latin typeface="+mn-lt"/>
-                <a:ea typeface="+mn-ea"/>
-                <a:cs typeface="+mn-cs"/>
-              </a:rPr>
-              <a:t>.</a:t>
-            </a:r>
-          </a:p>
-          <a:p>
-            <a:pPr marL="171450" lvl="0" indent="-171450">
-              <a:buFont typeface="Arial" panose="020B0604020202020204" pitchFamily="34" charset="0"/>
-              <a:buChar char="•"/>
-            </a:pPr>
-            <a:r>
-              <a:rPr lang="en-US" sz="1200" kern="1200" dirty="0" smtClean="0">
-                <a:solidFill>
-                  <a:schemeClr val="tx1"/>
-                </a:solidFill>
-                <a:effectLst/>
-                <a:latin typeface="+mn-lt"/>
-                <a:ea typeface="+mn-ea"/>
-                <a:cs typeface="+mn-cs"/>
-              </a:rPr>
-              <a:t>Write on the board a route definition for a route called home.</a:t>
-            </a:r>
-          </a:p>
-          <a:p>
-            <a:pPr marL="171450" lvl="0" indent="-171450">
-              <a:buFont typeface="Arial" panose="020B0604020202020204" pitchFamily="34" charset="0"/>
-              <a:buChar char="•"/>
-            </a:pPr>
-            <a:r>
-              <a:rPr lang="en-US" sz="1200" kern="1200" dirty="0" smtClean="0">
-                <a:solidFill>
-                  <a:schemeClr val="tx1"/>
-                </a:solidFill>
-                <a:effectLst/>
-                <a:latin typeface="+mn-lt"/>
-                <a:ea typeface="+mn-ea"/>
-                <a:cs typeface="+mn-cs"/>
-              </a:rPr>
-              <a:t>Write on the board a link that uses a route called home.</a:t>
-            </a:r>
-          </a:p>
-          <a:p>
-            <a:pPr marL="171450" lvl="0" indent="-171450">
-              <a:buFont typeface="Arial" panose="020B0604020202020204" pitchFamily="34" charset="0"/>
-              <a:buChar char="•"/>
-            </a:pPr>
-            <a:r>
-              <a:rPr lang="en-US" sz="1200" kern="1200" dirty="0" smtClean="0">
-                <a:solidFill>
-                  <a:schemeClr val="tx1"/>
-                </a:solidFill>
-                <a:effectLst/>
-                <a:latin typeface="+mn-lt"/>
-                <a:ea typeface="+mn-ea"/>
-                <a:cs typeface="+mn-cs"/>
-              </a:rPr>
-              <a:t>Which Angular piece would be used to read data from an API?</a:t>
-            </a:r>
-          </a:p>
-          <a:p>
-            <a:pPr marL="457200" lvl="1" indent="0">
-              <a:buFont typeface="Arial" panose="020B0604020202020204" pitchFamily="34" charset="0"/>
-              <a:buNone/>
-            </a:pPr>
             <a:endParaRPr lang="en-US" dirty="0"/>
           </a:p>
         </p:txBody>
@@ -2533,7 +2265,7 @@
           <a:bodyPr/>
           <a:lstStyle/>
           <a:p>
-            <a:fld id="{226FA58D-4B12-4E7B-A2FA-693CE3EACDFD}" type="slidenum">
+            <a:fld id="{E090B8CA-1AD8-477E-9569-51E0CFA26921}" type="slidenum">
               <a:rPr lang="en-US" smtClean="0"/>
               <a:t>24</a:t>
             </a:fld>
@@ -2544,7 +2276,7 @@
     </p:spTree>
     <p:extLst>
       <p:ext uri="{BB962C8B-B14F-4D97-AF65-F5344CB8AC3E}">
-        <p14:creationId xmlns:p14="http://schemas.microsoft.com/office/powerpoint/2010/main" val="1088318583"/>
+        <p14:creationId xmlns:p14="http://schemas.microsoft.com/office/powerpoint/2010/main" val="206711651"/>
       </p:ext>
     </p:extLst>
   </p:cSld>
@@ -2624,6 +2356,452 @@
             <a:fld id="{226FA58D-4B12-4E7B-A2FA-693CE3EACDFD}" type="slidenum">
               <a:rPr lang="en-US" smtClean="0"/>
               <a:t>25</a:t>
+            </a:fld>
+            <a:endParaRPr lang="en-US"/>
+          </a:p>
+        </p:txBody>
+      </p:sp>
+    </p:spTree>
+    <p:extLst>
+      <p:ext uri="{BB962C8B-B14F-4D97-AF65-F5344CB8AC3E}">
+        <p14:creationId xmlns:p14="http://schemas.microsoft.com/office/powerpoint/2010/main" val="606682908"/>
+      </p:ext>
+    </p:extLst>
+  </p:cSld>
+  <p:clrMapOvr>
+    <a:masterClrMapping/>
+  </p:clrMapOvr>
+</p:notes>
+</file>
+
+<file path=ppt/notesSlides/notesSlide25.xml><?xml version="1.0" encoding="utf-8"?>
+<p:notes xmlns:a="http://schemas.openxmlformats.org/drawingml/2006/main" xmlns:r="http://schemas.openxmlformats.org/officeDocument/2006/relationships" xmlns:p="http://schemas.openxmlformats.org/presentationml/2006/main">
+  <p:cSld>
+    <p:spTree>
+      <p:nvGrpSpPr>
+        <p:cNvPr id="1" name=""/>
+        <p:cNvGrpSpPr/>
+        <p:nvPr/>
+      </p:nvGrpSpPr>
+      <p:grpSpPr>
+        <a:xfrm>
+          <a:off x="0" y="0"/>
+          <a:ext cx="0" cy="0"/>
+          <a:chOff x="0" y="0"/>
+          <a:chExt cx="0" cy="0"/>
+        </a:xfrm>
+      </p:grpSpPr>
+      <p:sp>
+        <p:nvSpPr>
+          <p:cNvPr id="2" name="Slide Image Placeholder 1"/>
+          <p:cNvSpPr>
+            <a:spLocks noGrp="1" noRot="1" noChangeAspect="1"/>
+          </p:cNvSpPr>
+          <p:nvPr>
+            <p:ph type="sldImg"/>
+          </p:nvPr>
+        </p:nvSpPr>
+        <p:spPr/>
+      </p:sp>
+      <p:sp>
+        <p:nvSpPr>
+          <p:cNvPr id="3" name="Notes Placeholder 2"/>
+          <p:cNvSpPr>
+            <a:spLocks noGrp="1"/>
+          </p:cNvSpPr>
+          <p:nvPr>
+            <p:ph type="body" idx="1"/>
+          </p:nvPr>
+        </p:nvSpPr>
+        <p:spPr/>
+        <p:txBody>
+          <a:bodyPr/>
+          <a:lstStyle/>
+          <a:p>
+            <a:pPr marL="171450" lvl="0" indent="-171450">
+              <a:buFont typeface="Arial" panose="020B0604020202020204" pitchFamily="34" charset="0"/>
+              <a:buChar char="•"/>
+            </a:pPr>
+            <a:r>
+              <a:rPr lang="en-US" sz="1200" kern="1200" dirty="0" smtClean="0">
+                <a:solidFill>
+                  <a:schemeClr val="tx1"/>
+                </a:solidFill>
+                <a:effectLst/>
+                <a:latin typeface="+mn-lt"/>
+                <a:ea typeface="+mn-ea"/>
+                <a:cs typeface="+mn-cs"/>
+              </a:rPr>
+              <a:t>Write on the board the command to create a new angular application.</a:t>
+            </a:r>
+          </a:p>
+          <a:p>
+            <a:pPr marL="171450" lvl="0" indent="-171450">
+              <a:buFont typeface="Arial" panose="020B0604020202020204" pitchFamily="34" charset="0"/>
+              <a:buChar char="•"/>
+            </a:pPr>
+            <a:r>
+              <a:rPr lang="en-US" sz="1200" kern="1200" dirty="0" smtClean="0">
+                <a:solidFill>
+                  <a:schemeClr val="tx1"/>
+                </a:solidFill>
+                <a:effectLst/>
+                <a:latin typeface="+mn-lt"/>
+                <a:ea typeface="+mn-ea"/>
+                <a:cs typeface="+mn-cs"/>
+              </a:rPr>
+              <a:t>Which piece does html go in?</a:t>
+            </a:r>
+          </a:p>
+          <a:p>
+            <a:pPr marL="171450" lvl="0" indent="-171450">
+              <a:buFont typeface="Arial" panose="020B0604020202020204" pitchFamily="34" charset="0"/>
+              <a:buChar char="•"/>
+            </a:pPr>
+            <a:r>
+              <a:rPr lang="en-US" sz="1200" kern="1200" dirty="0" smtClean="0">
+                <a:solidFill>
+                  <a:schemeClr val="tx1"/>
+                </a:solidFill>
+                <a:effectLst/>
+                <a:latin typeface="+mn-lt"/>
+                <a:ea typeface="+mn-ea"/>
+                <a:cs typeface="+mn-cs"/>
+              </a:rPr>
+              <a:t>Write on the board a div that uses </a:t>
+            </a:r>
+            <a:r>
+              <a:rPr lang="en-US" sz="1200" kern="1200" dirty="0" err="1" smtClean="0">
+                <a:solidFill>
+                  <a:schemeClr val="tx1"/>
+                </a:solidFill>
+                <a:effectLst/>
+                <a:latin typeface="+mn-lt"/>
+                <a:ea typeface="+mn-ea"/>
+                <a:cs typeface="+mn-cs"/>
+              </a:rPr>
+              <a:t>ngif</a:t>
+            </a:r>
+            <a:r>
+              <a:rPr lang="en-US" sz="1200" kern="1200" dirty="0" smtClean="0">
+                <a:solidFill>
+                  <a:schemeClr val="tx1"/>
+                </a:solidFill>
+                <a:effectLst/>
+                <a:latin typeface="+mn-lt"/>
+                <a:ea typeface="+mn-ea"/>
+                <a:cs typeface="+mn-cs"/>
+              </a:rPr>
+              <a:t> based on a property named </a:t>
+            </a:r>
+            <a:r>
+              <a:rPr lang="en-US" sz="1200" kern="1200" dirty="0" err="1" smtClean="0">
+                <a:solidFill>
+                  <a:schemeClr val="tx1"/>
+                </a:solidFill>
+                <a:effectLst/>
+                <a:latin typeface="+mn-lt"/>
+                <a:ea typeface="+mn-ea"/>
+                <a:cs typeface="+mn-cs"/>
+              </a:rPr>
+              <a:t>headerVisible</a:t>
+            </a:r>
+            <a:r>
+              <a:rPr lang="en-US" sz="1200" kern="1200" dirty="0" smtClean="0">
+                <a:solidFill>
+                  <a:schemeClr val="tx1"/>
+                </a:solidFill>
+                <a:effectLst/>
+                <a:latin typeface="+mn-lt"/>
+                <a:ea typeface="+mn-ea"/>
+                <a:cs typeface="+mn-cs"/>
+              </a:rPr>
+              <a:t>.</a:t>
+            </a:r>
+          </a:p>
+          <a:p>
+            <a:pPr marL="171450" lvl="0" indent="-171450">
+              <a:buFont typeface="Arial" panose="020B0604020202020204" pitchFamily="34" charset="0"/>
+              <a:buChar char="•"/>
+            </a:pPr>
+            <a:r>
+              <a:rPr lang="en-US" sz="1200" kern="1200" dirty="0" smtClean="0">
+                <a:solidFill>
+                  <a:schemeClr val="tx1"/>
+                </a:solidFill>
+                <a:effectLst/>
+                <a:latin typeface="+mn-lt"/>
+                <a:ea typeface="+mn-ea"/>
+                <a:cs typeface="+mn-cs"/>
+              </a:rPr>
+              <a:t>Write on the board a component definition.</a:t>
+            </a:r>
+          </a:p>
+          <a:p>
+            <a:pPr marL="171450" lvl="0" indent="-171450">
+              <a:buFont typeface="Arial" panose="020B0604020202020204" pitchFamily="34" charset="0"/>
+              <a:buChar char="•"/>
+            </a:pPr>
+            <a:r>
+              <a:rPr lang="en-US" sz="1200" kern="1200" dirty="0" smtClean="0">
+                <a:solidFill>
+                  <a:schemeClr val="tx1"/>
+                </a:solidFill>
+                <a:effectLst/>
+                <a:latin typeface="+mn-lt"/>
+                <a:ea typeface="+mn-ea"/>
+                <a:cs typeface="+mn-cs"/>
+              </a:rPr>
+              <a:t>What are the four types of binding?</a:t>
+            </a:r>
+          </a:p>
+          <a:p>
+            <a:pPr marL="171450" lvl="0" indent="-171450">
+              <a:buFont typeface="Arial" panose="020B0604020202020204" pitchFamily="34" charset="0"/>
+              <a:buChar char="•"/>
+            </a:pPr>
+            <a:r>
+              <a:rPr lang="en-US" sz="1200" kern="1200" dirty="0" smtClean="0">
+                <a:solidFill>
+                  <a:schemeClr val="tx1"/>
+                </a:solidFill>
+                <a:effectLst/>
+                <a:latin typeface="+mn-lt"/>
+                <a:ea typeface="+mn-ea"/>
+                <a:cs typeface="+mn-cs"/>
+              </a:rPr>
+              <a:t>Write on the board interpolation for a property called name.</a:t>
+            </a:r>
+          </a:p>
+          <a:p>
+            <a:pPr marL="171450" lvl="0" indent="-171450">
+              <a:buFont typeface="Arial" panose="020B0604020202020204" pitchFamily="34" charset="0"/>
+              <a:buChar char="•"/>
+            </a:pPr>
+            <a:r>
+              <a:rPr lang="en-US" sz="1200" kern="1200" dirty="0" smtClean="0">
+                <a:solidFill>
+                  <a:schemeClr val="tx1"/>
+                </a:solidFill>
+                <a:effectLst/>
+                <a:latin typeface="+mn-lt"/>
+                <a:ea typeface="+mn-ea"/>
+                <a:cs typeface="+mn-cs"/>
+              </a:rPr>
+              <a:t>Write on the board a text field with a two way binding to a property called name.</a:t>
+            </a:r>
+          </a:p>
+          <a:p>
+            <a:pPr marL="171450" lvl="0" indent="-171450">
+              <a:buFont typeface="Arial" panose="020B0604020202020204" pitchFamily="34" charset="0"/>
+              <a:buChar char="•"/>
+            </a:pPr>
+            <a:r>
+              <a:rPr lang="en-US" sz="1200" kern="1200" dirty="0" smtClean="0">
+                <a:solidFill>
+                  <a:schemeClr val="tx1"/>
+                </a:solidFill>
+                <a:effectLst/>
+                <a:latin typeface="+mn-lt"/>
+                <a:ea typeface="+mn-ea"/>
+                <a:cs typeface="+mn-cs"/>
+              </a:rPr>
+              <a:t>Write on the board a button with an event binding to an event called </a:t>
+            </a:r>
+            <a:r>
+              <a:rPr lang="en-US" sz="1200" kern="1200" dirty="0" err="1" smtClean="0">
+                <a:solidFill>
+                  <a:schemeClr val="tx1"/>
+                </a:solidFill>
+                <a:effectLst/>
+                <a:latin typeface="+mn-lt"/>
+                <a:ea typeface="+mn-ea"/>
+                <a:cs typeface="+mn-cs"/>
+              </a:rPr>
+              <a:t>onButtonClick</a:t>
+            </a:r>
+            <a:r>
+              <a:rPr lang="en-US" sz="1200" kern="1200" dirty="0" smtClean="0">
+                <a:solidFill>
+                  <a:schemeClr val="tx1"/>
+                </a:solidFill>
+                <a:effectLst/>
+                <a:latin typeface="+mn-lt"/>
+                <a:ea typeface="+mn-ea"/>
+                <a:cs typeface="+mn-cs"/>
+              </a:rPr>
+              <a:t>.</a:t>
+            </a:r>
+          </a:p>
+          <a:p>
+            <a:pPr marL="171450" lvl="0" indent="-171450">
+              <a:buFont typeface="Arial" panose="020B0604020202020204" pitchFamily="34" charset="0"/>
+              <a:buChar char="•"/>
+            </a:pPr>
+            <a:r>
+              <a:rPr lang="en-US" sz="1200" kern="1200" dirty="0" smtClean="0">
+                <a:solidFill>
+                  <a:schemeClr val="tx1"/>
+                </a:solidFill>
+                <a:effectLst/>
+                <a:latin typeface="+mn-lt"/>
+                <a:ea typeface="+mn-ea"/>
+                <a:cs typeface="+mn-cs"/>
+              </a:rPr>
+              <a:t>Write on the board a route definition for a route called home.</a:t>
+            </a:r>
+          </a:p>
+          <a:p>
+            <a:pPr marL="171450" lvl="0" indent="-171450">
+              <a:buFont typeface="Arial" panose="020B0604020202020204" pitchFamily="34" charset="0"/>
+              <a:buChar char="•"/>
+            </a:pPr>
+            <a:r>
+              <a:rPr lang="en-US" sz="1200" kern="1200" dirty="0" smtClean="0">
+                <a:solidFill>
+                  <a:schemeClr val="tx1"/>
+                </a:solidFill>
+                <a:effectLst/>
+                <a:latin typeface="+mn-lt"/>
+                <a:ea typeface="+mn-ea"/>
+                <a:cs typeface="+mn-cs"/>
+              </a:rPr>
+              <a:t>Write on the board a link that uses a route called home.</a:t>
+            </a:r>
+          </a:p>
+          <a:p>
+            <a:pPr marL="171450" lvl="0" indent="-171450">
+              <a:buFont typeface="Arial" panose="020B0604020202020204" pitchFamily="34" charset="0"/>
+              <a:buChar char="•"/>
+            </a:pPr>
+            <a:r>
+              <a:rPr lang="en-US" sz="1200" kern="1200" dirty="0" smtClean="0">
+                <a:solidFill>
+                  <a:schemeClr val="tx1"/>
+                </a:solidFill>
+                <a:effectLst/>
+                <a:latin typeface="+mn-lt"/>
+                <a:ea typeface="+mn-ea"/>
+                <a:cs typeface="+mn-cs"/>
+              </a:rPr>
+              <a:t>Which Angular piece would be used to read data from an API?</a:t>
+            </a:r>
+          </a:p>
+          <a:p>
+            <a:pPr marL="457200" lvl="1" indent="0">
+              <a:buFont typeface="Arial" panose="020B0604020202020204" pitchFamily="34" charset="0"/>
+              <a:buNone/>
+            </a:pPr>
+            <a:endParaRPr lang="en-US" dirty="0"/>
+          </a:p>
+        </p:txBody>
+      </p:sp>
+      <p:sp>
+        <p:nvSpPr>
+          <p:cNvPr id="4" name="Slide Number Placeholder 3"/>
+          <p:cNvSpPr>
+            <a:spLocks noGrp="1"/>
+          </p:cNvSpPr>
+          <p:nvPr>
+            <p:ph type="sldNum" sz="quarter" idx="10"/>
+          </p:nvPr>
+        </p:nvSpPr>
+        <p:spPr/>
+        <p:txBody>
+          <a:bodyPr/>
+          <a:lstStyle/>
+          <a:p>
+            <a:fld id="{226FA58D-4B12-4E7B-A2FA-693CE3EACDFD}" type="slidenum">
+              <a:rPr lang="en-US" smtClean="0"/>
+              <a:t>26</a:t>
+            </a:fld>
+            <a:endParaRPr lang="en-US"/>
+          </a:p>
+        </p:txBody>
+      </p:sp>
+    </p:spTree>
+    <p:extLst>
+      <p:ext uri="{BB962C8B-B14F-4D97-AF65-F5344CB8AC3E}">
+        <p14:creationId xmlns:p14="http://schemas.microsoft.com/office/powerpoint/2010/main" val="1088318583"/>
+      </p:ext>
+    </p:extLst>
+  </p:cSld>
+  <p:clrMapOvr>
+    <a:masterClrMapping/>
+  </p:clrMapOvr>
+</p:notes>
+</file>
+
+<file path=ppt/notesSlides/notesSlide26.xml><?xml version="1.0" encoding="utf-8"?>
+<p:notes xmlns:a="http://schemas.openxmlformats.org/drawingml/2006/main" xmlns:r="http://schemas.openxmlformats.org/officeDocument/2006/relationships" xmlns:p="http://schemas.openxmlformats.org/presentationml/2006/main">
+  <p:cSld>
+    <p:spTree>
+      <p:nvGrpSpPr>
+        <p:cNvPr id="1" name=""/>
+        <p:cNvGrpSpPr/>
+        <p:nvPr/>
+      </p:nvGrpSpPr>
+      <p:grpSpPr>
+        <a:xfrm>
+          <a:off x="0" y="0"/>
+          <a:ext cx="0" cy="0"/>
+          <a:chOff x="0" y="0"/>
+          <a:chExt cx="0" cy="0"/>
+        </a:xfrm>
+      </p:grpSpPr>
+      <p:sp>
+        <p:nvSpPr>
+          <p:cNvPr id="2" name="Slide Image Placeholder 1"/>
+          <p:cNvSpPr>
+            <a:spLocks noGrp="1" noRot="1" noChangeAspect="1"/>
+          </p:cNvSpPr>
+          <p:nvPr>
+            <p:ph type="sldImg"/>
+          </p:nvPr>
+        </p:nvSpPr>
+        <p:spPr/>
+      </p:sp>
+      <p:sp>
+        <p:nvSpPr>
+          <p:cNvPr id="3" name="Notes Placeholder 2"/>
+          <p:cNvSpPr>
+            <a:spLocks noGrp="1"/>
+          </p:cNvSpPr>
+          <p:nvPr>
+            <p:ph type="body" idx="1"/>
+          </p:nvPr>
+        </p:nvSpPr>
+        <p:spPr/>
+        <p:txBody>
+          <a:bodyPr/>
+          <a:lstStyle/>
+          <a:p>
+            <a:pPr marL="171450" indent="-171450">
+              <a:buFont typeface="Arial" panose="020B0604020202020204" pitchFamily="34" charset="0"/>
+              <a:buChar char="•"/>
+            </a:pPr>
+            <a:endParaRPr lang="en-US" dirty="0"/>
+          </a:p>
+        </p:txBody>
+      </p:sp>
+      <p:sp>
+        <p:nvSpPr>
+          <p:cNvPr id="4" name="Slide Number Placeholder 3"/>
+          <p:cNvSpPr>
+            <a:spLocks noGrp="1"/>
+          </p:cNvSpPr>
+          <p:nvPr>
+            <p:ph type="sldNum" sz="quarter" idx="10"/>
+          </p:nvPr>
+        </p:nvSpPr>
+        <p:spPr/>
+        <p:txBody>
+          <a:bodyPr/>
+          <a:lstStyle/>
+          <a:p>
+            <a:fld id="{226FA58D-4B12-4E7B-A2FA-693CE3EACDFD}" type="slidenum">
+              <a:rPr lang="en-US" smtClean="0"/>
+              <a:t>27</a:t>
             </a:fld>
             <a:endParaRPr lang="en-US"/>
           </a:p>
@@ -3013,8 +3191,33 @@
             </a:pPr>
             <a:r>
               <a:rPr lang="en-US" baseline="0" dirty="0" smtClean="0"/>
-              <a:t>They also define the class and adds any metadata needed.</a:t>
-            </a:r>
+              <a:t>They also define the class and adds any metadata needed</a:t>
+            </a:r>
+            <a:r>
+              <a:rPr lang="en-US" baseline="0" dirty="0" smtClean="0"/>
+              <a:t>.</a:t>
+            </a:r>
+          </a:p>
+          <a:p>
+            <a:pPr marL="171450" indent="-171450">
+              <a:buFont typeface="Arial" panose="020B0604020202020204" pitchFamily="34" charset="0"/>
+              <a:buChar char="•"/>
+            </a:pPr>
+            <a:r>
+              <a:rPr lang="en-US" baseline="0" dirty="0" smtClean="0"/>
+              <a:t>The Export keyword is used to export a module.</a:t>
+            </a:r>
+          </a:p>
+          <a:p>
+            <a:pPr marL="171450" indent="-171450">
+              <a:buFont typeface="Arial" panose="020B0604020202020204" pitchFamily="34" charset="0"/>
+              <a:buChar char="•"/>
+            </a:pPr>
+            <a:r>
+              <a:rPr lang="en-US" baseline="0" dirty="0" smtClean="0"/>
+              <a:t>The Import keyword is used to import an exported module.</a:t>
+            </a:r>
+            <a:endParaRPr lang="en-US" baseline="0" dirty="0" smtClean="0"/>
           </a:p>
         </p:txBody>
       </p:sp>
@@ -3209,7 +3412,34 @@
           <a:bodyPr/>
           <a:lstStyle/>
           <a:p>
-            <a:endParaRPr lang="en-US" dirty="0"/>
+            <a:pPr marL="171450" indent="-171450">
+              <a:buFont typeface="Arial" panose="020B0604020202020204" pitchFamily="34" charset="0"/>
+              <a:buChar char="•"/>
+            </a:pPr>
+            <a:r>
+              <a:rPr lang="en-US" baseline="0" dirty="0" smtClean="0"/>
+              <a:t>The template defines the html</a:t>
+            </a:r>
+          </a:p>
+          <a:p>
+            <a:pPr marL="171450" indent="-171450">
+              <a:buFont typeface="Arial" panose="020B0604020202020204" pitchFamily="34" charset="0"/>
+              <a:buChar char="•"/>
+            </a:pPr>
+            <a:r>
+              <a:rPr lang="en-US" baseline="0" dirty="0" smtClean="0"/>
+              <a:t>The template can be fully written in the component.</a:t>
+            </a:r>
+          </a:p>
+          <a:p>
+            <a:pPr marL="171450" indent="-171450">
+              <a:buFont typeface="Arial" panose="020B0604020202020204" pitchFamily="34" charset="0"/>
+              <a:buChar char="•"/>
+            </a:pPr>
+            <a:r>
+              <a:rPr lang="en-US" baseline="0" dirty="0" smtClean="0"/>
+              <a:t>It is better practice to write the html separately and reference it in the component.</a:t>
+            </a:r>
           </a:p>
         </p:txBody>
       </p:sp>
@@ -3228,7 +3458,7 @@
           <a:bodyPr/>
           <a:lstStyle/>
           <a:p>
-            <a:fld id="{E090B8CA-1AD8-477E-9569-51E0CFA26921}" type="slidenum">
+            <a:fld id="{90562276-63C7-43F9-8E9E-CFA137F6F839}" type="slidenum">
               <a:rPr lang="en-US" smtClean="0"/>
               <a:t>8</a:t>
             </a:fld>
@@ -3239,7 +3469,7 @@
     </p:spTree>
     <p:extLst>
       <p:ext uri="{BB962C8B-B14F-4D97-AF65-F5344CB8AC3E}">
-        <p14:creationId xmlns:p14="http://schemas.microsoft.com/office/powerpoint/2010/main" val="820640523"/>
+        <p14:creationId xmlns:p14="http://schemas.microsoft.com/office/powerpoint/2010/main" val="862141880"/>
       </p:ext>
     </p:extLst>
   </p:cSld>
@@ -3293,100 +3523,6 @@
           <a:bodyPr/>
           <a:lstStyle/>
           <a:p>
-            <a:pPr marL="171450" lvl="0" indent="-171450">
-              <a:buFont typeface="Arial" panose="020B0604020202020204" pitchFamily="34" charset="0"/>
-              <a:buChar char="•"/>
-            </a:pPr>
-            <a:r>
-              <a:rPr lang="en-US" sz="1200" kern="1200" dirty="0" smtClean="0">
-                <a:solidFill>
-                  <a:schemeClr val="tx1"/>
-                </a:solidFill>
-                <a:effectLst/>
-                <a:latin typeface="+mn-lt"/>
-                <a:ea typeface="+mn-ea"/>
-                <a:cs typeface="+mn-cs"/>
-              </a:rPr>
-              <a:t>Write on the board the command to create a new angular application.</a:t>
-            </a:r>
-          </a:p>
-          <a:p>
-            <a:pPr marL="171450" lvl="0" indent="-171450">
-              <a:buFont typeface="Arial" panose="020B0604020202020204" pitchFamily="34" charset="0"/>
-              <a:buChar char="•"/>
-            </a:pPr>
-            <a:r>
-              <a:rPr lang="en-US" sz="1200" kern="1200" dirty="0" smtClean="0">
-                <a:solidFill>
-                  <a:schemeClr val="tx1"/>
-                </a:solidFill>
-                <a:effectLst/>
-                <a:latin typeface="+mn-lt"/>
-                <a:ea typeface="+mn-ea"/>
-                <a:cs typeface="+mn-cs"/>
-              </a:rPr>
-              <a:t>What are 5 main pieces of the Angular architecture?</a:t>
-            </a:r>
-          </a:p>
-          <a:p>
-            <a:pPr marL="171450" lvl="0" indent="-171450">
-              <a:buFont typeface="Arial" panose="020B0604020202020204" pitchFamily="34" charset="0"/>
-              <a:buChar char="•"/>
-            </a:pPr>
-            <a:r>
-              <a:rPr lang="en-US" sz="1200" kern="1200" dirty="0" smtClean="0">
-                <a:solidFill>
-                  <a:schemeClr val="tx1"/>
-                </a:solidFill>
-                <a:effectLst/>
-                <a:latin typeface="+mn-lt"/>
-                <a:ea typeface="+mn-ea"/>
-                <a:cs typeface="+mn-cs"/>
-              </a:rPr>
-              <a:t>Which piece does html go in?</a:t>
-            </a:r>
-          </a:p>
-          <a:p>
-            <a:pPr marL="171450" lvl="0" indent="-171450">
-              <a:buFont typeface="Arial" panose="020B0604020202020204" pitchFamily="34" charset="0"/>
-              <a:buChar char="•"/>
-            </a:pPr>
-            <a:r>
-              <a:rPr lang="en-US" sz="1200" kern="1200" dirty="0" smtClean="0">
-                <a:solidFill>
-                  <a:schemeClr val="tx1"/>
-                </a:solidFill>
-                <a:effectLst/>
-                <a:latin typeface="+mn-lt"/>
-                <a:ea typeface="+mn-ea"/>
-                <a:cs typeface="+mn-cs"/>
-              </a:rPr>
-              <a:t>Which piece defines the class and links to the template?</a:t>
-            </a:r>
-          </a:p>
-          <a:p>
-            <a:pPr marL="171450" lvl="0" indent="-171450">
-              <a:buFont typeface="Arial" panose="020B0604020202020204" pitchFamily="34" charset="0"/>
-              <a:buChar char="•"/>
-            </a:pPr>
-            <a:r>
-              <a:rPr lang="en-US" sz="1200" kern="1200" dirty="0" smtClean="0">
-                <a:solidFill>
-                  <a:schemeClr val="tx1"/>
-                </a:solidFill>
-                <a:effectLst/>
-                <a:latin typeface="+mn-lt"/>
-                <a:ea typeface="+mn-ea"/>
-                <a:cs typeface="+mn-cs"/>
-              </a:rPr>
-              <a:t>Write on the board a component definition.</a:t>
-            </a:r>
-          </a:p>
-          <a:p>
-            <a:pPr marL="457200" lvl="1" indent="0">
-              <a:buFont typeface="Arial" panose="020B0604020202020204" pitchFamily="34" charset="0"/>
-              <a:buNone/>
-            </a:pPr>
             <a:endParaRPr lang="en-US" dirty="0"/>
           </a:p>
         </p:txBody>
@@ -3406,7 +3542,7 @@
           <a:bodyPr/>
           <a:lstStyle/>
           <a:p>
-            <a:fld id="{226FA58D-4B12-4E7B-A2FA-693CE3EACDFD}" type="slidenum">
+            <a:fld id="{E090B8CA-1AD8-477E-9569-51E0CFA26921}" type="slidenum">
               <a:rPr lang="en-US" smtClean="0"/>
               <a:t>9</a:t>
             </a:fld>
@@ -3417,7 +3553,7 @@
     </p:spTree>
     <p:extLst>
       <p:ext uri="{BB962C8B-B14F-4D97-AF65-F5344CB8AC3E}">
-        <p14:creationId xmlns:p14="http://schemas.microsoft.com/office/powerpoint/2010/main" val="2580819386"/>
+        <p14:creationId xmlns:p14="http://schemas.microsoft.com/office/powerpoint/2010/main" val="820640523"/>
       </p:ext>
     </p:extLst>
   </p:cSld>
@@ -3471,10 +3607,100 @@
           <a:bodyPr/>
           <a:lstStyle/>
           <a:p>
-            <a:pPr marL="171450" indent="-171450">
+            <a:pPr marL="171450" lvl="0" indent="-171450">
               <a:buFont typeface="Arial" panose="020B0604020202020204" pitchFamily="34" charset="0"/>
               <a:buChar char="•"/>
             </a:pPr>
+            <a:r>
+              <a:rPr lang="en-US" sz="1200" kern="1200" dirty="0" smtClean="0">
+                <a:solidFill>
+                  <a:schemeClr val="tx1"/>
+                </a:solidFill>
+                <a:effectLst/>
+                <a:latin typeface="+mn-lt"/>
+                <a:ea typeface="+mn-ea"/>
+                <a:cs typeface="+mn-cs"/>
+              </a:rPr>
+              <a:t>Write on the board the command to create a new angular application.</a:t>
+            </a:r>
+          </a:p>
+          <a:p>
+            <a:pPr marL="171450" lvl="0" indent="-171450">
+              <a:buFont typeface="Arial" panose="020B0604020202020204" pitchFamily="34" charset="0"/>
+              <a:buChar char="•"/>
+            </a:pPr>
+            <a:r>
+              <a:rPr lang="en-US" sz="1200" kern="1200" dirty="0" smtClean="0">
+                <a:solidFill>
+                  <a:schemeClr val="tx1"/>
+                </a:solidFill>
+                <a:effectLst/>
+                <a:latin typeface="+mn-lt"/>
+                <a:ea typeface="+mn-ea"/>
+                <a:cs typeface="+mn-cs"/>
+              </a:rPr>
+              <a:t>What are 5 main pieces of the Angular architecture?</a:t>
+            </a:r>
+          </a:p>
+          <a:p>
+            <a:pPr marL="171450" lvl="0" indent="-171450">
+              <a:buFont typeface="Arial" panose="020B0604020202020204" pitchFamily="34" charset="0"/>
+              <a:buChar char="•"/>
+            </a:pPr>
+            <a:r>
+              <a:rPr lang="en-US" sz="1200" kern="1200" dirty="0" smtClean="0">
+                <a:solidFill>
+                  <a:schemeClr val="tx1"/>
+                </a:solidFill>
+                <a:effectLst/>
+                <a:latin typeface="+mn-lt"/>
+                <a:ea typeface="+mn-ea"/>
+                <a:cs typeface="+mn-cs"/>
+              </a:rPr>
+              <a:t>Which piece does html go in?</a:t>
+            </a:r>
+          </a:p>
+          <a:p>
+            <a:pPr marL="171450" lvl="0" indent="-171450">
+              <a:buFont typeface="Arial" panose="020B0604020202020204" pitchFamily="34" charset="0"/>
+              <a:buChar char="•"/>
+            </a:pPr>
+            <a:r>
+              <a:rPr lang="en-US" sz="1200" kern="1200" dirty="0" smtClean="0">
+                <a:solidFill>
+                  <a:schemeClr val="tx1"/>
+                </a:solidFill>
+                <a:effectLst/>
+                <a:latin typeface="+mn-lt"/>
+                <a:ea typeface="+mn-ea"/>
+                <a:cs typeface="+mn-cs"/>
+              </a:rPr>
+              <a:t>Which piece defines the class and links to the template?</a:t>
+            </a:r>
+          </a:p>
+          <a:p>
+            <a:pPr marL="171450" lvl="0" indent="-171450">
+              <a:buFont typeface="Arial" panose="020B0604020202020204" pitchFamily="34" charset="0"/>
+              <a:buChar char="•"/>
+            </a:pPr>
+            <a:r>
+              <a:rPr lang="en-US" sz="1200" kern="1200" dirty="0" smtClean="0">
+                <a:solidFill>
+                  <a:schemeClr val="tx1"/>
+                </a:solidFill>
+                <a:effectLst/>
+                <a:latin typeface="+mn-lt"/>
+                <a:ea typeface="+mn-ea"/>
+                <a:cs typeface="+mn-cs"/>
+              </a:rPr>
+              <a:t>Write on the board a component definition.</a:t>
+            </a:r>
+          </a:p>
+          <a:p>
+            <a:pPr marL="457200" lvl="1" indent="0">
+              <a:buFont typeface="Arial" panose="020B0604020202020204" pitchFamily="34" charset="0"/>
+              <a:buNone/>
+            </a:pPr>
             <a:endParaRPr lang="en-US" dirty="0"/>
           </a:p>
         </p:txBody>
@@ -3505,7 +3731,7 @@
     </p:spTree>
     <p:extLst>
       <p:ext uri="{BB962C8B-B14F-4D97-AF65-F5344CB8AC3E}">
-        <p14:creationId xmlns:p14="http://schemas.microsoft.com/office/powerpoint/2010/main" val="1023324272"/>
+        <p14:creationId xmlns:p14="http://schemas.microsoft.com/office/powerpoint/2010/main" val="2580819386"/>
       </p:ext>
     </p:extLst>
   </p:cSld>
@@ -3701,7 +3927,7 @@
           <a:p>
             <a:fld id="{96FB5D56-0812-4ED5-8B52-3D0DCBF578CB}" type="datetimeFigureOut">
               <a:rPr lang="en-US" smtClean="0"/>
-              <a:t>2/4/2018</a:t>
+              <a:t>3/4/2018</a:t>
             </a:fld>
             <a:endParaRPr lang="en-US"/>
           </a:p>
@@ -3976,7 +4202,7 @@
           <a:p>
             <a:fld id="{96FB5D56-0812-4ED5-8B52-3D0DCBF578CB}" type="datetimeFigureOut">
               <a:rPr lang="en-US" smtClean="0"/>
-              <a:t>2/4/2018</a:t>
+              <a:t>3/4/2018</a:t>
             </a:fld>
             <a:endParaRPr lang="en-US"/>
           </a:p>
@@ -4170,7 +4396,7 @@
           <a:p>
             <a:fld id="{96FB5D56-0812-4ED5-8B52-3D0DCBF578CB}" type="datetimeFigureOut">
               <a:rPr lang="en-US" smtClean="0"/>
-              <a:t>2/4/2018</a:t>
+              <a:t>3/4/2018</a:t>
             </a:fld>
             <a:endParaRPr lang="en-US"/>
           </a:p>
@@ -4443,7 +4669,7 @@
           <a:p>
             <a:fld id="{96FB5D56-0812-4ED5-8B52-3D0DCBF578CB}" type="datetimeFigureOut">
               <a:rPr lang="en-US" smtClean="0"/>
-              <a:t>2/4/2018</a:t>
+              <a:t>3/4/2018</a:t>
             </a:fld>
             <a:endParaRPr lang="en-US"/>
           </a:p>
@@ -4784,7 +5010,7 @@
           <a:p>
             <a:fld id="{96FB5D56-0812-4ED5-8B52-3D0DCBF578CB}" type="datetimeFigureOut">
               <a:rPr lang="en-US" smtClean="0"/>
-              <a:t>2/4/2018</a:t>
+              <a:t>3/4/2018</a:t>
             </a:fld>
             <a:endParaRPr lang="en-US"/>
           </a:p>
@@ -5407,7 +5633,7 @@
           <a:p>
             <a:fld id="{96FB5D56-0812-4ED5-8B52-3D0DCBF578CB}" type="datetimeFigureOut">
               <a:rPr lang="en-US" smtClean="0"/>
-              <a:t>2/4/2018</a:t>
+              <a:t>3/4/2018</a:t>
             </a:fld>
             <a:endParaRPr lang="en-US"/>
           </a:p>
@@ -6267,7 +6493,7 @@
           <a:p>
             <a:fld id="{96FB5D56-0812-4ED5-8B52-3D0DCBF578CB}" type="datetimeFigureOut">
               <a:rPr lang="en-US" smtClean="0"/>
-              <a:t>2/4/2018</a:t>
+              <a:t>3/4/2018</a:t>
             </a:fld>
             <a:endParaRPr lang="en-US"/>
           </a:p>
@@ -6437,7 +6663,7 @@
           <a:p>
             <a:fld id="{96FB5D56-0812-4ED5-8B52-3D0DCBF578CB}" type="datetimeFigureOut">
               <a:rPr lang="en-US" smtClean="0"/>
-              <a:t>2/4/2018</a:t>
+              <a:t>3/4/2018</a:t>
             </a:fld>
             <a:endParaRPr lang="en-US"/>
           </a:p>
@@ -6617,7 +6843,7 @@
           <a:p>
             <a:fld id="{96FB5D56-0812-4ED5-8B52-3D0DCBF578CB}" type="datetimeFigureOut">
               <a:rPr lang="en-US" smtClean="0"/>
-              <a:t>2/4/2018</a:t>
+              <a:t>3/4/2018</a:t>
             </a:fld>
             <a:endParaRPr lang="en-US"/>
           </a:p>
@@ -6787,7 +7013,7 @@
           <a:p>
             <a:fld id="{96FB5D56-0812-4ED5-8B52-3D0DCBF578CB}" type="datetimeFigureOut">
               <a:rPr lang="en-US" smtClean="0"/>
-              <a:t>2/4/2018</a:t>
+              <a:t>3/4/2018</a:t>
             </a:fld>
             <a:endParaRPr lang="en-US"/>
           </a:p>
@@ -7034,7 +7260,7 @@
           <a:p>
             <a:fld id="{96FB5D56-0812-4ED5-8B52-3D0DCBF578CB}" type="datetimeFigureOut">
               <a:rPr lang="en-US" smtClean="0"/>
-              <a:t>2/4/2018</a:t>
+              <a:t>3/4/2018</a:t>
             </a:fld>
             <a:endParaRPr lang="en-US"/>
           </a:p>
@@ -7326,7 +7552,7 @@
           <a:p>
             <a:fld id="{96FB5D56-0812-4ED5-8B52-3D0DCBF578CB}" type="datetimeFigureOut">
               <a:rPr lang="en-US" smtClean="0"/>
-              <a:t>2/4/2018</a:t>
+              <a:t>3/4/2018</a:t>
             </a:fld>
             <a:endParaRPr lang="en-US"/>
           </a:p>
@@ -7770,7 +7996,7 @@
           <a:p>
             <a:fld id="{96FB5D56-0812-4ED5-8B52-3D0DCBF578CB}" type="datetimeFigureOut">
               <a:rPr lang="en-US" smtClean="0"/>
-              <a:t>2/4/2018</a:t>
+              <a:t>3/4/2018</a:t>
             </a:fld>
             <a:endParaRPr lang="en-US"/>
           </a:p>
@@ -7888,7 +8114,7 @@
           <a:p>
             <a:fld id="{96FB5D56-0812-4ED5-8B52-3D0DCBF578CB}" type="datetimeFigureOut">
               <a:rPr lang="en-US" smtClean="0"/>
-              <a:t>2/4/2018</a:t>
+              <a:t>3/4/2018</a:t>
             </a:fld>
             <a:endParaRPr lang="en-US"/>
           </a:p>
@@ -7983,7 +8209,7 @@
           <a:p>
             <a:fld id="{96FB5D56-0812-4ED5-8B52-3D0DCBF578CB}" type="datetimeFigureOut">
               <a:rPr lang="en-US" smtClean="0"/>
-              <a:t>2/4/2018</a:t>
+              <a:t>3/4/2018</a:t>
             </a:fld>
             <a:endParaRPr lang="en-US"/>
           </a:p>
@@ -8262,7 +8488,7 @@
           <a:p>
             <a:fld id="{96FB5D56-0812-4ED5-8B52-3D0DCBF578CB}" type="datetimeFigureOut">
               <a:rPr lang="en-US" smtClean="0"/>
-              <a:t>2/4/2018</a:t>
+              <a:t>3/4/2018</a:t>
             </a:fld>
             <a:endParaRPr lang="en-US"/>
           </a:p>
@@ -8537,7 +8763,7 @@
           <a:p>
             <a:fld id="{96FB5D56-0812-4ED5-8B52-3D0DCBF578CB}" type="datetimeFigureOut">
               <a:rPr lang="en-US" smtClean="0"/>
-              <a:t>2/4/2018</a:t>
+              <a:t>3/4/2018</a:t>
             </a:fld>
             <a:endParaRPr lang="en-US"/>
           </a:p>
@@ -8966,7 +9192,7 @@
           <a:p>
             <a:fld id="{96FB5D56-0812-4ED5-8B52-3D0DCBF578CB}" type="datetimeFigureOut">
               <a:rPr lang="en-US" smtClean="0"/>
-              <a:t>2/4/2018</a:t>
+              <a:t>3/4/2018</a:t>
             </a:fld>
             <a:endParaRPr lang="en-US"/>
           </a:p>
@@ -9594,6 +9820,118 @@
             <a:spLocks noGrp="1"/>
           </p:cNvSpPr>
           <p:nvPr>
+            <p:ph type="ctrTitle"/>
+          </p:nvPr>
+        </p:nvSpPr>
+        <p:spPr/>
+        <p:txBody>
+          <a:bodyPr/>
+          <a:lstStyle/>
+          <a:p>
+            <a:r>
+              <a:rPr lang="en-US" dirty="0" smtClean="0"/>
+              <a:t>ASSESSMENT</a:t>
+            </a:r>
+            <a:endParaRPr lang="en-US" dirty="0"/>
+          </a:p>
+        </p:txBody>
+      </p:sp>
+      <p:sp>
+        <p:nvSpPr>
+          <p:cNvPr id="3" name="Subtitle 2"/>
+          <p:cNvSpPr>
+            <a:spLocks noGrp="1"/>
+          </p:cNvSpPr>
+          <p:nvPr>
+            <p:ph type="subTitle" idx="1"/>
+          </p:nvPr>
+        </p:nvSpPr>
+        <p:spPr/>
+        <p:txBody>
+          <a:bodyPr/>
+          <a:lstStyle/>
+          <a:p>
+            <a:r>
+              <a:rPr lang="en-US" dirty="0"/>
+              <a:t>Angular Components and Templates</a:t>
+            </a:r>
+          </a:p>
+        </p:txBody>
+      </p:sp>
+      <p:pic>
+        <p:nvPicPr>
+          <p:cNvPr id="4" name="Picture 3"/>
+          <p:cNvPicPr>
+            <a:picLocks noChangeAspect="1"/>
+          </p:cNvPicPr>
+          <p:nvPr/>
+        </p:nvPicPr>
+        <p:blipFill>
+          <a:blip r:embed="rId3">
+            <a:extLst>
+              <a:ext uri="{28A0092B-C50C-407E-A947-70E740481C1C}">
+                <a14:useLocalDpi xmlns:a14="http://schemas.microsoft.com/office/drawing/2010/main" val="0"/>
+              </a:ext>
+            </a:extLst>
+          </a:blip>
+          <a:stretch>
+            <a:fillRect/>
+          </a:stretch>
+        </p:blipFill>
+        <p:spPr>
+          <a:xfrm>
+            <a:off x="7950200" y="1447800"/>
+            <a:ext cx="3571240" cy="4529836"/>
+          </a:xfrm>
+          <a:prstGeom prst="rect">
+            <a:avLst/>
+          </a:prstGeom>
+        </p:spPr>
+      </p:pic>
+    </p:spTree>
+    <p:extLst>
+      <p:ext uri="{BB962C8B-B14F-4D97-AF65-F5344CB8AC3E}">
+        <p14:creationId xmlns:p14="http://schemas.microsoft.com/office/powerpoint/2010/main" val="1093543914"/>
+      </p:ext>
+    </p:extLst>
+  </p:cSld>
+  <p:clrMapOvr>
+    <a:masterClrMapping/>
+  </p:clrMapOvr>
+  <p:timing>
+    <p:tnLst>
+      <p:par>
+        <p:cTn id="1" dur="indefinite" restart="never" nodeType="tmRoot"/>
+      </p:par>
+    </p:tnLst>
+  </p:timing>
+</p:sld>
+</file>
+
+<file path=ppt/slides/slide11.xml><?xml version="1.0" encoding="utf-8"?>
+<p:sld xmlns:a="http://schemas.openxmlformats.org/drawingml/2006/main" xmlns:r="http://schemas.openxmlformats.org/officeDocument/2006/relationships" xmlns:p="http://schemas.openxmlformats.org/presentationml/2006/main">
+  <p:cSld>
+    <p:spTree>
+      <p:nvGrpSpPr>
+        <p:cNvPr id="1" name=""/>
+        <p:cNvGrpSpPr/>
+        <p:nvPr/>
+      </p:nvGrpSpPr>
+      <p:grpSpPr>
+        <a:xfrm>
+          <a:off x="0" y="0"/>
+          <a:ext cx="0" cy="0"/>
+          <a:chOff x="0" y="0"/>
+          <a:chExt cx="0" cy="0"/>
+        </a:xfrm>
+      </p:grpSpPr>
+      <p:sp>
+        <p:nvSpPr>
+          <p:cNvPr id="2" name="Title 1"/>
+          <p:cNvSpPr>
+            <a:spLocks noGrp="1"/>
+          </p:cNvSpPr>
+          <p:nvPr>
             <p:ph type="title"/>
           </p:nvPr>
         </p:nvSpPr>
@@ -9700,7 +10038,7 @@
 </p:sld>
 </file>
 
-<file path=ppt/slides/slide11.xml><?xml version="1.0" encoding="utf-8"?>
+<file path=ppt/slides/slide12.xml><?xml version="1.0" encoding="utf-8"?>
 <p:sld xmlns:a="http://schemas.openxmlformats.org/drawingml/2006/main" xmlns:r="http://schemas.openxmlformats.org/officeDocument/2006/relationships" xmlns:p="http://schemas.openxmlformats.org/presentationml/2006/main">
   <p:cSld>
     <p:spTree>
@@ -9832,7 +10170,7 @@
 </p:sld>
 </file>
 
-<file path=ppt/slides/slide12.xml><?xml version="1.0" encoding="utf-8"?>
+<file path=ppt/slides/slide13.xml><?xml version="1.0" encoding="utf-8"?>
 <p:sld xmlns:a="http://schemas.openxmlformats.org/drawingml/2006/main" xmlns:r="http://schemas.openxmlformats.org/officeDocument/2006/relationships" xmlns:p="http://schemas.openxmlformats.org/presentationml/2006/main">
   <p:cSld>
     <p:spTree>
@@ -9951,7 +10289,205 @@
 </p:sld>
 </file>
 
-<file path=ppt/slides/slide13.xml><?xml version="1.0" encoding="utf-8"?>
+<file path=ppt/slides/slide14.xml><?xml version="1.0" encoding="utf-8"?>
+<p:sld xmlns:a="http://schemas.openxmlformats.org/drawingml/2006/main" xmlns:r="http://schemas.openxmlformats.org/officeDocument/2006/relationships" xmlns:p="http://schemas.openxmlformats.org/presentationml/2006/main">
+  <p:cSld>
+    <p:spTree>
+      <p:nvGrpSpPr>
+        <p:cNvPr id="1" name=""/>
+        <p:cNvGrpSpPr/>
+        <p:nvPr/>
+      </p:nvGrpSpPr>
+      <p:grpSpPr>
+        <a:xfrm>
+          <a:off x="0" y="0"/>
+          <a:ext cx="0" cy="0"/>
+          <a:chOff x="0" y="0"/>
+          <a:chExt cx="0" cy="0"/>
+        </a:xfrm>
+      </p:grpSpPr>
+      <p:sp>
+        <p:nvSpPr>
+          <p:cNvPr id="2" name="Title 1"/>
+          <p:cNvSpPr>
+            <a:spLocks noGrp="1"/>
+          </p:cNvSpPr>
+          <p:nvPr>
+            <p:ph type="title"/>
+          </p:nvPr>
+        </p:nvSpPr>
+        <p:spPr/>
+        <p:txBody>
+          <a:bodyPr/>
+          <a:lstStyle/>
+          <a:p>
+            <a:r>
+              <a:rPr lang="en-US" dirty="0" smtClean="0"/>
+              <a:t>Data Binding Examples</a:t>
+            </a:r>
+            <a:endParaRPr lang="en-US" dirty="0"/>
+          </a:p>
+        </p:txBody>
+      </p:sp>
+      <p:sp>
+        <p:nvSpPr>
+          <p:cNvPr id="3" name="Content Placeholder 2"/>
+          <p:cNvSpPr>
+            <a:spLocks noGrp="1"/>
+          </p:cNvSpPr>
+          <p:nvPr>
+            <p:ph idx="1"/>
+          </p:nvPr>
+        </p:nvSpPr>
+        <p:spPr/>
+        <p:txBody>
+          <a:bodyPr>
+            <a:normAutofit/>
+          </a:bodyPr>
+          <a:lstStyle/>
+          <a:p>
+            <a:r>
+              <a:rPr lang="en-US" sz="2800" dirty="0" smtClean="0"/>
+              <a:t>Interpolation</a:t>
+            </a:r>
+          </a:p>
+          <a:p>
+            <a:pPr marL="0" indent="0">
+              <a:buNone/>
+            </a:pPr>
+            <a:r>
+              <a:rPr lang="en-US" sz="2400" dirty="0" smtClean="0"/>
+              <a:t>Hello {{ name }}</a:t>
+            </a:r>
+            <a:endParaRPr lang="en-US" sz="2400" dirty="0"/>
+          </a:p>
+          <a:p>
+            <a:r>
+              <a:rPr lang="en-US" sz="2800" dirty="0"/>
+              <a:t>One-way </a:t>
+            </a:r>
+            <a:r>
+              <a:rPr lang="en-US" sz="2800" dirty="0" smtClean="0"/>
+              <a:t>binding</a:t>
+            </a:r>
+          </a:p>
+          <a:p>
+            <a:pPr marL="0" indent="0">
+              <a:buNone/>
+            </a:pPr>
+            <a:r>
+              <a:rPr lang="en-US" sz="2400" dirty="0"/>
+              <a:t>&lt;input type = 'text'  [value</a:t>
+            </a:r>
+            <a:r>
+              <a:rPr lang="en-US" sz="2400" dirty="0" smtClean="0"/>
+              <a:t>]=“</a:t>
+            </a:r>
+            <a:r>
+              <a:rPr lang="en-US" sz="2400" dirty="0" err="1" smtClean="0"/>
+              <a:t>firstName</a:t>
+            </a:r>
+            <a:r>
+              <a:rPr lang="en-US" sz="2400" dirty="0" smtClean="0"/>
+              <a:t>"</a:t>
+            </a:r>
+            <a:r>
+              <a:rPr lang="en-US" sz="2400" dirty="0"/>
+              <a:t> /&gt;  </a:t>
+            </a:r>
+          </a:p>
+          <a:p>
+            <a:r>
+              <a:rPr lang="en-US" sz="2800" dirty="0"/>
+              <a:t>Two-way </a:t>
+            </a:r>
+            <a:r>
+              <a:rPr lang="en-US" sz="2800" dirty="0" smtClean="0"/>
+              <a:t>binding</a:t>
+            </a:r>
+          </a:p>
+          <a:p>
+            <a:pPr marL="0" indent="0">
+              <a:buNone/>
+            </a:pPr>
+            <a:r>
+              <a:rPr lang="en-US" sz="2400" dirty="0"/>
+              <a:t>&lt;</a:t>
+            </a:r>
+            <a:r>
+              <a:rPr lang="en-US" sz="2400" dirty="0" smtClean="0"/>
+              <a:t>input [(</a:t>
+            </a:r>
+            <a:r>
+              <a:rPr lang="en-US" sz="2400" dirty="0" err="1"/>
+              <a:t>ngModel</a:t>
+            </a:r>
+            <a:r>
+              <a:rPr lang="en-US" sz="2400" dirty="0" smtClean="0"/>
+              <a:t>)]=“</a:t>
+            </a:r>
+            <a:r>
+              <a:rPr lang="en-US" sz="2400" dirty="0" err="1" smtClean="0"/>
+              <a:t>firstName</a:t>
+            </a:r>
+            <a:r>
+              <a:rPr lang="en-US" sz="2400" dirty="0" smtClean="0"/>
+              <a:t>"</a:t>
+            </a:r>
+            <a:r>
+              <a:rPr lang="en-US" sz="2400" dirty="0"/>
+              <a:t> /&gt;  </a:t>
+            </a:r>
+          </a:p>
+          <a:p>
+            <a:r>
+              <a:rPr lang="en-US" sz="2800" dirty="0"/>
+              <a:t>Event binding</a:t>
+            </a:r>
+          </a:p>
+          <a:p>
+            <a:pPr marL="45720" indent="0">
+              <a:buNone/>
+            </a:pPr>
+            <a:r>
+              <a:rPr lang="en-US" sz="2400" dirty="0"/>
+              <a:t>&lt;button (click)="</a:t>
+            </a:r>
+            <a:r>
+              <a:rPr lang="en-US" sz="2400" dirty="0" err="1" smtClean="0"/>
+              <a:t>onSaveClick</a:t>
+            </a:r>
+            <a:r>
+              <a:rPr lang="en-US" sz="2400" dirty="0" smtClean="0"/>
+              <a:t>()"&gt;Save&lt;/</a:t>
+            </a:r>
+            <a:r>
+              <a:rPr lang="en-US" sz="2400" dirty="0"/>
+              <a:t>button&gt;</a:t>
+            </a:r>
+          </a:p>
+          <a:p>
+            <a:pPr marL="45720" indent="0">
+              <a:buNone/>
+            </a:pPr>
+            <a:endParaRPr lang="en-US" dirty="0"/>
+          </a:p>
+        </p:txBody>
+      </p:sp>
+    </p:spTree>
+    <p:extLst>
+      <p:ext uri="{BB962C8B-B14F-4D97-AF65-F5344CB8AC3E}">
+        <p14:creationId xmlns:p14="http://schemas.microsoft.com/office/powerpoint/2010/main" val="2641119778"/>
+      </p:ext>
+    </p:extLst>
+  </p:cSld>
+  <p:clrMapOvr>
+    <a:masterClrMapping/>
+  </p:clrMapOvr>
+</p:sld>
+</file>
+
+<file path=ppt/slides/slide15.xml><?xml version="1.0" encoding="utf-8"?>
 <p:sld xmlns:a="http://schemas.openxmlformats.org/drawingml/2006/main" xmlns:r="http://schemas.openxmlformats.org/officeDocument/2006/relationships" xmlns:p="http://schemas.openxmlformats.org/presentationml/2006/main">
   <p:cSld>
     <p:spTree>
@@ -10064,7 +10600,7 @@
 </p:sld>
 </file>
 
-<file path=ppt/slides/slide14.xml><?xml version="1.0" encoding="utf-8"?>
+<file path=ppt/slides/slide16.xml><?xml version="1.0" encoding="utf-8"?>
 <p:sld xmlns:a="http://schemas.openxmlformats.org/drawingml/2006/main" xmlns:r="http://schemas.openxmlformats.org/officeDocument/2006/relationships" xmlns:p="http://schemas.openxmlformats.org/presentationml/2006/main">
   <p:cSld>
     <p:spTree>
@@ -10176,7 +10712,7 @@
 </p:sld>
 </file>
 
-<file path=ppt/slides/slide15.xml><?xml version="1.0" encoding="utf-8"?>
+<file path=ppt/slides/slide17.xml><?xml version="1.0" encoding="utf-8"?>
 <p:sld xmlns:a="http://schemas.openxmlformats.org/drawingml/2006/main" xmlns:r="http://schemas.openxmlformats.org/officeDocument/2006/relationships" xmlns:p="http://schemas.openxmlformats.org/presentationml/2006/main">
   <p:cSld>
     <p:spTree>
@@ -10383,7 +10919,7 @@
 </p:sld>
 </file>
 
-<file path=ppt/slides/slide16.xml><?xml version="1.0" encoding="utf-8"?>
+<file path=ppt/slides/slide18.xml><?xml version="1.0" encoding="utf-8"?>
 <p:sld xmlns:a="http://schemas.openxmlformats.org/drawingml/2006/main" xmlns:r="http://schemas.openxmlformats.org/officeDocument/2006/relationships" xmlns:p="http://schemas.openxmlformats.org/presentationml/2006/main">
   <p:cSld>
     <p:spTree>
@@ -10417,142 +10953,6 @@
           <a:p>
             <a:r>
               <a:rPr lang="en-US" dirty="0" smtClean="0"/>
-              <a:t>Angular Binding Exercises</a:t>
-            </a:r>
-            <a:endParaRPr lang="en-US" dirty="0"/>
-          </a:p>
-        </p:txBody>
-      </p:sp>
-      <p:sp>
-        <p:nvSpPr>
-          <p:cNvPr id="3" name="Content Placeholder 2"/>
-          <p:cNvSpPr>
-            <a:spLocks noGrp="1"/>
-          </p:cNvSpPr>
-          <p:nvPr>
-            <p:ph sz="half" idx="1"/>
-          </p:nvPr>
-        </p:nvSpPr>
-        <p:spPr>
-          <a:xfrm>
-            <a:off x="1103312" y="2060575"/>
-            <a:ext cx="10008033" cy="4195763"/>
-          </a:xfrm>
-        </p:spPr>
-        <p:txBody>
-          <a:bodyPr>
-            <a:normAutofit fontScale="92500" lnSpcReduction="10000"/>
-          </a:bodyPr>
-          <a:lstStyle/>
-          <a:p>
-            <a:pPr lvl="0"/>
-            <a:r>
-              <a:rPr lang="en-US" sz="2800" dirty="0" smtClean="0"/>
-              <a:t>Extend the Previous Exercise</a:t>
-            </a:r>
-          </a:p>
-          <a:p>
-            <a:pPr lvl="1"/>
-            <a:r>
-              <a:rPr lang="en-US" sz="2600" dirty="0" smtClean="0"/>
-              <a:t>Add a property into the component.</a:t>
-            </a:r>
-          </a:p>
-          <a:p>
-            <a:pPr lvl="1"/>
-            <a:r>
-              <a:rPr lang="en-US" sz="2600" dirty="0" smtClean="0"/>
-              <a:t>Use interpolation to show the value of the component.</a:t>
-            </a:r>
-          </a:p>
-          <a:p>
-            <a:pPr lvl="1"/>
-            <a:r>
-              <a:rPr lang="en-US" sz="2600" dirty="0" smtClean="0"/>
-              <a:t>Create a property with an array value.</a:t>
-            </a:r>
-          </a:p>
-          <a:p>
-            <a:pPr lvl="1"/>
-            <a:r>
-              <a:rPr lang="en-US" sz="2600" dirty="0" smtClean="0"/>
-              <a:t>Use the ng-for directive to display array data.</a:t>
-            </a:r>
-          </a:p>
-          <a:p>
-            <a:pPr lvl="1"/>
-            <a:r>
-              <a:rPr lang="en-US" sz="2600" dirty="0" smtClean="0"/>
-              <a:t>Bind an event.  Have the event change the property that is shown with interpolation.</a:t>
-            </a:r>
-          </a:p>
-          <a:p>
-            <a:pPr lvl="1"/>
-            <a:r>
-              <a:rPr lang="en-US" sz="2600" dirty="0" smtClean="0"/>
-              <a:t>Create a new class and add it as a property.</a:t>
-            </a:r>
-          </a:p>
-          <a:p>
-            <a:pPr lvl="1"/>
-            <a:r>
-              <a:rPr lang="en-US" sz="2600" dirty="0" smtClean="0"/>
-              <a:t>Bind the class using two way binding.</a:t>
-            </a:r>
-          </a:p>
-          <a:p>
-            <a:pPr lvl="1"/>
-            <a:endParaRPr lang="en-US" sz="2600" dirty="0"/>
-          </a:p>
-        </p:txBody>
-      </p:sp>
-    </p:spTree>
-    <p:extLst>
-      <p:ext uri="{BB962C8B-B14F-4D97-AF65-F5344CB8AC3E}">
-        <p14:creationId xmlns:p14="http://schemas.microsoft.com/office/powerpoint/2010/main" val="1207263878"/>
-      </p:ext>
-    </p:extLst>
-  </p:cSld>
-  <p:clrMapOvr>
-    <a:masterClrMapping/>
-  </p:clrMapOvr>
-</p:sld>
-</file>
-
-<file path=ppt/slides/slide17.xml><?xml version="1.0" encoding="utf-8"?>
-<p:sld xmlns:a="http://schemas.openxmlformats.org/drawingml/2006/main" xmlns:r="http://schemas.openxmlformats.org/officeDocument/2006/relationships" xmlns:p="http://schemas.openxmlformats.org/presentationml/2006/main">
-  <p:cSld>
-    <p:spTree>
-      <p:nvGrpSpPr>
-        <p:cNvPr id="1" name=""/>
-        <p:cNvGrpSpPr/>
-        <p:nvPr/>
-      </p:nvGrpSpPr>
-      <p:grpSpPr>
-        <a:xfrm>
-          <a:off x="0" y="0"/>
-          <a:ext cx="0" cy="0"/>
-          <a:chOff x="0" y="0"/>
-          <a:chExt cx="0" cy="0"/>
-        </a:xfrm>
-      </p:grpSpPr>
-      <p:sp>
-        <p:nvSpPr>
-          <p:cNvPr id="2" name="Title 1"/>
-          <p:cNvSpPr>
-            <a:spLocks noGrp="1"/>
-          </p:cNvSpPr>
-          <p:nvPr>
-            <p:ph type="title"/>
-          </p:nvPr>
-        </p:nvSpPr>
-        <p:spPr/>
-        <p:txBody>
-          <a:bodyPr/>
-          <a:lstStyle/>
-          <a:p>
-            <a:r>
-              <a:rPr lang="en-US" dirty="0" smtClean="0"/>
               <a:t>Routing/Navigation</a:t>
             </a:r>
             <a:endParaRPr lang="en-US" dirty="0"/>
@@ -10641,7 +11041,7 @@
 </p:sld>
 </file>
 
-<file path=ppt/slides/slide18.xml><?xml version="1.0" encoding="utf-8"?>
+<file path=ppt/slides/slide19.xml><?xml version="1.0" encoding="utf-8"?>
 <p:sld xmlns:a="http://schemas.openxmlformats.org/drawingml/2006/main" xmlns:r="http://schemas.openxmlformats.org/officeDocument/2006/relationships" xmlns:p="http://schemas.openxmlformats.org/presentationml/2006/main">
   <p:cSld>
     <p:spTree>
@@ -10754,7 +11154,138 @@
 </p:sld>
 </file>
 
-<file path=ppt/slides/slide19.xml><?xml version="1.0" encoding="utf-8"?>
+<file path=ppt/slides/slide2.xml><?xml version="1.0" encoding="utf-8"?>
+<p:sld xmlns:a="http://schemas.openxmlformats.org/drawingml/2006/main" xmlns:r="http://schemas.openxmlformats.org/officeDocument/2006/relationships" xmlns:p="http://schemas.openxmlformats.org/presentationml/2006/main">
+  <p:cSld>
+    <p:spTree>
+      <p:nvGrpSpPr>
+        <p:cNvPr id="1" name=""/>
+        <p:cNvGrpSpPr/>
+        <p:nvPr/>
+      </p:nvGrpSpPr>
+      <p:grpSpPr>
+        <a:xfrm>
+          <a:off x="0" y="0"/>
+          <a:ext cx="0" cy="0"/>
+          <a:chOff x="0" y="0"/>
+          <a:chExt cx="0" cy="0"/>
+        </a:xfrm>
+      </p:grpSpPr>
+      <p:sp>
+        <p:nvSpPr>
+          <p:cNvPr id="2" name="Title 1"/>
+          <p:cNvSpPr>
+            <a:spLocks noGrp="1"/>
+          </p:cNvSpPr>
+          <p:nvPr>
+            <p:ph type="title"/>
+          </p:nvPr>
+        </p:nvSpPr>
+        <p:spPr/>
+        <p:txBody>
+          <a:bodyPr/>
+          <a:lstStyle/>
+          <a:p>
+            <a:r>
+              <a:rPr lang="en-US" dirty="0" smtClean="0"/>
+              <a:t>Architecture of Angular?</a:t>
+            </a:r>
+            <a:endParaRPr lang="en-US" dirty="0"/>
+          </a:p>
+        </p:txBody>
+      </p:sp>
+      <p:sp>
+        <p:nvSpPr>
+          <p:cNvPr id="3" name="Content Placeholder 2"/>
+          <p:cNvSpPr>
+            <a:spLocks noGrp="1"/>
+          </p:cNvSpPr>
+          <p:nvPr>
+            <p:ph sz="half" idx="1"/>
+          </p:nvPr>
+        </p:nvSpPr>
+        <p:spPr/>
+        <p:txBody>
+          <a:bodyPr>
+            <a:normAutofit/>
+          </a:bodyPr>
+          <a:lstStyle/>
+          <a:p>
+            <a:r>
+              <a:rPr lang="en-US" sz="2800" dirty="0" smtClean="0"/>
+              <a:t>Modules</a:t>
+            </a:r>
+          </a:p>
+          <a:p>
+            <a:r>
+              <a:rPr lang="en-US" sz="2800" dirty="0" smtClean="0"/>
+              <a:t>Component</a:t>
+            </a:r>
+          </a:p>
+          <a:p>
+            <a:r>
+              <a:rPr lang="en-US" sz="2800" dirty="0" smtClean="0"/>
+              <a:t>Templates</a:t>
+            </a:r>
+          </a:p>
+          <a:p>
+            <a:r>
+              <a:rPr lang="en-US" sz="2800" dirty="0" smtClean="0"/>
+              <a:t>Directives</a:t>
+            </a:r>
+          </a:p>
+          <a:p>
+            <a:r>
+              <a:rPr lang="en-US" sz="2800" dirty="0" smtClean="0"/>
+              <a:t>Services</a:t>
+            </a:r>
+            <a:endParaRPr lang="en-US" sz="2800" dirty="0"/>
+          </a:p>
+        </p:txBody>
+      </p:sp>
+      <p:pic>
+        <p:nvPicPr>
+          <p:cNvPr id="5" name="Content Placeholder 4"/>
+          <p:cNvPicPr>
+            <a:picLocks noGrp="1" noChangeAspect="1"/>
+          </p:cNvPicPr>
+          <p:nvPr>
+            <p:ph sz="half" idx="2"/>
+          </p:nvPr>
+        </p:nvPicPr>
+        <p:blipFill>
+          <a:blip r:embed="rId3">
+            <a:extLst>
+              <a:ext uri="{28A0092B-C50C-407E-A947-70E740481C1C}">
+                <a14:useLocalDpi xmlns:a14="http://schemas.microsoft.com/office/drawing/2010/main" val="0"/>
+              </a:ext>
+            </a:extLst>
+          </a:blip>
+          <a:stretch>
+            <a:fillRect/>
+          </a:stretch>
+        </p:blipFill>
+        <p:spPr>
+          <a:xfrm>
+            <a:off x="5850309" y="1278573"/>
+            <a:ext cx="4200525" cy="4200525"/>
+          </a:xfrm>
+        </p:spPr>
+      </p:pic>
+    </p:spTree>
+    <p:extLst>
+      <p:ext uri="{BB962C8B-B14F-4D97-AF65-F5344CB8AC3E}">
+        <p14:creationId xmlns:p14="http://schemas.microsoft.com/office/powerpoint/2010/main" val="1761077246"/>
+      </p:ext>
+    </p:extLst>
+  </p:cSld>
+  <p:clrMapOvr>
+    <a:masterClrMapping/>
+  </p:clrMapOvr>
+</p:sld>
+</file>
+
+<file path=ppt/slides/slide20.xml><?xml version="1.0" encoding="utf-8"?>
 <p:sld xmlns:a="http://schemas.openxmlformats.org/drawingml/2006/main" xmlns:r="http://schemas.openxmlformats.org/officeDocument/2006/relationships" xmlns:p="http://schemas.openxmlformats.org/presentationml/2006/main">
   <p:cSld>
     <p:spTree>
@@ -10866,138 +11397,7 @@
 </p:sld>
 </file>
 
-<file path=ppt/slides/slide2.xml><?xml version="1.0" encoding="utf-8"?>
-<p:sld xmlns:a="http://schemas.openxmlformats.org/drawingml/2006/main" xmlns:r="http://schemas.openxmlformats.org/officeDocument/2006/relationships" xmlns:p="http://schemas.openxmlformats.org/presentationml/2006/main">
-  <p:cSld>
-    <p:spTree>
-      <p:nvGrpSpPr>
-        <p:cNvPr id="1" name=""/>
-        <p:cNvGrpSpPr/>
-        <p:nvPr/>
-      </p:nvGrpSpPr>
-      <p:grpSpPr>
-        <a:xfrm>
-          <a:off x="0" y="0"/>
-          <a:ext cx="0" cy="0"/>
-          <a:chOff x="0" y="0"/>
-          <a:chExt cx="0" cy="0"/>
-        </a:xfrm>
-      </p:grpSpPr>
-      <p:sp>
-        <p:nvSpPr>
-          <p:cNvPr id="2" name="Title 1"/>
-          <p:cNvSpPr>
-            <a:spLocks noGrp="1"/>
-          </p:cNvSpPr>
-          <p:nvPr>
-            <p:ph type="title"/>
-          </p:nvPr>
-        </p:nvSpPr>
-        <p:spPr/>
-        <p:txBody>
-          <a:bodyPr/>
-          <a:lstStyle/>
-          <a:p>
-            <a:r>
-              <a:rPr lang="en-US" dirty="0" smtClean="0"/>
-              <a:t>Architecture of Angular?</a:t>
-            </a:r>
-            <a:endParaRPr lang="en-US" dirty="0"/>
-          </a:p>
-        </p:txBody>
-      </p:sp>
-      <p:sp>
-        <p:nvSpPr>
-          <p:cNvPr id="3" name="Content Placeholder 2"/>
-          <p:cNvSpPr>
-            <a:spLocks noGrp="1"/>
-          </p:cNvSpPr>
-          <p:nvPr>
-            <p:ph sz="half" idx="1"/>
-          </p:nvPr>
-        </p:nvSpPr>
-        <p:spPr/>
-        <p:txBody>
-          <a:bodyPr>
-            <a:normAutofit/>
-          </a:bodyPr>
-          <a:lstStyle/>
-          <a:p>
-            <a:r>
-              <a:rPr lang="en-US" sz="2800" dirty="0" smtClean="0"/>
-              <a:t>Modules</a:t>
-            </a:r>
-          </a:p>
-          <a:p>
-            <a:r>
-              <a:rPr lang="en-US" sz="2800" dirty="0" smtClean="0"/>
-              <a:t>Component</a:t>
-            </a:r>
-          </a:p>
-          <a:p>
-            <a:r>
-              <a:rPr lang="en-US" sz="2800" dirty="0" smtClean="0"/>
-              <a:t>Templates</a:t>
-            </a:r>
-          </a:p>
-          <a:p>
-            <a:r>
-              <a:rPr lang="en-US" sz="2800" dirty="0" smtClean="0"/>
-              <a:t>Directives</a:t>
-            </a:r>
-          </a:p>
-          <a:p>
-            <a:r>
-              <a:rPr lang="en-US" sz="2800" dirty="0" smtClean="0"/>
-              <a:t>Services</a:t>
-            </a:r>
-            <a:endParaRPr lang="en-US" sz="2800" dirty="0"/>
-          </a:p>
-        </p:txBody>
-      </p:sp>
-      <p:pic>
-        <p:nvPicPr>
-          <p:cNvPr id="5" name="Content Placeholder 4"/>
-          <p:cNvPicPr>
-            <a:picLocks noGrp="1" noChangeAspect="1"/>
-          </p:cNvPicPr>
-          <p:nvPr>
-            <p:ph sz="half" idx="2"/>
-          </p:nvPr>
-        </p:nvPicPr>
-        <p:blipFill>
-          <a:blip r:embed="rId3">
-            <a:extLst>
-              <a:ext uri="{28A0092B-C50C-407E-A947-70E740481C1C}">
-                <a14:useLocalDpi xmlns:a14="http://schemas.microsoft.com/office/drawing/2010/main" val="0"/>
-              </a:ext>
-            </a:extLst>
-          </a:blip>
-          <a:stretch>
-            <a:fillRect/>
-          </a:stretch>
-        </p:blipFill>
-        <p:spPr>
-          <a:xfrm>
-            <a:off x="5850309" y="1278573"/>
-            <a:ext cx="4200525" cy="4200525"/>
-          </a:xfrm>
-        </p:spPr>
-      </p:pic>
-    </p:spTree>
-    <p:extLst>
-      <p:ext uri="{BB962C8B-B14F-4D97-AF65-F5344CB8AC3E}">
-        <p14:creationId xmlns:p14="http://schemas.microsoft.com/office/powerpoint/2010/main" val="1761077246"/>
-      </p:ext>
-    </p:extLst>
-  </p:cSld>
-  <p:clrMapOvr>
-    <a:masterClrMapping/>
-  </p:clrMapOvr>
-</p:sld>
-</file>
-
-<file path=ppt/slides/slide20.xml><?xml version="1.0" encoding="utf-8"?>
+<file path=ppt/slides/slide21.xml><?xml version="1.0" encoding="utf-8"?>
 <p:sld xmlns:a="http://schemas.openxmlformats.org/drawingml/2006/main" xmlns:r="http://schemas.openxmlformats.org/officeDocument/2006/relationships" xmlns:p="http://schemas.openxmlformats.org/presentationml/2006/main">
   <p:cSld>
     <p:spTree>
@@ -11126,7 +11526,7 @@
 </p:sld>
 </file>
 
-<file path=ppt/slides/slide21.xml><?xml version="1.0" encoding="utf-8"?>
+<file path=ppt/slides/slide22.xml><?xml version="1.0" encoding="utf-8"?>
 <p:sld xmlns:a="http://schemas.openxmlformats.org/drawingml/2006/main" xmlns:r="http://schemas.openxmlformats.org/officeDocument/2006/relationships" xmlns:p="http://schemas.openxmlformats.org/presentationml/2006/main">
   <p:cSld>
     <p:spTree>
@@ -11246,7 +11646,264 @@
 </p:sld>
 </file>
 
-<file path=ppt/slides/slide22.xml><?xml version="1.0" encoding="utf-8"?>
+<file path=ppt/slides/slide23.xml><?xml version="1.0" encoding="utf-8"?>
+<p:sld xmlns:a="http://schemas.openxmlformats.org/drawingml/2006/main" xmlns:r="http://schemas.openxmlformats.org/officeDocument/2006/relationships" xmlns:p="http://schemas.openxmlformats.org/presentationml/2006/main">
+  <p:cSld>
+    <p:spTree>
+      <p:nvGrpSpPr>
+        <p:cNvPr id="1" name=""/>
+        <p:cNvGrpSpPr/>
+        <p:nvPr/>
+      </p:nvGrpSpPr>
+      <p:grpSpPr>
+        <a:xfrm>
+          <a:off x="0" y="0"/>
+          <a:ext cx="0" cy="0"/>
+          <a:chOff x="0" y="0"/>
+          <a:chExt cx="0" cy="0"/>
+        </a:xfrm>
+      </p:grpSpPr>
+      <p:sp>
+        <p:nvSpPr>
+          <p:cNvPr id="2" name="Title 1"/>
+          <p:cNvSpPr>
+            <a:spLocks noGrp="1"/>
+          </p:cNvSpPr>
+          <p:nvPr>
+            <p:ph type="title"/>
+          </p:nvPr>
+        </p:nvSpPr>
+        <p:spPr/>
+        <p:txBody>
+          <a:bodyPr/>
+          <a:lstStyle/>
+          <a:p>
+            <a:r>
+              <a:rPr lang="en-US" dirty="0" smtClean="0"/>
+              <a:t>CORS</a:t>
+            </a:r>
+            <a:endParaRPr lang="en-US" dirty="0"/>
+          </a:p>
+        </p:txBody>
+      </p:sp>
+      <p:sp>
+        <p:nvSpPr>
+          <p:cNvPr id="3" name="Content Placeholder 2"/>
+          <p:cNvSpPr>
+            <a:spLocks noGrp="1"/>
+          </p:cNvSpPr>
+          <p:nvPr>
+            <p:ph sz="half" idx="1"/>
+          </p:nvPr>
+        </p:nvSpPr>
+        <p:spPr/>
+        <p:txBody>
+          <a:bodyPr>
+            <a:normAutofit/>
+          </a:bodyPr>
+          <a:lstStyle/>
+          <a:p>
+            <a:r>
+              <a:rPr lang="en-US" sz="3200" dirty="0" smtClean="0"/>
+              <a:t>Cross-Origin Resource Sharing</a:t>
+            </a:r>
+          </a:p>
+          <a:p>
+            <a:r>
+              <a:rPr lang="en-US" sz="3200" dirty="0" smtClean="0"/>
+              <a:t>By default Web API does not allow cross domain requests.</a:t>
+            </a:r>
+          </a:p>
+          <a:p>
+            <a:r>
+              <a:rPr lang="en-US" sz="3200" dirty="0" smtClean="0"/>
+              <a:t>Modify </a:t>
+            </a:r>
+            <a:r>
+              <a:rPr lang="en-US" sz="3200" dirty="0" err="1" smtClean="0"/>
+              <a:t>Startup.cs</a:t>
+            </a:r>
+            <a:endParaRPr lang="en-US" sz="3200" dirty="0" smtClean="0"/>
+          </a:p>
+        </p:txBody>
+      </p:sp>
+      <p:sp>
+        <p:nvSpPr>
+          <p:cNvPr id="5" name="Content Placeholder 4"/>
+          <p:cNvSpPr>
+            <a:spLocks noGrp="1"/>
+          </p:cNvSpPr>
+          <p:nvPr>
+            <p:ph sz="half" idx="2"/>
+          </p:nvPr>
+        </p:nvSpPr>
+        <p:spPr>
+          <a:xfrm>
+            <a:off x="5654493" y="2056092"/>
+            <a:ext cx="5974290" cy="4200245"/>
+          </a:xfrm>
+        </p:spPr>
+        <p:txBody>
+          <a:bodyPr/>
+          <a:lstStyle/>
+          <a:p>
+            <a:r>
+              <a:rPr lang="en-US" sz="2400" dirty="0" err="1" smtClean="0"/>
+              <a:t>ConfigureServices</a:t>
+            </a:r>
+            <a:r>
+              <a:rPr lang="en-US" sz="2400" dirty="0" smtClean="0"/>
+              <a:t> Method</a:t>
+            </a:r>
+          </a:p>
+          <a:p>
+            <a:pPr marL="0" indent="0">
+              <a:buNone/>
+            </a:pPr>
+            <a:r>
+              <a:rPr lang="en-US" dirty="0" err="1" smtClean="0"/>
+              <a:t>services.AddCors</a:t>
+            </a:r>
+            <a:r>
+              <a:rPr lang="en-US" dirty="0" smtClean="0"/>
+              <a:t>(o </a:t>
+            </a:r>
+            <a:r>
+              <a:rPr lang="en-US" dirty="0"/>
+              <a:t>=&gt; </a:t>
+            </a:r>
+            <a:r>
+              <a:rPr lang="en-US" dirty="0" err="1"/>
+              <a:t>o.AddPolicy</a:t>
+            </a:r>
+            <a:r>
+              <a:rPr lang="en-US" dirty="0"/>
+              <a:t>("</a:t>
+            </a:r>
+            <a:r>
+              <a:rPr lang="en-US" dirty="0" err="1"/>
+              <a:t>AllowSpecificOrigin</a:t>
+            </a:r>
+            <a:r>
+              <a:rPr lang="en-US" dirty="0"/>
+              <a:t>", builder =&gt;</a:t>
+            </a:r>
+          </a:p>
+          <a:p>
+            <a:pPr marL="0" indent="0">
+              <a:buNone/>
+            </a:pPr>
+            <a:r>
+              <a:rPr lang="en-US" dirty="0"/>
+              <a:t>{</a:t>
+            </a:r>
+          </a:p>
+          <a:p>
+            <a:pPr marL="0" indent="0">
+              <a:buNone/>
+            </a:pPr>
+            <a:r>
+              <a:rPr lang="en-US" dirty="0" smtClean="0"/>
+              <a:t>	</a:t>
+            </a:r>
+            <a:r>
+              <a:rPr lang="en-US" dirty="0" err="1" smtClean="0"/>
+              <a:t>builder.AllowAnyOrigin</a:t>
+            </a:r>
+            <a:r>
+              <a:rPr lang="en-US" dirty="0"/>
+              <a:t>()</a:t>
+            </a:r>
+          </a:p>
+          <a:p>
+            <a:pPr marL="0" indent="0">
+              <a:buNone/>
+            </a:pPr>
+            <a:r>
+              <a:rPr lang="en-US" dirty="0" smtClean="0"/>
+              <a:t>	.</a:t>
+            </a:r>
+            <a:r>
+              <a:rPr lang="en-US" dirty="0" err="1" smtClean="0"/>
+              <a:t>AllowAnyMethod</a:t>
+            </a:r>
+            <a:r>
+              <a:rPr lang="en-US" dirty="0"/>
+              <a:t>()</a:t>
+            </a:r>
+          </a:p>
+          <a:p>
+            <a:pPr marL="0" indent="0">
+              <a:buNone/>
+            </a:pPr>
+            <a:r>
+              <a:rPr lang="en-US" dirty="0" smtClean="0"/>
+              <a:t>	.</a:t>
+            </a:r>
+            <a:r>
+              <a:rPr lang="en-US" dirty="0" err="1"/>
+              <a:t>AllowAnyHeader</a:t>
+            </a:r>
+            <a:r>
+              <a:rPr lang="en-US" dirty="0"/>
+              <a:t>();</a:t>
+            </a:r>
+          </a:p>
+          <a:p>
+            <a:pPr marL="0" indent="0">
+              <a:buNone/>
+            </a:pPr>
+            <a:r>
+              <a:rPr lang="en-US" dirty="0"/>
+              <a:t>}));</a:t>
+            </a:r>
+          </a:p>
+          <a:p>
+            <a:r>
+              <a:rPr lang="en-US" sz="2400" dirty="0" smtClean="0"/>
+              <a:t>Configure Method</a:t>
+            </a:r>
+          </a:p>
+          <a:p>
+            <a:pPr marL="0" indent="0">
+              <a:buNone/>
+            </a:pPr>
+            <a:r>
+              <a:rPr lang="en-US" dirty="0" err="1" smtClean="0"/>
+              <a:t>app.UseCors</a:t>
+            </a:r>
+            <a:r>
+              <a:rPr lang="en-US" dirty="0"/>
+              <a:t>("</a:t>
+            </a:r>
+            <a:r>
+              <a:rPr lang="en-US" dirty="0" err="1"/>
+              <a:t>AllowSpecificOrigin</a:t>
+            </a:r>
+            <a:r>
+              <a:rPr lang="en-US" dirty="0"/>
+              <a:t>");</a:t>
+            </a:r>
+          </a:p>
+          <a:p>
+            <a:endParaRPr lang="en-US" dirty="0"/>
+          </a:p>
+        </p:txBody>
+      </p:sp>
+    </p:spTree>
+    <p:extLst>
+      <p:ext uri="{BB962C8B-B14F-4D97-AF65-F5344CB8AC3E}">
+        <p14:creationId xmlns:p14="http://schemas.microsoft.com/office/powerpoint/2010/main" val="4240054059"/>
+      </p:ext>
+    </p:extLst>
+  </p:cSld>
+  <p:clrMapOvr>
+    <a:masterClrMapping/>
+  </p:clrMapOvr>
+</p:sld>
+</file>
+
+<file path=ppt/slides/slide24.xml><?xml version="1.0" encoding="utf-8"?>
 <p:sld xmlns:a="http://schemas.openxmlformats.org/drawingml/2006/main" xmlns:r="http://schemas.openxmlformats.org/officeDocument/2006/relationships" xmlns:p="http://schemas.openxmlformats.org/presentationml/2006/main">
   <p:cSld>
     <p:spTree>
@@ -11359,7 +12016,7 @@
 </p:sld>
 </file>
 
-<file path=ppt/slides/slide23.xml><?xml version="1.0" encoding="utf-8"?>
+<file path=ppt/slides/slide25.xml><?xml version="1.0" encoding="utf-8"?>
 <p:sld xmlns:a="http://schemas.openxmlformats.org/drawingml/2006/main" xmlns:r="http://schemas.openxmlformats.org/officeDocument/2006/relationships" xmlns:p="http://schemas.openxmlformats.org/presentationml/2006/main">
   <p:cSld>
     <p:spTree>
@@ -11495,7 +12152,7 @@
 </p:sld>
 </file>
 
-<file path=ppt/slides/slide24.xml><?xml version="1.0" encoding="utf-8"?>
+<file path=ppt/slides/slide26.xml><?xml version="1.0" encoding="utf-8"?>
 <p:sld xmlns:a="http://schemas.openxmlformats.org/drawingml/2006/main" xmlns:r="http://schemas.openxmlformats.org/officeDocument/2006/relationships" xmlns:p="http://schemas.openxmlformats.org/presentationml/2006/main">
   <p:cSld>
     <p:spTree>
@@ -11608,7 +12265,7 @@
 </p:sld>
 </file>
 
-<file path=ppt/slides/slide25.xml><?xml version="1.0" encoding="utf-8"?>
+<file path=ppt/slides/slide27.xml><?xml version="1.0" encoding="utf-8"?>
 <p:sld xmlns:a="http://schemas.openxmlformats.org/drawingml/2006/main" xmlns:r="http://schemas.openxmlformats.org/officeDocument/2006/relationships" xmlns:p="http://schemas.openxmlformats.org/presentationml/2006/main">
   <p:cSld>
     <p:spTree>
@@ -12167,7 +12824,17 @@
           <a:p>
             <a:r>
               <a:rPr lang="en-US" sz="2400" dirty="0" smtClean="0"/>
-              <a:t>Adds Metadata as needed</a:t>
+              <a:t>Adds Metadata as </a:t>
+            </a:r>
+            <a:r>
+              <a:rPr lang="en-US" sz="2400" dirty="0" smtClean="0"/>
+              <a:t>needed</a:t>
+            </a:r>
+          </a:p>
+          <a:p>
+            <a:r>
+              <a:rPr lang="en-US" sz="2400" dirty="0" smtClean="0"/>
+              <a:t>Uses Export and Import keywords to export and import modules</a:t>
             </a:r>
             <a:endParaRPr lang="en-US" sz="2400" dirty="0"/>
           </a:p>
@@ -12358,6 +13025,144 @@
           <a:p>
             <a:r>
               <a:rPr lang="en-US" dirty="0" smtClean="0"/>
+              <a:t>Assets Folder</a:t>
+            </a:r>
+            <a:endParaRPr lang="en-US" dirty="0"/>
+          </a:p>
+        </p:txBody>
+      </p:sp>
+      <p:sp>
+        <p:nvSpPr>
+          <p:cNvPr id="3" name="Content Placeholder 2"/>
+          <p:cNvSpPr>
+            <a:spLocks noGrp="1"/>
+          </p:cNvSpPr>
+          <p:nvPr>
+            <p:ph sz="half" idx="1"/>
+          </p:nvPr>
+        </p:nvSpPr>
+        <p:spPr/>
+        <p:txBody>
+          <a:bodyPr>
+            <a:normAutofit/>
+          </a:bodyPr>
+          <a:lstStyle/>
+          <a:p>
+            <a:r>
+              <a:rPr lang="en-US" sz="2800" dirty="0" smtClean="0"/>
+              <a:t>Contains all assets for application.</a:t>
+            </a:r>
+          </a:p>
+          <a:p>
+            <a:r>
+              <a:rPr lang="en-US" sz="2800" dirty="0" smtClean="0"/>
+              <a:t>Non Angular assets</a:t>
+            </a:r>
+          </a:p>
+          <a:p>
+            <a:r>
+              <a:rPr lang="en-US" sz="2800" dirty="0" smtClean="0"/>
+              <a:t>Images</a:t>
+            </a:r>
+          </a:p>
+          <a:p>
+            <a:r>
+              <a:rPr lang="en-US" sz="2800" dirty="0" smtClean="0"/>
+              <a:t>CSS Files not tied to component</a:t>
+            </a:r>
+          </a:p>
+          <a:p>
+            <a:r>
+              <a:rPr lang="en-US" sz="2800" dirty="0" smtClean="0"/>
+              <a:t>Reference files as:</a:t>
+            </a:r>
+          </a:p>
+          <a:p>
+            <a:r>
+              <a:rPr lang="en-US" sz="2800" dirty="0" smtClean="0"/>
+              <a:t>/assets/…/img.jpg</a:t>
+            </a:r>
+            <a:endParaRPr lang="en-US" sz="2800" dirty="0"/>
+          </a:p>
+        </p:txBody>
+      </p:sp>
+      <p:pic>
+        <p:nvPicPr>
+          <p:cNvPr id="4" name="Picture 3"/>
+          <p:cNvPicPr>
+            <a:picLocks noChangeAspect="1"/>
+          </p:cNvPicPr>
+          <p:nvPr/>
+        </p:nvPicPr>
+        <p:blipFill>
+          <a:blip r:embed="rId3" cstate="print">
+            <a:extLst>
+              <a:ext uri="{28A0092B-C50C-407E-A947-70E740481C1C}">
+                <a14:useLocalDpi xmlns:a14="http://schemas.microsoft.com/office/drawing/2010/main" val="0"/>
+              </a:ext>
+            </a:extLst>
+          </a:blip>
+          <a:stretch>
+            <a:fillRect/>
+          </a:stretch>
+        </p:blipFill>
+        <p:spPr>
+          <a:xfrm>
+            <a:off x="6175512" y="1152983"/>
+            <a:ext cx="4816748" cy="3747028"/>
+          </a:xfrm>
+          <a:prstGeom prst="rect">
+            <a:avLst/>
+          </a:prstGeom>
+        </p:spPr>
+      </p:pic>
+    </p:spTree>
+    <p:extLst>
+      <p:ext uri="{BB962C8B-B14F-4D97-AF65-F5344CB8AC3E}">
+        <p14:creationId xmlns:p14="http://schemas.microsoft.com/office/powerpoint/2010/main" val="2354834598"/>
+      </p:ext>
+    </p:extLst>
+  </p:cSld>
+  <p:clrMapOvr>
+    <a:masterClrMapping/>
+  </p:clrMapOvr>
+</p:sld>
+</file>
+
+<file path=ppt/slides/slide9.xml><?xml version="1.0" encoding="utf-8"?>
+<p:sld xmlns:a="http://schemas.openxmlformats.org/drawingml/2006/main" xmlns:r="http://schemas.openxmlformats.org/officeDocument/2006/relationships" xmlns:p="http://schemas.openxmlformats.org/presentationml/2006/main">
+  <p:cSld>
+    <p:spTree>
+      <p:nvGrpSpPr>
+        <p:cNvPr id="1" name=""/>
+        <p:cNvGrpSpPr/>
+        <p:nvPr/>
+      </p:nvGrpSpPr>
+      <p:grpSpPr>
+        <a:xfrm>
+          <a:off x="0" y="0"/>
+          <a:ext cx="0" cy="0"/>
+          <a:chOff x="0" y="0"/>
+          <a:chExt cx="0" cy="0"/>
+        </a:xfrm>
+      </p:grpSpPr>
+      <p:sp>
+        <p:nvSpPr>
+          <p:cNvPr id="2" name="Title 1"/>
+          <p:cNvSpPr>
+            <a:spLocks noGrp="1"/>
+          </p:cNvSpPr>
+          <p:nvPr>
+            <p:ph type="title"/>
+          </p:nvPr>
+        </p:nvSpPr>
+        <p:spPr/>
+        <p:txBody>
+          <a:bodyPr/>
+          <a:lstStyle/>
+          <a:p>
+            <a:r>
+              <a:rPr lang="en-US" dirty="0" smtClean="0"/>
               <a:t>EXAMPLE</a:t>
             </a:r>
             <a:endParaRPr lang="en-US" dirty="0"/>
@@ -12421,118 +13226,6 @@
     <p:extLst>
       <p:ext uri="{BB962C8B-B14F-4D97-AF65-F5344CB8AC3E}">
         <p14:creationId xmlns:p14="http://schemas.microsoft.com/office/powerpoint/2010/main" val="796004934"/>
-      </p:ext>
-    </p:extLst>
-  </p:cSld>
-  <p:clrMapOvr>
-    <a:masterClrMapping/>
-  </p:clrMapOvr>
-  <p:timing>
-    <p:tnLst>
-      <p:par>
-        <p:cTn id="1" dur="indefinite" restart="never" nodeType="tmRoot"/>
-      </p:par>
-    </p:tnLst>
-  </p:timing>
-</p:sld>
-</file>
-
-<file path=ppt/slides/slide9.xml><?xml version="1.0" encoding="utf-8"?>
-<p:sld xmlns:a="http://schemas.openxmlformats.org/drawingml/2006/main" xmlns:r="http://schemas.openxmlformats.org/officeDocument/2006/relationships" xmlns:p="http://schemas.openxmlformats.org/presentationml/2006/main">
-  <p:cSld>
-    <p:spTree>
-      <p:nvGrpSpPr>
-        <p:cNvPr id="1" name=""/>
-        <p:cNvGrpSpPr/>
-        <p:nvPr/>
-      </p:nvGrpSpPr>
-      <p:grpSpPr>
-        <a:xfrm>
-          <a:off x="0" y="0"/>
-          <a:ext cx="0" cy="0"/>
-          <a:chOff x="0" y="0"/>
-          <a:chExt cx="0" cy="0"/>
-        </a:xfrm>
-      </p:grpSpPr>
-      <p:sp>
-        <p:nvSpPr>
-          <p:cNvPr id="2" name="Title 1"/>
-          <p:cNvSpPr>
-            <a:spLocks noGrp="1"/>
-          </p:cNvSpPr>
-          <p:nvPr>
-            <p:ph type="ctrTitle"/>
-          </p:nvPr>
-        </p:nvSpPr>
-        <p:spPr/>
-        <p:txBody>
-          <a:bodyPr/>
-          <a:lstStyle/>
-          <a:p>
-            <a:r>
-              <a:rPr lang="en-US" dirty="0" smtClean="0"/>
-              <a:t>ASSESSMENT</a:t>
-            </a:r>
-            <a:endParaRPr lang="en-US" dirty="0"/>
-          </a:p>
-        </p:txBody>
-      </p:sp>
-      <p:sp>
-        <p:nvSpPr>
-          <p:cNvPr id="3" name="Subtitle 2"/>
-          <p:cNvSpPr>
-            <a:spLocks noGrp="1"/>
-          </p:cNvSpPr>
-          <p:nvPr>
-            <p:ph type="subTitle" idx="1"/>
-          </p:nvPr>
-        </p:nvSpPr>
-        <p:spPr/>
-        <p:txBody>
-          <a:bodyPr/>
-          <a:lstStyle/>
-          <a:p>
-            <a:r>
-              <a:rPr lang="en-US" dirty="0"/>
-              <a:t>Angular Components and Templates</a:t>
-            </a:r>
-          </a:p>
-        </p:txBody>
-      </p:sp>
-      <p:pic>
-        <p:nvPicPr>
-          <p:cNvPr id="4" name="Picture 3"/>
-          <p:cNvPicPr>
-            <a:picLocks noChangeAspect="1"/>
-          </p:cNvPicPr>
-          <p:nvPr/>
-        </p:nvPicPr>
-        <p:blipFill>
-          <a:blip r:embed="rId3">
-            <a:extLst>
-              <a:ext uri="{28A0092B-C50C-407E-A947-70E740481C1C}">
-                <a14:useLocalDpi xmlns:a14="http://schemas.microsoft.com/office/drawing/2010/main" val="0"/>
-              </a:ext>
-            </a:extLst>
-          </a:blip>
-          <a:stretch>
-            <a:fillRect/>
-          </a:stretch>
-        </p:blipFill>
-        <p:spPr>
-          <a:xfrm>
-            <a:off x="7950200" y="1447800"/>
-            <a:ext cx="3571240" cy="4529836"/>
-          </a:xfrm>
-          <a:prstGeom prst="rect">
-            <a:avLst/>
-          </a:prstGeom>
-        </p:spPr>
-      </p:pic>
-    </p:spTree>
-    <p:extLst>
-      <p:ext uri="{BB962C8B-B14F-4D97-AF65-F5344CB8AC3E}">
-        <p14:creationId xmlns:p14="http://schemas.microsoft.com/office/powerpoint/2010/main" val="1093543914"/>
       </p:ext>
     </p:extLst>
   </p:cSld>
